--- a/cv/CV_RWARREN_PPT.pptx
+++ b/cv/CV_RWARREN_PPT.pptx
@@ -3108,8 +3108,8 @@
         </p:nvSpPr>
         <p:spPr>
           <a:xfrm>
-            <a:off x="0" y="53806"/>
-            <a:ext cx="6858000" cy="806450"/>
+            <a:off x="88900" y="66506"/>
+            <a:ext cx="6699250" cy="806450"/>
           </a:xfrm>
           <a:prstGeom prst="rect">
             <a:avLst/>
@@ -3176,19 +3176,7 @@
           <a:p>
             <a:r>
               <a:rPr lang="en-US" sz="1100" dirty="0" smtClean="0"/>
-              <a:t>2015</a:t>
-            </a:r>
-            <a:r>
-              <a:rPr lang="en-US" sz="1100" dirty="0" smtClean="0"/>
-              <a:t>, </a:t>
-            </a:r>
-            <a:r>
-              <a:rPr lang="en-US" sz="1100" dirty="0" smtClean="0"/>
-              <a:t>16       Awarded </a:t>
-            </a:r>
-            <a:r>
-              <a:rPr lang="en-US" sz="1100" dirty="0" smtClean="0"/>
-              <a:t>the </a:t>
+              <a:t>2015, 16       Awarded the </a:t>
             </a:r>
             <a:r>
               <a:rPr lang="en-US" sz="1100" i="1" dirty="0" smtClean="0"/>
@@ -3200,11 +3188,7 @@
             </a:r>
             <a:r>
               <a:rPr lang="en-US" sz="1100" i="1" dirty="0" smtClean="0"/>
-              <a:t> Knowledge </a:t>
-            </a:r>
-            <a:r>
-              <a:rPr lang="en-US" sz="1100" i="1" dirty="0" smtClean="0"/>
-              <a:t>Fund</a:t>
+              <a:t> Knowledge Fund</a:t>
             </a:r>
             <a:endParaRPr lang="en-US" sz="1100" dirty="0" smtClean="0"/>
           </a:p>
@@ -3221,7 +3205,6 @@
               <a:rPr lang="en-US" sz="1100" dirty="0" smtClean="0"/>
               <a:t> cancer discovery</a:t>
             </a:r>
-            <a:endParaRPr lang="en-US" sz="1100" dirty="0" smtClean="0"/>
           </a:p>
           <a:p>
             <a:r>
@@ -3242,17 +3225,8 @@
             </a:r>
             <a:r>
               <a:rPr lang="en-US" sz="1100" dirty="0" smtClean="0"/>
-              <a:t> next</a:t>
-            </a:r>
-            <a:r>
-              <a:rPr lang="en-US" sz="1100" dirty="0" smtClean="0"/>
-              <a:t>-</a:t>
-            </a:r>
-            <a:r>
-              <a:rPr lang="en-US" sz="1100" dirty="0" smtClean="0"/>
-              <a:t>gen seq.</a:t>
-            </a:r>
-            <a:endParaRPr lang="en-US" sz="1100" dirty="0" smtClean="0"/>
+              <a:t> next-gen seq.</a:t>
+            </a:r>
           </a:p>
           <a:p>
             <a:r>
@@ -3267,29 +3241,18 @@
               <a:rPr lang="en-US" sz="1100" dirty="0" smtClean="0"/>
               <a:t> interview, SSAKE development</a:t>
             </a:r>
-            <a:endParaRPr lang="en-US" sz="1100" dirty="0" smtClean="0"/>
           </a:p>
           <a:p>
             <a:r>
               <a:rPr lang="en-US" sz="1100" dirty="0" smtClean="0"/>
-              <a:t>1998                   Awarded MSc </a:t>
-            </a:r>
-            <a:r>
-              <a:rPr lang="en-US" sz="1100" dirty="0" smtClean="0"/>
-              <a:t>UBC Graduate </a:t>
-            </a:r>
-            <a:r>
-              <a:rPr lang="en-US" sz="1100" dirty="0" smtClean="0"/>
-              <a:t>Fellowship</a:t>
-            </a:r>
-            <a:endParaRPr lang="en-US" sz="1100" dirty="0" smtClean="0"/>
+              <a:t>1998                   Awarded MSc UBC Graduate Fellowship</a:t>
+            </a:r>
           </a:p>
           <a:p>
             <a:r>
               <a:rPr lang="en-US" sz="1100" dirty="0" smtClean="0"/>
               <a:t>1997                                          Awarded BSc FRSQ bursary</a:t>
             </a:r>
-            <a:endParaRPr lang="en-US" sz="1100" dirty="0" smtClean="0"/>
           </a:p>
           <a:p>
             <a:r>
@@ -3302,29 +3265,13 @@
             </a:r>
             <a:r>
               <a:rPr lang="en-US" sz="1100" dirty="0" smtClean="0"/>
-              <a:t> </a:t>
-            </a:r>
+              <a:t> research project </a:t>
+            </a:r>
+          </a:p>
+          <a:p>
             <a:r>
               <a:rPr lang="en-US" sz="1100" dirty="0" smtClean="0"/>
-              <a:t>research project </a:t>
-            </a:r>
-          </a:p>
-          <a:p>
-            <a:r>
-              <a:rPr lang="en-US" sz="1100" dirty="0" smtClean="0"/>
-              <a:t>1995   Worked </a:t>
-            </a:r>
-            <a:r>
-              <a:rPr lang="en-US" sz="1100" dirty="0" smtClean="0"/>
-              <a:t>at </a:t>
-            </a:r>
-            <a:r>
-              <a:rPr lang="en-US" sz="1100" dirty="0" smtClean="0"/>
-              <a:t>NASA, CMIX</a:t>
-            </a:r>
-            <a:r>
-              <a:rPr lang="en-US" sz="1100" dirty="0" smtClean="0"/>
-              <a:t>-4 </a:t>
+              <a:t>1995   Worked at NASA, CMIX-4 </a:t>
             </a:r>
             <a:r>
               <a:rPr lang="en-US" sz="1100" dirty="0"/>
@@ -3334,7 +3281,6 @@
               <a:rPr lang="en-US" sz="1100" dirty="0" smtClean="0"/>
               <a:t>crystal.</a:t>
             </a:r>
-            <a:endParaRPr lang="en-US" sz="1100" dirty="0" smtClean="0"/>
           </a:p>
           <a:p>
             <a:endParaRPr lang="en-US" sz="800" dirty="0" smtClean="0"/>
@@ -3355,11 +3301,7 @@
             <a:pPr algn="r"/>
             <a:r>
               <a:rPr lang="en-US" sz="1100" i="1" dirty="0" smtClean="0"/>
-              <a:t>Selected from 17 lead </a:t>
-            </a:r>
-            <a:r>
-              <a:rPr lang="en-US" sz="1100" i="1" dirty="0" smtClean="0"/>
-              <a:t>author</a:t>
+              <a:t>Selected from 17 lead author</a:t>
             </a:r>
             <a:endParaRPr lang="en-US" sz="1100" dirty="0" smtClean="0"/>
           </a:p>
@@ -3369,15 +3311,7 @@
           <a:p>
             <a:r>
               <a:rPr lang="en-US" sz="1100" dirty="0" smtClean="0"/>
-              <a:t>2017</a:t>
-            </a:r>
-            <a:r>
-              <a:rPr lang="en-US" sz="1100" dirty="0" smtClean="0"/>
-              <a:t>, </a:t>
-            </a:r>
-            <a:r>
-              <a:rPr lang="en-US" sz="1100" dirty="0" smtClean="0"/>
-              <a:t>18         </a:t>
+              <a:t>2017, 18         </a:t>
             </a:r>
             <a:r>
               <a:rPr lang="en-US" sz="1100" b="1" dirty="0" smtClean="0"/>
@@ -3385,15 +3319,7 @@
             </a:r>
             <a:r>
               <a:rPr lang="en-US" sz="1100" dirty="0" smtClean="0"/>
-              <a:t>, </a:t>
-            </a:r>
-            <a:r>
-              <a:rPr lang="en-US" sz="1100" dirty="0" smtClean="0"/>
-              <a:t>Hong Kong / </a:t>
-            </a:r>
-            <a:r>
-              <a:rPr lang="en-US" sz="1100" dirty="0" smtClean="0"/>
-              <a:t>Paris                 </a:t>
+              <a:t>, Hong Kong / Paris                 </a:t>
             </a:r>
             <a:r>
               <a:rPr lang="en-US" sz="1100" b="1" dirty="0" smtClean="0"/>
@@ -3404,15 +3330,7 @@
           <a:p>
             <a:r>
               <a:rPr lang="en-US" sz="1100" dirty="0" smtClean="0"/>
-              <a:t>2015</a:t>
-            </a:r>
-            <a:r>
-              <a:rPr lang="en-US" sz="1100" dirty="0" smtClean="0"/>
-              <a:t>, 16, </a:t>
-            </a:r>
-            <a:r>
-              <a:rPr lang="en-US" sz="1100" dirty="0" smtClean="0"/>
-              <a:t>19   </a:t>
+              <a:t>2015, 16, 19   </a:t>
             </a:r>
             <a:r>
               <a:rPr lang="en-US" sz="1100" b="1" dirty="0" smtClean="0"/>
@@ -3420,15 +3338,7 @@
             </a:r>
             <a:r>
               <a:rPr lang="en-US" sz="1100" dirty="0" smtClean="0"/>
-              <a:t>, </a:t>
-            </a:r>
-            <a:r>
-              <a:rPr lang="en-US" sz="1100" dirty="0" smtClean="0"/>
-              <a:t>Dublin / Orlando / </a:t>
-            </a:r>
-            <a:r>
-              <a:rPr lang="en-US" sz="1100" dirty="0" smtClean="0"/>
-              <a:t>Basel            </a:t>
+              <a:t>, Dublin / Orlando / Basel            </a:t>
             </a:r>
             <a:r>
               <a:rPr lang="en-US" sz="1100" b="1" dirty="0" smtClean="0"/>
@@ -3439,29 +3349,16 @@
           <a:p>
             <a:r>
               <a:rPr lang="en-US" sz="1100" dirty="0" smtClean="0"/>
-              <a:t>2008, 12, </a:t>
+              <a:t>2008, 12, 15   </a:t>
+            </a:r>
+            <a:r>
+              <a:rPr lang="en-US" sz="1100" b="1" dirty="0" smtClean="0"/>
+              <a:t>Pacific Symposium Biocomputing</a:t>
             </a:r>
             <a:r>
               <a:rPr lang="en-US" sz="1100" dirty="0" smtClean="0"/>
-              <a:t>15   </a:t>
-            </a:r>
-            <a:r>
-              <a:rPr lang="en-US" sz="1100" b="1" dirty="0" smtClean="0"/>
-              <a:t>Pacific Symposium </a:t>
-            </a:r>
-            <a:r>
-              <a:rPr lang="en-US" sz="1100" b="1" dirty="0" smtClean="0"/>
-              <a:t>Biocomputing</a:t>
-            </a:r>
-            <a:r>
-              <a:rPr lang="en-US" sz="1100" dirty="0" smtClean="0"/>
-              <a:t>, </a:t>
-            </a:r>
-            <a:r>
-              <a:rPr lang="en-US" sz="1100" dirty="0" smtClean="0"/>
-              <a:t>Hawaii</a:t>
-            </a:r>
-            <a:endParaRPr lang="en-US" sz="1100" dirty="0" smtClean="0"/>
+              <a:t>, Hawaii</a:t>
+            </a:r>
           </a:p>
           <a:p>
             <a:r>
@@ -3474,15 +3371,7 @@
             </a:r>
             <a:r>
               <a:rPr lang="en-US" sz="1100" dirty="0" smtClean="0"/>
-              <a:t>, </a:t>
-            </a:r>
-            <a:r>
-              <a:rPr lang="en-US" sz="1100" dirty="0" smtClean="0"/>
-              <a:t>Santa Fe </a:t>
-            </a:r>
-            <a:r>
-              <a:rPr lang="en-US" sz="1100" dirty="0" smtClean="0"/>
-              <a:t>USA                                  </a:t>
+              <a:t>, Santa Fe USA                                  </a:t>
             </a:r>
             <a:r>
               <a:rPr lang="en-US" sz="1100" b="1" dirty="0" smtClean="0"/>
@@ -3532,15 +3421,7 @@
             <a:pPr algn="r"/>
             <a:r>
               <a:rPr lang="en-US" sz="1100" i="1" dirty="0" smtClean="0"/>
-              <a:t>61 </a:t>
-            </a:r>
-            <a:r>
-              <a:rPr lang="en-US" sz="1100" i="1" dirty="0" smtClean="0"/>
-              <a:t>peer-reviewed [23 lead author</a:t>
-            </a:r>
-            <a:r>
-              <a:rPr lang="en-US" sz="1100" i="1" dirty="0" smtClean="0"/>
-              <a:t>], *co-first</a:t>
+              <a:t>61 peer-reviewed [23 lead author], *co-first</a:t>
             </a:r>
             <a:endParaRPr lang="en-US" sz="1100" dirty="0"/>
           </a:p>
@@ -3793,7 +3674,7 @@
         </p:nvSpPr>
         <p:spPr>
           <a:xfrm>
-            <a:off x="623599" y="-114300"/>
+            <a:off x="623599" y="-101600"/>
             <a:ext cx="1772390" cy="1015663"/>
           </a:xfrm>
           <a:prstGeom prst="rect">
@@ -3831,7 +3712,7 @@
         </p:nvSpPr>
         <p:spPr>
           <a:xfrm>
-            <a:off x="4167409" y="-114300"/>
+            <a:off x="4167409" y="-101600"/>
             <a:ext cx="2561368" cy="1015663"/>
           </a:xfrm>
           <a:prstGeom prst="rect">
@@ -3986,7 +3867,7 @@
         </p:blipFill>
         <p:spPr>
           <a:xfrm>
-            <a:off x="2971800" y="-169"/>
+            <a:off x="2971800" y="12531"/>
             <a:ext cx="914400" cy="914400"/>
           </a:xfrm>
           <a:prstGeom prst="rect">
@@ -4002,8 +3883,8 @@
         </p:nvSpPr>
         <p:spPr>
           <a:xfrm>
-            <a:off x="-50803" y="811369"/>
-            <a:ext cx="7433733" cy="400110"/>
+            <a:off x="0" y="811369"/>
+            <a:ext cx="7382930" cy="400110"/>
           </a:xfrm>
           <a:prstGeom prst="rect">
             <a:avLst/>
@@ -4016,12 +3897,36 @@
           <a:lstStyle/>
           <a:p>
             <a:r>
+              <a:rPr lang="en-US" sz="2000" dirty="0" smtClean="0"/>
+              <a:t> </a:t>
+            </a:r>
+            <a:r>
+              <a:rPr lang="en-US" sz="2000" dirty="0" err="1" smtClean="0"/>
+              <a:t>warrenlr</a:t>
+            </a:r>
+            <a:r>
               <a:rPr lang="en-US" sz="2000" dirty="0" err="1"/>
-              <a:t>warrenlr@gmail.com</a:t>
+              <a:t>@gmail.com</a:t>
+            </a:r>
+            <a:r>
+              <a:rPr lang="en-US" sz="2000"/>
+              <a:t>     </a:t>
+            </a:r>
+            <a:r>
+              <a:rPr lang="en-US" sz="2000" smtClean="0"/>
+              <a:t> </a:t>
             </a:r>
             <a:r>
               <a:rPr lang="en-US" sz="2000" dirty="0"/>
-              <a:t>        778 . 386 . 4192     http://</a:t>
+              <a:t>778 . 386 . 4192  </a:t>
+            </a:r>
+            <a:r>
+              <a:rPr lang="en-US" sz="2000" dirty="0" smtClean="0"/>
+              <a:t>  </a:t>
+            </a:r>
+            <a:r>
+              <a:rPr lang="en-US" sz="2000" dirty="0"/>
+              <a:t>http://</a:t>
             </a:r>
             <a:r>
               <a:rPr lang="en-US" sz="2000" dirty="0" err="1"/>
@@ -4042,8 +3947,8 @@
         </p:nvSpPr>
         <p:spPr>
           <a:xfrm>
-            <a:off x="0" y="1197802"/>
-            <a:ext cx="6858000" cy="369332"/>
+            <a:off x="76200" y="1197802"/>
+            <a:ext cx="6711950" cy="369332"/>
           </a:xfrm>
           <a:prstGeom prst="rect">
             <a:avLst/>
@@ -4069,11 +3974,6 @@
               </a:rPr>
               <a:t>20+ years experience in biotechnology, genomics, informatics</a:t>
             </a:r>
-            <a:endParaRPr lang="en-US" dirty="0">
-              <a:solidFill>
-                <a:srgbClr val="FFFFFF"/>
-              </a:solidFill>
-            </a:endParaRPr>
           </a:p>
         </p:txBody>
       </p:sp>
@@ -4085,8 +3985,8 @@
         </p:nvSpPr>
         <p:spPr>
           <a:xfrm>
-            <a:off x="0" y="2288198"/>
-            <a:ext cx="6858000" cy="369332"/>
+            <a:off x="76200" y="2288198"/>
+            <a:ext cx="6711950" cy="369332"/>
           </a:xfrm>
           <a:prstGeom prst="rect">
             <a:avLst/>
@@ -4170,7 +4070,7 @@
         </p:nvSpPr>
         <p:spPr>
           <a:xfrm>
-            <a:off x="-50800" y="2607735"/>
+            <a:off x="12700" y="2607735"/>
             <a:ext cx="3471333" cy="6186309"/>
           </a:xfrm>
           <a:prstGeom prst="rect">
@@ -4416,12 +4316,13 @@
             </a:r>
             <a:r>
               <a:rPr lang="en-CA" sz="1200" dirty="0"/>
-              <a:t>with stakeholders, chemists, </a:t>
+              <a:t>with stakeholders, </a:t>
             </a:r>
             <a:r>
               <a:rPr lang="en-CA" sz="1200" dirty="0" smtClean="0"/>
-              <a:t>biologists</a:t>
-            </a:r>
+              <a:t>scientists</a:t>
+            </a:r>
+            <a:endParaRPr lang="en-CA" sz="1200" dirty="0" smtClean="0"/>
           </a:p>
           <a:p>
             <a:pPr lvl="0" fontAlgn="base"/>
@@ -4463,7 +4364,11 @@
             </a:r>
             <a:r>
               <a:rPr lang="en-US" sz="1200" dirty="0" smtClean="0"/>
-              <a:t>             </a:t>
+              <a:t>  </a:t>
+            </a:r>
+            <a:r>
+              <a:rPr lang="en-US" sz="1200" dirty="0" smtClean="0"/>
+              <a:t>        </a:t>
             </a:r>
             <a:r>
               <a:rPr lang="en-US" sz="1200" b="1" dirty="0" smtClean="0"/>
@@ -4496,11 +4401,19 @@
             </a:r>
             <a:r>
               <a:rPr lang="en-US" sz="1200" dirty="0" smtClean="0"/>
-              <a:t>Biology        </a:t>
+              <a:t>Biology  </a:t>
+            </a:r>
+            <a:r>
+              <a:rPr lang="en-US" sz="1200" dirty="0" smtClean="0"/>
+              <a:t>   </a:t>
             </a:r>
             <a:r>
               <a:rPr lang="en-US" sz="1200" b="1" dirty="0" smtClean="0"/>
-              <a:t> |</a:t>
+              <a:t> </a:t>
+            </a:r>
+            <a:r>
+              <a:rPr lang="en-US" sz="1200" b="1" dirty="0" smtClean="0"/>
+              <a:t>|</a:t>
             </a:r>
             <a:r>
               <a:rPr lang="en-US" sz="1200" dirty="0" smtClean="0"/>
@@ -4544,7 +4457,11 @@
             </a:r>
             <a:r>
               <a:rPr lang="en-US" sz="1200" dirty="0" smtClean="0"/>
-              <a:t>)          </a:t>
+              <a:t>)      </a:t>
+            </a:r>
+            <a:r>
+              <a:rPr lang="en-US" sz="1200" dirty="0" smtClean="0"/>
+              <a:t> </a:t>
             </a:r>
             <a:r>
               <a:rPr lang="en-US" sz="1200" b="1" dirty="0" smtClean="0"/>
@@ -5004,8 +4921,8 @@
         </p:nvSpPr>
         <p:spPr>
           <a:xfrm>
-            <a:off x="0" y="8832987"/>
-            <a:ext cx="6857999" cy="276999"/>
+            <a:off x="44451" y="8807587"/>
+            <a:ext cx="6756400" cy="276999"/>
           </a:xfrm>
           <a:prstGeom prst="rect">
             <a:avLst/>
@@ -5053,8 +4970,8 @@
         </p:nvSpPr>
         <p:spPr>
           <a:xfrm>
-            <a:off x="-67734" y="8591044"/>
-            <a:ext cx="7035800" cy="246221"/>
+            <a:off x="-93134" y="8616444"/>
+            <a:ext cx="6976534" cy="230832"/>
           </a:xfrm>
           <a:prstGeom prst="rect">
             <a:avLst/>
@@ -5068,74 +4985,94 @@
           <a:lstStyle/>
           <a:p>
             <a:r>
-              <a:rPr lang="de-DE" sz="1000" dirty="0"/>
-              <a:t>Skills: Python, PERL, R, MySQL, HTML/</a:t>
-            </a:r>
-            <a:r>
-              <a:rPr lang="de-DE" sz="1000" dirty="0" err="1"/>
+              <a:rPr lang="de-DE" sz="900" dirty="0" smtClean="0"/>
+              <a:t>  Skills</a:t>
+            </a:r>
+            <a:r>
+              <a:rPr lang="de-DE" sz="900" dirty="0"/>
+              <a:t>: Python, PERL, R, MySQL, HTML/</a:t>
+            </a:r>
+            <a:r>
+              <a:rPr lang="de-DE" sz="900" dirty="0" err="1"/>
               <a:t>js</a:t>
             </a:r>
             <a:r>
-              <a:rPr lang="de-DE" sz="1000" dirty="0"/>
+              <a:rPr lang="de-DE" sz="900" dirty="0"/>
               <a:t>, </a:t>
             </a:r>
             <a:r>
-              <a:rPr lang="de-DE" sz="1000" dirty="0" err="1"/>
+              <a:rPr lang="de-DE" sz="900" dirty="0" err="1"/>
               <a:t>unix</a:t>
             </a:r>
             <a:r>
-              <a:rPr lang="de-DE" sz="1000" dirty="0"/>
+              <a:rPr lang="de-DE" sz="900" dirty="0"/>
               <a:t>/</a:t>
             </a:r>
             <a:r>
-              <a:rPr lang="de-DE" sz="1000" dirty="0" err="1"/>
+              <a:rPr lang="de-DE" sz="900" dirty="0" err="1"/>
               <a:t>mac</a:t>
             </a:r>
             <a:r>
-              <a:rPr lang="de-DE" sz="1000" dirty="0"/>
+              <a:rPr lang="de-DE" sz="900" dirty="0"/>
               <a:t>/</a:t>
             </a:r>
             <a:r>
-              <a:rPr lang="de-DE" sz="1000" dirty="0" err="1"/>
+              <a:rPr lang="de-DE" sz="900" dirty="0" err="1"/>
               <a:t>win</a:t>
             </a:r>
             <a:r>
-              <a:rPr lang="de-DE" sz="1000" dirty="0"/>
-              <a:t>, Office, </a:t>
-            </a:r>
-            <a:r>
-              <a:rPr lang="de-DE" sz="1000" dirty="0" err="1" smtClean="0"/>
-              <a:t>git</a:t>
-            </a:r>
-            <a:r>
-              <a:rPr lang="de-DE" sz="1000" dirty="0" smtClean="0"/>
-              <a:t>  Projects: SSAKE</a:t>
-            </a:r>
-            <a:r>
-              <a:rPr lang="de-DE" sz="1000" dirty="0"/>
+              <a:rPr lang="de-DE" sz="900" dirty="0"/>
+              <a:t>, </a:t>
+            </a:r>
+            <a:r>
+              <a:rPr lang="de-DE" sz="900" dirty="0" err="1" smtClean="0"/>
+              <a:t>MSOffice</a:t>
+            </a:r>
+            <a:r>
+              <a:rPr lang="de-DE" sz="900" dirty="0"/>
+              <a:t>, </a:t>
+            </a:r>
+            <a:r>
+              <a:rPr lang="de-DE" sz="900" dirty="0" err="1" smtClean="0"/>
+              <a:t>Git</a:t>
+            </a:r>
+            <a:r>
+              <a:rPr lang="de-DE" sz="900" dirty="0" smtClean="0"/>
+              <a:t>        </a:t>
+            </a:r>
+            <a:r>
+              <a:rPr lang="de-DE" sz="900" dirty="0" smtClean="0"/>
+              <a:t>Projects: </a:t>
+            </a:r>
+            <a:r>
+              <a:rPr lang="de-DE" sz="900" dirty="0" smtClean="0"/>
+              <a:t>SAM, SSAKE</a:t>
+            </a:r>
+            <a:r>
+              <a:rPr lang="de-DE" sz="900" dirty="0"/>
               <a:t>, TASR, </a:t>
             </a:r>
             <a:r>
-              <a:rPr lang="de-DE" sz="1000" dirty="0" err="1"/>
+              <a:rPr lang="de-DE" sz="900" dirty="0" err="1"/>
               <a:t>HLAminer</a:t>
             </a:r>
             <a:r>
-              <a:rPr lang="de-DE" sz="1000" dirty="0"/>
+              <a:rPr lang="de-DE" sz="900" dirty="0"/>
               <a:t>, LINKS, </a:t>
             </a:r>
             <a:r>
-              <a:rPr lang="de-DE" sz="1000" dirty="0" smtClean="0"/>
+              <a:rPr lang="de-DE" sz="900" dirty="0" smtClean="0"/>
               <a:t>XMV, RAILS</a:t>
             </a:r>
             <a:r>
-              <a:rPr lang="de-DE" sz="1000" dirty="0"/>
+              <a:rPr lang="de-DE" sz="900" dirty="0"/>
               <a:t>, ARCS, </a:t>
             </a:r>
             <a:r>
-              <a:rPr lang="de-DE" sz="1000" dirty="0" err="1"/>
+              <a:rPr lang="de-DE" sz="900" dirty="0" err="1"/>
               <a:t>ntEdit</a:t>
             </a:r>
-            <a:endParaRPr lang="en-US" sz="1000" dirty="0"/>
+            <a:endParaRPr lang="en-US" sz="900" dirty="0"/>
           </a:p>
         </p:txBody>
       </p:sp>

--- a/cv/CV_RWARREN_PPT.pptx
+++ b/cv/CV_RWARREN_PPT.pptx
@@ -3108,7 +3108,7 @@
         </p:nvSpPr>
         <p:spPr>
           <a:xfrm>
-            <a:off x="88900" y="66506"/>
+            <a:off x="88900" y="85462"/>
             <a:ext cx="6699250" cy="806450"/>
           </a:xfrm>
           <a:prstGeom prst="rect">
@@ -3675,7 +3675,7 @@
         <p:spPr>
           <a:xfrm>
             <a:off x="623599" y="-101600"/>
-            <a:ext cx="1772390" cy="1015663"/>
+            <a:ext cx="1805452" cy="1015663"/>
           </a:xfrm>
           <a:prstGeom prst="rect">
             <a:avLst/>
@@ -3689,14 +3689,14 @@
           <a:lstStyle/>
           <a:p>
             <a:r>
-              <a:rPr lang="en-US" sz="6000" dirty="0" smtClean="0">
+              <a:rPr lang="en-US" sz="6000" b="1" dirty="0" smtClean="0">
                 <a:solidFill>
                   <a:srgbClr val="FFFFFF"/>
                 </a:solidFill>
               </a:rPr>
               <a:t>René</a:t>
             </a:r>
-            <a:endParaRPr lang="en-US" sz="6000" dirty="0">
+            <a:endParaRPr lang="en-US" sz="6000" b="1" dirty="0">
               <a:solidFill>
                 <a:srgbClr val="FFFFFF"/>
               </a:solidFill>
@@ -3713,7 +3713,7 @@
         <p:spPr>
           <a:xfrm>
             <a:off x="4167409" y="-101600"/>
-            <a:ext cx="2561368" cy="1015663"/>
+            <a:ext cx="2609083" cy="1015663"/>
           </a:xfrm>
           <a:prstGeom prst="rect">
             <a:avLst/>
@@ -3727,14 +3727,14 @@
           <a:lstStyle/>
           <a:p>
             <a:r>
-              <a:rPr lang="en-US" sz="6000" dirty="0" smtClean="0">
+              <a:rPr lang="en-US" sz="6000" b="1" dirty="0" smtClean="0">
                 <a:solidFill>
                   <a:schemeClr val="bg1"/>
                 </a:solidFill>
               </a:rPr>
               <a:t>Warren</a:t>
             </a:r>
-            <a:endParaRPr lang="en-US" sz="6000" dirty="0">
+            <a:endParaRPr lang="en-US" sz="6000" b="1" dirty="0">
               <a:solidFill>
                 <a:schemeClr val="bg1"/>
               </a:solidFill>
@@ -3867,7 +3867,7 @@
         </p:blipFill>
         <p:spPr>
           <a:xfrm>
-            <a:off x="2971800" y="12531"/>
+            <a:off x="2971800" y="31487"/>
             <a:ext cx="914400" cy="914400"/>
           </a:xfrm>
           <a:prstGeom prst="rect">
@@ -3883,7 +3883,7 @@
         </p:nvSpPr>
         <p:spPr>
           <a:xfrm>
-            <a:off x="0" y="811369"/>
+            <a:off x="0" y="830325"/>
             <a:ext cx="7382930" cy="400110"/>
           </a:xfrm>
           <a:prstGeom prst="rect">
@@ -3909,11 +3909,11 @@
               <a:t>@gmail.com</a:t>
             </a:r>
             <a:r>
-              <a:rPr lang="en-US" sz="2000"/>
+              <a:rPr lang="en-US" sz="2000" dirty="0"/>
               <a:t>     </a:t>
             </a:r>
             <a:r>
-              <a:rPr lang="en-US" sz="2000" smtClean="0"/>
+              <a:rPr lang="en-US" sz="2000" dirty="0" smtClean="0"/>
               <a:t> </a:t>
             </a:r>
             <a:r>

--- a/cv/CV_RWARREN_PPT.pptx
+++ b/cv/CV_RWARREN_PPT.pptx
@@ -4001,14 +4001,21 @@
           </a:bodyPr>
           <a:lstStyle/>
           <a:p>
-            <a:pPr algn="ctr"/>
+            <a:r>
+              <a:rPr lang="en-US" dirty="0" smtClean="0">
+                <a:solidFill>
+                  <a:srgbClr val="FFFFFF"/>
+                </a:solidFill>
+              </a:rPr>
+              <a:t>                   seeking </a:t>
+            </a:r>
             <a:r>
               <a:rPr lang="en-US" dirty="0">
                 <a:solidFill>
                   <a:srgbClr val="FFFFFF"/>
                 </a:solidFill>
               </a:rPr>
-              <a:t>seeking new challenges &amp; additional </a:t>
+              <a:t>new challenges &amp; additional </a:t>
             </a:r>
             <a:r>
               <a:rPr lang="en-US" dirty="0" smtClean="0">
@@ -4016,7 +4023,7 @@
                   <a:srgbClr val="FFFFFF"/>
                 </a:solidFill>
               </a:rPr>
-              <a:t>leadership   </a:t>
+              <a:t>leadership      </a:t>
             </a:r>
             <a:endParaRPr lang="en-US" dirty="0">
               <a:solidFill>
@@ -4132,8 +4139,8 @@
               <a:t>project </a:t>
             </a:r>
             <a:r>
-              <a:rPr lang="en-US" sz="1200" dirty="0"/>
-              <a:t>management, </a:t>
+              <a:rPr lang="en-US" sz="1200" dirty="0" smtClean="0"/>
+              <a:t>management &amp; </a:t>
             </a:r>
             <a:r>
               <a:rPr lang="en-US" sz="1200" dirty="0" smtClean="0"/>
@@ -4322,7 +4329,6 @@
               <a:rPr lang="en-CA" sz="1200" dirty="0" smtClean="0"/>
               <a:t>scientists</a:t>
             </a:r>
-            <a:endParaRPr lang="en-CA" sz="1200" dirty="0" smtClean="0"/>
           </a:p>
           <a:p>
             <a:pPr lvl="0" fontAlgn="base"/>
@@ -4364,11 +4370,7 @@
             </a:r>
             <a:r>
               <a:rPr lang="en-US" sz="1200" dirty="0" smtClean="0"/>
-              <a:t>  </a:t>
-            </a:r>
-            <a:r>
-              <a:rPr lang="en-US" sz="1200" dirty="0" smtClean="0"/>
-              <a:t>        </a:t>
+              <a:t>          </a:t>
             </a:r>
             <a:r>
               <a:rPr lang="en-US" sz="1200" b="1" dirty="0" smtClean="0"/>
@@ -4401,19 +4403,11 @@
             </a:r>
             <a:r>
               <a:rPr lang="en-US" sz="1200" dirty="0" smtClean="0"/>
-              <a:t>Biology  </a:t>
-            </a:r>
-            <a:r>
-              <a:rPr lang="en-US" sz="1200" dirty="0" smtClean="0"/>
-              <a:t>   </a:t>
+              <a:t>Biology     </a:t>
             </a:r>
             <a:r>
               <a:rPr lang="en-US" sz="1200" b="1" dirty="0" smtClean="0"/>
-              <a:t> </a:t>
-            </a:r>
-            <a:r>
-              <a:rPr lang="en-US" sz="1200" b="1" dirty="0" smtClean="0"/>
-              <a:t>|</a:t>
+              <a:t> |</a:t>
             </a:r>
             <a:r>
               <a:rPr lang="en-US" sz="1200" dirty="0" smtClean="0"/>
@@ -4457,11 +4451,7 @@
             </a:r>
             <a:r>
               <a:rPr lang="en-US" sz="1200" dirty="0" smtClean="0"/>
-              <a:t>)      </a:t>
-            </a:r>
-            <a:r>
-              <a:rPr lang="en-US" sz="1200" dirty="0" smtClean="0"/>
-              <a:t> </a:t>
+              <a:t>)       </a:t>
             </a:r>
             <a:r>
               <a:rPr lang="en-US" sz="1200" b="1" dirty="0" smtClean="0"/>
@@ -4495,7 +4485,7 @@
         </p:nvSpPr>
         <p:spPr>
           <a:xfrm>
-            <a:off x="3162302" y="2633135"/>
+            <a:off x="3180445" y="2596849"/>
             <a:ext cx="592680" cy="369332"/>
           </a:xfrm>
           <a:prstGeom prst="rect">
@@ -5038,15 +5028,7 @@
             </a:r>
             <a:r>
               <a:rPr lang="de-DE" sz="900" dirty="0" smtClean="0"/>
-              <a:t>        </a:t>
-            </a:r>
-            <a:r>
-              <a:rPr lang="de-DE" sz="900" dirty="0" smtClean="0"/>
-              <a:t>Projects: </a:t>
-            </a:r>
-            <a:r>
-              <a:rPr lang="de-DE" sz="900" dirty="0" smtClean="0"/>
-              <a:t>SAM, SSAKE</a:t>
+              <a:t>        Projects: SAM, SSAKE</a:t>
             </a:r>
             <a:r>
               <a:rPr lang="de-DE" sz="900" dirty="0"/>

--- a/cv/CV_RWARREN_PPT.pptx
+++ b/cv/CV_RWARREN_PPT.pptx
@@ -3505,7 +3505,19 @@
             </a:r>
             <a:r>
               <a:rPr lang="en-US" sz="1000" dirty="0" smtClean="0"/>
-              <a:t> 2015. LINKS: Scalable scaffolding of genomes with long reads.</a:t>
+              <a:t> 2015. LINKS</a:t>
+            </a:r>
+            <a:r>
+              <a:rPr lang="en-US" sz="1000" smtClean="0"/>
+              <a:t>: </a:t>
+            </a:r>
+            <a:r>
+              <a:rPr lang="en-US" sz="1000" smtClean="0"/>
+              <a:t>scalable </a:t>
+            </a:r>
+            <a:r>
+              <a:rPr lang="en-US" sz="1000" dirty="0" smtClean="0"/>
+              <a:t>scaffolding of genomes with long reads.</a:t>
             </a:r>
             <a:r>
               <a:rPr lang="en-US" sz="1000" b="1" dirty="0" smtClean="0"/>

--- a/cv/CV_RWARREN_PPT.pptx
+++ b/cv/CV_RWARREN_PPT.pptx
@@ -288,7 +288,7 @@
           <a:p>
             <a:fld id="{12CDA68D-1A1F-6346-A281-652CBF222AD7}" type="datetimeFigureOut">
               <a:rPr lang="en-US" smtClean="0"/>
-              <a:t>19-05-25</a:t>
+              <a:t>19-06-26</a:t>
             </a:fld>
             <a:endParaRPr lang="en-US"/>
           </a:p>
@@ -458,7 +458,7 @@
           <a:p>
             <a:fld id="{12CDA68D-1A1F-6346-A281-652CBF222AD7}" type="datetimeFigureOut">
               <a:rPr lang="en-US" smtClean="0"/>
-              <a:t>19-05-25</a:t>
+              <a:t>19-06-26</a:t>
             </a:fld>
             <a:endParaRPr lang="en-US"/>
           </a:p>
@@ -638,7 +638,7 @@
           <a:p>
             <a:fld id="{12CDA68D-1A1F-6346-A281-652CBF222AD7}" type="datetimeFigureOut">
               <a:rPr lang="en-US" smtClean="0"/>
-              <a:t>19-05-25</a:t>
+              <a:t>19-06-26</a:t>
             </a:fld>
             <a:endParaRPr lang="en-US"/>
           </a:p>
@@ -808,7 +808,7 @@
           <a:p>
             <a:fld id="{12CDA68D-1A1F-6346-A281-652CBF222AD7}" type="datetimeFigureOut">
               <a:rPr lang="en-US" smtClean="0"/>
-              <a:t>19-05-25</a:t>
+              <a:t>19-06-26</a:t>
             </a:fld>
             <a:endParaRPr lang="en-US"/>
           </a:p>
@@ -1054,7 +1054,7 @@
           <a:p>
             <a:fld id="{12CDA68D-1A1F-6346-A281-652CBF222AD7}" type="datetimeFigureOut">
               <a:rPr lang="en-US" smtClean="0"/>
-              <a:t>19-05-25</a:t>
+              <a:t>19-06-26</a:t>
             </a:fld>
             <a:endParaRPr lang="en-US"/>
           </a:p>
@@ -1342,7 +1342,7 @@
           <a:p>
             <a:fld id="{12CDA68D-1A1F-6346-A281-652CBF222AD7}" type="datetimeFigureOut">
               <a:rPr lang="en-US" smtClean="0"/>
-              <a:t>19-05-25</a:t>
+              <a:t>19-06-26</a:t>
             </a:fld>
             <a:endParaRPr lang="en-US"/>
           </a:p>
@@ -1769,7 +1769,7 @@
           <a:p>
             <a:fld id="{12CDA68D-1A1F-6346-A281-652CBF222AD7}" type="datetimeFigureOut">
               <a:rPr lang="en-US" smtClean="0"/>
-              <a:t>19-05-25</a:t>
+              <a:t>19-06-26</a:t>
             </a:fld>
             <a:endParaRPr lang="en-US"/>
           </a:p>
@@ -1887,7 +1887,7 @@
           <a:p>
             <a:fld id="{12CDA68D-1A1F-6346-A281-652CBF222AD7}" type="datetimeFigureOut">
               <a:rPr lang="en-US" smtClean="0"/>
-              <a:t>19-05-25</a:t>
+              <a:t>19-06-26</a:t>
             </a:fld>
             <a:endParaRPr lang="en-US"/>
           </a:p>
@@ -1982,7 +1982,7 @@
           <a:p>
             <a:fld id="{12CDA68D-1A1F-6346-A281-652CBF222AD7}" type="datetimeFigureOut">
               <a:rPr lang="en-US" smtClean="0"/>
-              <a:t>19-05-25</a:t>
+              <a:t>19-06-26</a:t>
             </a:fld>
             <a:endParaRPr lang="en-US"/>
           </a:p>
@@ -2259,7 +2259,7 @@
           <a:p>
             <a:fld id="{12CDA68D-1A1F-6346-A281-652CBF222AD7}" type="datetimeFigureOut">
               <a:rPr lang="en-US" smtClean="0"/>
-              <a:t>19-05-25</a:t>
+              <a:t>19-06-26</a:t>
             </a:fld>
             <a:endParaRPr lang="en-US"/>
           </a:p>
@@ -2512,7 +2512,7 @@
           <a:p>
             <a:fld id="{12CDA68D-1A1F-6346-A281-652CBF222AD7}" type="datetimeFigureOut">
               <a:rPr lang="en-US" smtClean="0"/>
-              <a:t>19-05-25</a:t>
+              <a:t>19-06-26</a:t>
             </a:fld>
             <a:endParaRPr lang="en-US"/>
           </a:p>
@@ -2725,7 +2725,7 @@
           <a:p>
             <a:fld id="{12CDA68D-1A1F-6346-A281-652CBF222AD7}" type="datetimeFigureOut">
               <a:rPr lang="en-US" smtClean="0"/>
-              <a:t>19-05-25</a:t>
+              <a:t>19-06-26</a:t>
             </a:fld>
             <a:endParaRPr lang="en-US"/>
           </a:p>
@@ -3102,13 +3102,927 @@
       </p:grpSpPr>
       <p:sp>
         <p:nvSpPr>
+          <p:cNvPr id="16" name="Rectangle 15"/>
+          <p:cNvSpPr/>
+          <p:nvPr/>
+        </p:nvSpPr>
+        <p:spPr>
+          <a:xfrm>
+            <a:off x="25528" y="2607735"/>
+            <a:ext cx="3471333" cy="6340197"/>
+          </a:xfrm>
+          <a:prstGeom prst="rect">
+            <a:avLst/>
+          </a:prstGeom>
+        </p:spPr>
+        <p:txBody>
+          <a:bodyPr wrap="square">
+            <a:spAutoFit/>
+          </a:bodyPr>
+          <a:lstStyle/>
+          <a:p>
+            <a:r>
+              <a:rPr lang="en-US" b="1" dirty="0" smtClean="0"/>
+              <a:t> </a:t>
+            </a:r>
+          </a:p>
+          <a:p>
+            <a:endParaRPr lang="en-US" sz="1000" b="1" i="1" dirty="0" smtClean="0"/>
+          </a:p>
+          <a:p>
+            <a:r>
+              <a:rPr lang="en-US" sz="1600" b="1" i="1" dirty="0" smtClean="0"/>
+              <a:t>Group Leader</a:t>
+            </a:r>
+            <a:endParaRPr lang="en-US" sz="1600" dirty="0"/>
+          </a:p>
+          <a:p>
+            <a:r>
+              <a:rPr lang="en-US" sz="1200" b="1" i="1" dirty="0"/>
+              <a:t>BC Cancer </a:t>
+            </a:r>
+            <a:r>
+              <a:rPr lang="en-US" sz="1200" b="1" dirty="0"/>
+              <a:t>– </a:t>
+            </a:r>
+            <a:r>
+              <a:rPr lang="en-US" sz="1200" b="1" i="1" dirty="0"/>
+              <a:t>Genome Sciences Centre</a:t>
+            </a:r>
+            <a:r>
+              <a:rPr lang="en-US" sz="1200" dirty="0"/>
+              <a:t>, </a:t>
+            </a:r>
+            <a:r>
+              <a:rPr lang="en-US" sz="1200" dirty="0" smtClean="0"/>
+              <a:t>Vancouver </a:t>
+            </a:r>
+            <a:endParaRPr lang="en-US" sz="1200" dirty="0"/>
+          </a:p>
+          <a:p>
+            <a:pPr lvl="0" fontAlgn="base"/>
+            <a:r>
+              <a:rPr lang="en-US" sz="1200" dirty="0"/>
+              <a:t>Lead group, </a:t>
+            </a:r>
+            <a:r>
+              <a:rPr lang="en-US" sz="1200" dirty="0" smtClean="0"/>
+              <a:t>project management &amp; guidance</a:t>
+            </a:r>
+            <a:endParaRPr lang="en-US" sz="1200" dirty="0"/>
+          </a:p>
+          <a:p>
+            <a:pPr lvl="0" fontAlgn="base"/>
+            <a:r>
+              <a:rPr lang="en-US" sz="1200" dirty="0" smtClean="0"/>
+              <a:t>Conceptualize, lead, develop genome technologies</a:t>
+            </a:r>
+            <a:endParaRPr lang="en-US" sz="1200" dirty="0"/>
+          </a:p>
+          <a:p>
+            <a:pPr lvl="0" fontAlgn="base"/>
+            <a:r>
+              <a:rPr lang="en-US" sz="1200" dirty="0"/>
+              <a:t>Interview, supervise, mentor </a:t>
+            </a:r>
+            <a:r>
+              <a:rPr lang="en-US" sz="1200" dirty="0" smtClean="0"/>
+              <a:t>staff </a:t>
+            </a:r>
+            <a:r>
+              <a:rPr lang="en-US" sz="1200" dirty="0"/>
+              <a:t>/</a:t>
+            </a:r>
+            <a:r>
+              <a:rPr lang="en-US" sz="1200" dirty="0" smtClean="0"/>
+              <a:t> students</a:t>
+            </a:r>
+          </a:p>
+          <a:p>
+            <a:pPr lvl="0" fontAlgn="base"/>
+            <a:endParaRPr lang="en-US" sz="1000" dirty="0" smtClean="0"/>
+          </a:p>
+          <a:p>
+            <a:pPr lvl="0" fontAlgn="base"/>
+            <a:r>
+              <a:rPr lang="en-US" sz="1600" b="1" i="1" dirty="0" smtClean="0"/>
+              <a:t>Bioinformatics Coordinator </a:t>
+            </a:r>
+            <a:endParaRPr lang="en-US" sz="1600" dirty="0"/>
+          </a:p>
+          <a:p>
+            <a:r>
+              <a:rPr lang="en-US" sz="1200" b="1" i="1" dirty="0"/>
+              <a:t>BC Cancer </a:t>
+            </a:r>
+            <a:r>
+              <a:rPr lang="en-US" sz="1200" b="1" dirty="0"/>
+              <a:t>– </a:t>
+            </a:r>
+            <a:r>
+              <a:rPr lang="en-US" sz="1200" b="1" i="1" dirty="0"/>
+              <a:t>Genome Sciences Centre</a:t>
+            </a:r>
+            <a:r>
+              <a:rPr lang="en-US" sz="1200" dirty="0"/>
+              <a:t>, Vancouver </a:t>
+            </a:r>
+          </a:p>
+          <a:p>
+            <a:r>
+              <a:rPr lang="en-US" sz="1200" dirty="0" smtClean="0"/>
+              <a:t>Lead </a:t>
+            </a:r>
+            <a:r>
+              <a:rPr lang="en-US" sz="1200" dirty="0"/>
+              <a:t>bioinformatics R&amp;</a:t>
+            </a:r>
+            <a:r>
+              <a:rPr lang="en-US" sz="1200" dirty="0" smtClean="0"/>
+              <a:t>D</a:t>
+            </a:r>
+          </a:p>
+          <a:p>
+            <a:r>
+              <a:rPr lang="en-US" sz="1200" dirty="0" smtClean="0"/>
+              <a:t>Published </a:t>
+            </a:r>
+            <a:r>
+              <a:rPr lang="en-US" sz="1200" dirty="0"/>
+              <a:t>research (</a:t>
+            </a:r>
+            <a:r>
+              <a:rPr lang="en-US" sz="1200" dirty="0" smtClean="0"/>
+              <a:t>science </a:t>
+            </a:r>
+            <a:r>
+              <a:rPr lang="en-US" sz="1200" dirty="0"/>
+              <a:t>journals, </a:t>
+            </a:r>
+            <a:r>
+              <a:rPr lang="en-US" sz="1200" dirty="0" smtClean="0"/>
+              <a:t>conferences</a:t>
+            </a:r>
+            <a:r>
+              <a:rPr lang="en-US" sz="1200" dirty="0"/>
+              <a:t>)</a:t>
+            </a:r>
+          </a:p>
+          <a:p>
+            <a:pPr lvl="0" fontAlgn="base"/>
+            <a:r>
+              <a:rPr lang="en-US" sz="1200" dirty="0" smtClean="0"/>
+              <a:t>Interviewed</a:t>
+            </a:r>
+            <a:r>
+              <a:rPr lang="en-US" sz="1200" dirty="0"/>
+              <a:t>, taught, trained, supervised </a:t>
+            </a:r>
+            <a:r>
+              <a:rPr lang="en-US" sz="1200" dirty="0" smtClean="0"/>
+              <a:t>staff</a:t>
+            </a:r>
+          </a:p>
+          <a:p>
+            <a:pPr lvl="0" fontAlgn="base"/>
+            <a:endParaRPr lang="en-US" sz="1000" dirty="0"/>
+          </a:p>
+          <a:p>
+            <a:r>
+              <a:rPr lang="en-US" sz="1600" b="1" i="1" dirty="0" smtClean="0"/>
+              <a:t>Technical Officer</a:t>
+            </a:r>
+            <a:endParaRPr lang="en-US" sz="1600" dirty="0"/>
+          </a:p>
+          <a:p>
+            <a:r>
+              <a:rPr lang="en-US" sz="1200" b="1" i="1" dirty="0" smtClean="0"/>
+              <a:t>NRC </a:t>
+            </a:r>
+            <a:r>
+              <a:rPr lang="en-US" sz="1200" b="1" dirty="0" smtClean="0"/>
+              <a:t>– </a:t>
+            </a:r>
+            <a:r>
+              <a:rPr lang="en-US" sz="1200" b="1" i="1" dirty="0" smtClean="0"/>
+              <a:t>Biotechnology </a:t>
+            </a:r>
+            <a:r>
+              <a:rPr lang="en-US" sz="1200" b="1" i="1" dirty="0"/>
+              <a:t>Research Institute</a:t>
+            </a:r>
+            <a:r>
+              <a:rPr lang="en-US" sz="1200" dirty="0"/>
+              <a:t>, Montréal</a:t>
+            </a:r>
+          </a:p>
+          <a:p>
+            <a:r>
+              <a:rPr lang="en-US" sz="1200" dirty="0" smtClean="0"/>
+              <a:t>Engineered </a:t>
+            </a:r>
+            <a:r>
+              <a:rPr lang="en-US" sz="1200" dirty="0"/>
+              <a:t>gene expression regulation technology </a:t>
+            </a:r>
+            <a:r>
+              <a:rPr lang="en-CA" sz="1200" dirty="0" smtClean="0"/>
+              <a:t>Designed</a:t>
+            </a:r>
+            <a:r>
+              <a:rPr lang="en-CA" sz="1200" dirty="0"/>
+              <a:t>, </a:t>
+            </a:r>
+            <a:r>
+              <a:rPr lang="en-CA" sz="1200" dirty="0" smtClean="0"/>
+              <a:t>fabricated, tested DNA </a:t>
+            </a:r>
+            <a:r>
+              <a:rPr lang="en-CA" sz="1200" dirty="0"/>
+              <a:t>“</a:t>
+            </a:r>
+            <a:r>
+              <a:rPr lang="en-US" sz="1200" dirty="0"/>
+              <a:t>gene switch”</a:t>
+            </a:r>
+          </a:p>
+          <a:p>
+            <a:pPr lvl="0" fontAlgn="base"/>
+            <a:r>
+              <a:rPr lang="en-CA" sz="1200" dirty="0" smtClean="0"/>
+              <a:t>Collaborated </a:t>
+            </a:r>
+            <a:r>
+              <a:rPr lang="en-CA" sz="1200" dirty="0"/>
+              <a:t>with stakeholders, </a:t>
+            </a:r>
+            <a:r>
+              <a:rPr lang="en-CA" sz="1200" dirty="0" smtClean="0"/>
+              <a:t>scientists</a:t>
+            </a:r>
+          </a:p>
+          <a:p>
+            <a:pPr lvl="0" fontAlgn="base"/>
+            <a:endParaRPr lang="en-CA" sz="1200" dirty="0" smtClean="0"/>
+          </a:p>
+          <a:p>
+            <a:pPr lvl="0" fontAlgn="base"/>
+            <a:endParaRPr lang="en-CA" sz="1200" dirty="0"/>
+          </a:p>
+          <a:p>
+            <a:r>
+              <a:rPr lang="en-US" b="1" dirty="0" smtClean="0"/>
+              <a:t> </a:t>
+            </a:r>
+            <a:endParaRPr lang="en-US" dirty="0"/>
+          </a:p>
+          <a:p>
+            <a:r>
+              <a:rPr lang="en-US" sz="1200" dirty="0"/>
+              <a:t> </a:t>
+            </a:r>
+          </a:p>
+          <a:p>
+            <a:r>
+              <a:rPr lang="en-US" sz="1600" b="1" dirty="0" smtClean="0"/>
+              <a:t>Certificate</a:t>
+            </a:r>
+            <a:r>
+              <a:rPr lang="en-US" sz="1200" b="1" dirty="0" smtClean="0"/>
+              <a:t> </a:t>
+            </a:r>
+            <a:r>
+              <a:rPr lang="en-US" sz="1200" dirty="0" smtClean="0"/>
+              <a:t>Computer Science     </a:t>
+            </a:r>
+            <a:r>
+              <a:rPr lang="en-US" sz="1200" b="1" dirty="0" smtClean="0"/>
+              <a:t>| </a:t>
+            </a:r>
+            <a:r>
+              <a:rPr lang="en-US" sz="1200" b="1" dirty="0"/>
+              <a:t>Concordia </a:t>
+            </a:r>
+            <a:r>
+              <a:rPr lang="en-US" sz="1200" b="1" dirty="0" smtClean="0"/>
+              <a:t>U.</a:t>
+            </a:r>
+            <a:endParaRPr lang="en-US" sz="1200" dirty="0"/>
+          </a:p>
+          <a:p>
+            <a:endParaRPr lang="en-US" sz="1000" b="1" dirty="0" smtClean="0"/>
+          </a:p>
+          <a:p>
+            <a:endParaRPr lang="en-US" sz="1000" b="1" dirty="0" smtClean="0"/>
+          </a:p>
+          <a:p>
+            <a:r>
+              <a:rPr lang="en-US" sz="1600" b="1" dirty="0" smtClean="0"/>
+              <a:t>MSc </a:t>
+            </a:r>
+            <a:r>
+              <a:rPr lang="en-US" sz="1200" dirty="0"/>
+              <a:t>Biochemistry &amp; Molecular </a:t>
+            </a:r>
+            <a:r>
+              <a:rPr lang="en-US" sz="1200" dirty="0" smtClean="0"/>
+              <a:t>Biology      </a:t>
+            </a:r>
+            <a:r>
+              <a:rPr lang="en-US" sz="1200" b="1" dirty="0" smtClean="0"/>
+              <a:t> |</a:t>
+            </a:r>
+            <a:r>
+              <a:rPr lang="en-US" sz="1200" dirty="0" smtClean="0"/>
+              <a:t> </a:t>
+            </a:r>
+            <a:r>
+              <a:rPr lang="en-US" sz="1200" b="1" dirty="0"/>
+              <a:t>UBC</a:t>
+            </a:r>
+            <a:endParaRPr lang="en-US" sz="1200" dirty="0"/>
+          </a:p>
+          <a:p>
+            <a:r>
+              <a:rPr lang="en-US" sz="1000" dirty="0" smtClean="0"/>
+              <a:t>         </a:t>
+            </a:r>
+          </a:p>
+          <a:p>
+            <a:endParaRPr lang="en-US" sz="1000" dirty="0"/>
+          </a:p>
+          <a:p>
+            <a:r>
+              <a:rPr lang="en-US" sz="1600" b="1" dirty="0" smtClean="0"/>
+              <a:t>BSc  </a:t>
+            </a:r>
+            <a:r>
+              <a:rPr lang="en-US" sz="1200" b="1" dirty="0" smtClean="0"/>
+              <a:t> </a:t>
+            </a:r>
+            <a:r>
+              <a:rPr lang="en-US" sz="1200" dirty="0" smtClean="0"/>
+              <a:t>Biochemistry</a:t>
+            </a:r>
+            <a:r>
+              <a:rPr lang="en-US" sz="1200" b="1" dirty="0" smtClean="0"/>
+              <a:t> </a:t>
+            </a:r>
+            <a:r>
+              <a:rPr lang="en-US" sz="1200" i="1" dirty="0" smtClean="0"/>
+              <a:t>(</a:t>
+            </a:r>
+            <a:r>
+              <a:rPr lang="en-US" sz="1200" i="1" dirty="0" err="1" smtClean="0"/>
+              <a:t>Honours</a:t>
+            </a:r>
+            <a:r>
+              <a:rPr lang="en-US" sz="1200" i="1" dirty="0" smtClean="0"/>
+              <a:t>)     </a:t>
+            </a:r>
+            <a:r>
+              <a:rPr lang="en-US" sz="1200" b="1" dirty="0" smtClean="0"/>
+              <a:t>|</a:t>
+            </a:r>
+            <a:r>
+              <a:rPr lang="en-US" sz="1200" dirty="0" smtClean="0"/>
+              <a:t> </a:t>
+            </a:r>
+            <a:r>
+              <a:rPr lang="en-US" sz="1200" b="1" dirty="0" smtClean="0"/>
+              <a:t>U. </a:t>
+            </a:r>
+            <a:r>
+              <a:rPr lang="en-US" sz="1200" b="1" dirty="0"/>
+              <a:t>de Montréal</a:t>
+            </a:r>
+            <a:endParaRPr lang="en-US" sz="1200" dirty="0"/>
+          </a:p>
+          <a:p>
+            <a:pPr lvl="0" fontAlgn="base"/>
+            <a:endParaRPr lang="en-US" sz="1200" dirty="0"/>
+          </a:p>
+        </p:txBody>
+      </p:sp>
+      <p:sp>
+        <p:nvSpPr>
+          <p:cNvPr id="6" name="Rectangle 5"/>
+          <p:cNvSpPr/>
+          <p:nvPr/>
+        </p:nvSpPr>
+        <p:spPr>
+          <a:xfrm>
+            <a:off x="3469042" y="2723235"/>
+            <a:ext cx="3365500" cy="3801040"/>
+          </a:xfrm>
+          <a:prstGeom prst="rect">
+            <a:avLst/>
+          </a:prstGeom>
+        </p:spPr>
+        <p:txBody>
+          <a:bodyPr wrap="square">
+            <a:spAutoFit/>
+          </a:bodyPr>
+          <a:lstStyle/>
+          <a:p>
+            <a:pPr algn="r"/>
+            <a:r>
+              <a:rPr lang="en-US" b="1" dirty="0" smtClean="0"/>
+              <a:t> </a:t>
+            </a:r>
+            <a:endParaRPr lang="en-US" dirty="0" smtClean="0"/>
+          </a:p>
+          <a:p>
+            <a:r>
+              <a:rPr lang="en-US" sz="1100" dirty="0" smtClean="0"/>
+              <a:t>2015, 16              </a:t>
+            </a:r>
+            <a:r>
+              <a:rPr lang="en-US" sz="1100" b="1" dirty="0" smtClean="0"/>
+              <a:t>Awarded</a:t>
+            </a:r>
+            <a:r>
+              <a:rPr lang="en-US" sz="1100" dirty="0" smtClean="0"/>
+              <a:t> </a:t>
+            </a:r>
+            <a:r>
+              <a:rPr lang="en-US" sz="1100" i="1" dirty="0" smtClean="0"/>
+              <a:t>John </a:t>
+            </a:r>
+            <a:r>
+              <a:rPr lang="en-US" sz="1100" i="1" dirty="0" err="1" smtClean="0"/>
+              <a:t>Jambor</a:t>
+            </a:r>
+            <a:r>
+              <a:rPr lang="en-US" sz="1100" i="1" dirty="0" smtClean="0"/>
+              <a:t> Knowledge Fund</a:t>
+            </a:r>
+            <a:endParaRPr lang="en-US" sz="1100" dirty="0" smtClean="0"/>
+          </a:p>
+          <a:p>
+            <a:r>
+              <a:rPr lang="en-US" sz="1100" dirty="0" smtClean="0"/>
+              <a:t>2011 NTN24 </a:t>
+            </a:r>
+            <a:r>
+              <a:rPr lang="en-US" sz="1100" b="1" dirty="0" smtClean="0"/>
+              <a:t>Interview</a:t>
+            </a:r>
+            <a:r>
+              <a:rPr lang="en-US" sz="1100" dirty="0" smtClean="0"/>
+              <a:t>, </a:t>
+            </a:r>
+            <a:r>
+              <a:rPr lang="en-US" sz="1100" i="1" dirty="0" err="1" smtClean="0"/>
+              <a:t>Fusobacterium</a:t>
+            </a:r>
+            <a:r>
+              <a:rPr lang="en-US" sz="1100" dirty="0" smtClean="0"/>
+              <a:t> cancer discovery</a:t>
+            </a:r>
+          </a:p>
+          <a:p>
+            <a:r>
+              <a:rPr lang="en-US" sz="1100" dirty="0" smtClean="0"/>
+              <a:t>2009         </a:t>
+            </a:r>
+            <a:r>
+              <a:rPr lang="en-US" sz="1100" i="1" dirty="0" smtClean="0"/>
+              <a:t>Genome Technology</a:t>
+            </a:r>
+            <a:r>
+              <a:rPr lang="en-US" sz="1100" dirty="0" smtClean="0"/>
+              <a:t> </a:t>
+            </a:r>
+            <a:r>
+              <a:rPr lang="en-US" sz="1100" b="1" dirty="0" smtClean="0"/>
+              <a:t>interview</a:t>
+            </a:r>
+            <a:r>
+              <a:rPr lang="en-US" sz="1100" i="1" dirty="0" smtClean="0"/>
+              <a:t>,</a:t>
+            </a:r>
+            <a:r>
+              <a:rPr lang="en-US" sz="1100" dirty="0" smtClean="0"/>
+              <a:t> next-gen. seq.</a:t>
+            </a:r>
+          </a:p>
+          <a:p>
+            <a:r>
+              <a:rPr lang="en-US" sz="1100" dirty="0" smtClean="0"/>
+              <a:t>2007           </a:t>
+            </a:r>
+            <a:r>
+              <a:rPr lang="en-US" sz="1100" i="1" dirty="0" err="1" smtClean="0"/>
+              <a:t>GenomeWeb</a:t>
+            </a:r>
+            <a:r>
+              <a:rPr lang="en-US" sz="1100" dirty="0" smtClean="0"/>
+              <a:t> </a:t>
+            </a:r>
+            <a:r>
+              <a:rPr lang="en-US" sz="1100" b="1" dirty="0" smtClean="0"/>
+              <a:t>interview</a:t>
+            </a:r>
+            <a:r>
+              <a:rPr lang="en-US" sz="1100" dirty="0" smtClean="0"/>
+              <a:t>, SSAKE development</a:t>
+            </a:r>
+          </a:p>
+          <a:p>
+            <a:r>
+              <a:rPr lang="en-US" sz="1100" dirty="0" smtClean="0"/>
+              <a:t>1998                   </a:t>
+            </a:r>
+            <a:r>
+              <a:rPr lang="en-US" sz="1100" b="1" dirty="0" smtClean="0"/>
+              <a:t>Awarded</a:t>
+            </a:r>
+            <a:r>
+              <a:rPr lang="en-US" sz="1100" dirty="0" smtClean="0"/>
+              <a:t> MSc UBC Graduate Fellowship</a:t>
+            </a:r>
+          </a:p>
+          <a:p>
+            <a:r>
+              <a:rPr lang="en-US" sz="1100" dirty="0" smtClean="0"/>
+              <a:t>1997                                          </a:t>
+            </a:r>
+            <a:r>
+              <a:rPr lang="en-US" sz="1100" b="1" dirty="0" smtClean="0"/>
+              <a:t>Awarded</a:t>
+            </a:r>
+            <a:r>
+              <a:rPr lang="en-US" sz="1100" dirty="0" smtClean="0"/>
+              <a:t> BSc FRSQ bursary</a:t>
+            </a:r>
+          </a:p>
+          <a:p>
+            <a:r>
+              <a:rPr lang="en-US" sz="1100" dirty="0" smtClean="0"/>
+              <a:t>1996   </a:t>
+            </a:r>
+            <a:r>
+              <a:rPr lang="en-US" sz="1100" b="1" dirty="0" smtClean="0"/>
+              <a:t>Awarded</a:t>
+            </a:r>
+            <a:r>
+              <a:rPr lang="en-US" sz="1100" dirty="0" smtClean="0"/>
+              <a:t> BSc FRSQ for </a:t>
+            </a:r>
+            <a:r>
+              <a:rPr lang="en-US" sz="1100" dirty="0" err="1" smtClean="0"/>
+              <a:t>honour’s</a:t>
+            </a:r>
+            <a:r>
+              <a:rPr lang="en-US" sz="1100" dirty="0" smtClean="0"/>
+              <a:t> research project </a:t>
+            </a:r>
+          </a:p>
+          <a:p>
+            <a:r>
+              <a:rPr lang="en-US" sz="1100" dirty="0" smtClean="0"/>
+              <a:t>1995  </a:t>
+            </a:r>
+            <a:r>
+              <a:rPr lang="en-US" sz="1100" b="1" dirty="0" smtClean="0"/>
+              <a:t>Worked</a:t>
+            </a:r>
+            <a:r>
+              <a:rPr lang="en-US" sz="1100" dirty="0" smtClean="0"/>
+              <a:t> at </a:t>
+            </a:r>
+            <a:r>
+              <a:rPr lang="en-US" sz="1100" b="1" dirty="0" smtClean="0"/>
+              <a:t>NASA</a:t>
+            </a:r>
+            <a:r>
+              <a:rPr lang="en-US" sz="1100" dirty="0" smtClean="0"/>
+              <a:t>, CMIX-4 </a:t>
+            </a:r>
+            <a:r>
+              <a:rPr lang="en-US" sz="1100" dirty="0"/>
+              <a:t>payload protein </a:t>
+            </a:r>
+            <a:r>
+              <a:rPr lang="en-US" sz="1100" dirty="0" smtClean="0"/>
+              <a:t>crystal.</a:t>
+            </a:r>
+          </a:p>
+          <a:p>
+            <a:endParaRPr lang="en-US" sz="800" dirty="0" smtClean="0"/>
+          </a:p>
+          <a:p>
+            <a:pPr algn="r"/>
+            <a:r>
+              <a:rPr lang="en-US" b="1" dirty="0" smtClean="0"/>
+              <a:t>   </a:t>
+            </a:r>
+            <a:r>
+              <a:rPr lang="en-US" sz="1100" b="1" dirty="0" smtClean="0"/>
+              <a:t>  </a:t>
+            </a:r>
+            <a:endParaRPr lang="en-US" sz="1100" dirty="0" smtClean="0"/>
+          </a:p>
+          <a:p>
+            <a:pPr algn="r"/>
+            <a:r>
+              <a:rPr lang="en-US" sz="1100" i="1" dirty="0" smtClean="0"/>
+              <a:t>Selected from 17 lead author</a:t>
+            </a:r>
+            <a:endParaRPr lang="en-US" sz="1100" dirty="0" smtClean="0"/>
+          </a:p>
+          <a:p>
+            <a:endParaRPr lang="en-US" sz="600" dirty="0" smtClean="0"/>
+          </a:p>
+          <a:p>
+            <a:r>
+              <a:rPr lang="en-US" sz="1100" dirty="0" smtClean="0"/>
+              <a:t>2017, 18         </a:t>
+            </a:r>
+            <a:r>
+              <a:rPr lang="en-US" sz="1100" b="1" dirty="0" smtClean="0"/>
+              <a:t>RECOMB</a:t>
+            </a:r>
+            <a:r>
+              <a:rPr lang="en-US" sz="1100" dirty="0" smtClean="0"/>
+              <a:t>, Hong Kong / Paris                 </a:t>
+            </a:r>
+            <a:r>
+              <a:rPr lang="en-US" sz="1100" b="1" dirty="0" smtClean="0"/>
+              <a:t>talks  </a:t>
+            </a:r>
+            <a:endParaRPr lang="en-US" sz="1100" dirty="0" smtClean="0"/>
+          </a:p>
+          <a:p>
+            <a:r>
+              <a:rPr lang="en-US" sz="1100" dirty="0" smtClean="0"/>
+              <a:t>2015, 16, 19   </a:t>
+            </a:r>
+            <a:r>
+              <a:rPr lang="en-US" sz="1100" b="1" dirty="0" smtClean="0"/>
+              <a:t>ISMB</a:t>
+            </a:r>
+            <a:r>
+              <a:rPr lang="en-US" sz="1100" dirty="0" smtClean="0"/>
+              <a:t>, Dublin / Orlando / Basel            </a:t>
+            </a:r>
+            <a:r>
+              <a:rPr lang="en-US" sz="1100" b="1" dirty="0" smtClean="0"/>
+              <a:t>talks</a:t>
+            </a:r>
+            <a:endParaRPr lang="en-US" sz="1100" dirty="0" smtClean="0"/>
+          </a:p>
+          <a:p>
+            <a:r>
+              <a:rPr lang="en-US" sz="1100" dirty="0" smtClean="0"/>
+              <a:t>2008, 12, 15   </a:t>
+            </a:r>
+            <a:r>
+              <a:rPr lang="en-US" sz="1100" b="1" dirty="0" smtClean="0"/>
+              <a:t>Pac. </a:t>
+            </a:r>
+            <a:r>
+              <a:rPr lang="en-US" sz="1100" b="1" dirty="0" err="1" smtClean="0"/>
+              <a:t>Symp</a:t>
+            </a:r>
+            <a:r>
+              <a:rPr lang="en-US" sz="1100" b="1" dirty="0" smtClean="0"/>
+              <a:t>. Biocomputing</a:t>
+            </a:r>
+            <a:r>
+              <a:rPr lang="en-US" sz="1100" dirty="0" smtClean="0"/>
+              <a:t>, Hawaii </a:t>
+            </a:r>
+            <a:r>
+              <a:rPr lang="en-US" sz="1100" b="1" dirty="0" smtClean="0"/>
+              <a:t>posters</a:t>
+            </a:r>
+          </a:p>
+          <a:p>
+            <a:r>
+              <a:rPr lang="en-US" sz="1100" dirty="0" smtClean="0"/>
+              <a:t>2010                </a:t>
+            </a:r>
+            <a:r>
+              <a:rPr lang="en-US" sz="1100" b="1" dirty="0" smtClean="0"/>
+              <a:t>SFAF</a:t>
+            </a:r>
+            <a:r>
+              <a:rPr lang="en-US" sz="1100" dirty="0" smtClean="0"/>
+              <a:t>, Santa Fe                                          </a:t>
+            </a:r>
+            <a:r>
+              <a:rPr lang="en-US" sz="1100" b="1" dirty="0" smtClean="0"/>
+              <a:t>talk</a:t>
+            </a:r>
+            <a:endParaRPr lang="en-US" sz="1100" dirty="0" smtClean="0"/>
+          </a:p>
+          <a:p>
+            <a:r>
+              <a:rPr lang="en-US" sz="1100" dirty="0" smtClean="0"/>
+              <a:t>2007</a:t>
+            </a:r>
+            <a:r>
+              <a:rPr lang="en-US" sz="1100" dirty="0"/>
+              <a:t> </a:t>
+            </a:r>
+            <a:r>
+              <a:rPr lang="en-US" sz="1100" dirty="0" smtClean="0"/>
+              <a:t>               </a:t>
+            </a:r>
+            <a:r>
+              <a:rPr lang="en-US" sz="1100" b="1" dirty="0" smtClean="0"/>
+              <a:t>Synthetic Biology</a:t>
+            </a:r>
+            <a:r>
+              <a:rPr lang="en-US" sz="1100" dirty="0" smtClean="0"/>
+              <a:t>, Zürich                       </a:t>
+            </a:r>
+            <a:r>
+              <a:rPr lang="en-US" sz="1100" b="1" dirty="0" smtClean="0"/>
+              <a:t>talk</a:t>
+            </a:r>
+            <a:endParaRPr lang="en-US" sz="1100" dirty="0" smtClean="0"/>
+          </a:p>
+          <a:p>
+            <a:endParaRPr lang="en-US" sz="800" dirty="0" smtClean="0"/>
+          </a:p>
+          <a:p>
+            <a:pPr algn="r"/>
+            <a:r>
+              <a:rPr lang="en-US" b="1" dirty="0" smtClean="0"/>
+              <a:t> </a:t>
+            </a:r>
+            <a:endParaRPr lang="en-US" dirty="0" smtClean="0"/>
+          </a:p>
+          <a:p>
+            <a:pPr algn="r"/>
+            <a:r>
+              <a:rPr lang="en-US" sz="1100" i="1" dirty="0" smtClean="0"/>
+              <a:t>Selected </a:t>
+            </a:r>
+            <a:r>
+              <a:rPr lang="en-US" sz="1100" i="1" smtClean="0"/>
+              <a:t>from </a:t>
+            </a:r>
+            <a:r>
+              <a:rPr lang="en-US" sz="1100" i="1" smtClean="0"/>
+              <a:t>63 </a:t>
+            </a:r>
+            <a:r>
+              <a:rPr lang="en-US" sz="1100" i="1" dirty="0" smtClean="0"/>
+              <a:t>peer-reviewed [23 lead author]</a:t>
+            </a:r>
+            <a:r>
+              <a:rPr lang="fr-FR" sz="1000" dirty="0" smtClean="0"/>
+              <a:t> </a:t>
+            </a:r>
+            <a:endParaRPr lang="en-US" sz="1000" dirty="0"/>
+          </a:p>
+        </p:txBody>
+      </p:sp>
+      <p:sp>
+        <p:nvSpPr>
+          <p:cNvPr id="39" name="Rectangle 38"/>
+          <p:cNvSpPr/>
+          <p:nvPr/>
+        </p:nvSpPr>
+        <p:spPr>
+          <a:xfrm>
+            <a:off x="3454530" y="4421798"/>
+            <a:ext cx="3336796" cy="369332"/>
+          </a:xfrm>
+          <a:prstGeom prst="rect">
+            <a:avLst/>
+          </a:prstGeom>
+          <a:solidFill>
+            <a:schemeClr val="tx1">
+              <a:lumMod val="85000"/>
+              <a:lumOff val="15000"/>
+            </a:schemeClr>
+          </a:solidFill>
+        </p:spPr>
+        <p:txBody>
+          <a:bodyPr wrap="square">
+            <a:spAutoFit/>
+          </a:bodyPr>
+          <a:lstStyle/>
+          <a:p>
+            <a:pPr algn="ctr"/>
+            <a:r>
+              <a:rPr lang="en-US" dirty="0" smtClean="0">
+                <a:solidFill>
+                  <a:srgbClr val="FFFFFF"/>
+                </a:solidFill>
+              </a:rPr>
+              <a:t>PRESENTATIONS</a:t>
+            </a:r>
+            <a:endParaRPr lang="en-US" dirty="0">
+              <a:solidFill>
+                <a:srgbClr val="FFFFFF"/>
+              </a:solidFill>
+            </a:endParaRPr>
+          </a:p>
+        </p:txBody>
+      </p:sp>
+      <p:sp>
+        <p:nvSpPr>
+          <p:cNvPr id="41" name="Rectangle 40"/>
+          <p:cNvSpPr/>
+          <p:nvPr/>
+        </p:nvSpPr>
+        <p:spPr>
+          <a:xfrm>
+            <a:off x="3454400" y="5908446"/>
+            <a:ext cx="3336925" cy="369332"/>
+          </a:xfrm>
+          <a:prstGeom prst="rect">
+            <a:avLst/>
+          </a:prstGeom>
+          <a:solidFill>
+            <a:schemeClr val="tx1">
+              <a:lumMod val="85000"/>
+              <a:lumOff val="15000"/>
+            </a:schemeClr>
+          </a:solidFill>
+        </p:spPr>
+        <p:txBody>
+          <a:bodyPr wrap="square">
+            <a:spAutoFit/>
+          </a:bodyPr>
+          <a:lstStyle/>
+          <a:p>
+            <a:pPr algn="ctr"/>
+            <a:r>
+              <a:rPr lang="en-US" dirty="0" smtClean="0">
+                <a:solidFill>
+                  <a:srgbClr val="FFFFFF"/>
+                </a:solidFill>
+              </a:rPr>
+              <a:t>PUBLICATIONS</a:t>
+            </a:r>
+            <a:endParaRPr lang="en-US" dirty="0">
+              <a:solidFill>
+                <a:srgbClr val="FFFFFF"/>
+              </a:solidFill>
+            </a:endParaRPr>
+          </a:p>
+        </p:txBody>
+      </p:sp>
+      <p:sp>
+        <p:nvSpPr>
+          <p:cNvPr id="42" name="Rectangle 41"/>
+          <p:cNvSpPr/>
+          <p:nvPr/>
+        </p:nvSpPr>
+        <p:spPr>
+          <a:xfrm>
+            <a:off x="88901" y="6449563"/>
+            <a:ext cx="3371978" cy="369332"/>
+          </a:xfrm>
+          <a:prstGeom prst="rect">
+            <a:avLst/>
+          </a:prstGeom>
+          <a:solidFill>
+            <a:schemeClr val="tx1">
+              <a:lumMod val="85000"/>
+              <a:lumOff val="15000"/>
+            </a:schemeClr>
+          </a:solidFill>
+        </p:spPr>
+        <p:txBody>
+          <a:bodyPr wrap="square">
+            <a:spAutoFit/>
+          </a:bodyPr>
+          <a:lstStyle/>
+          <a:p>
+            <a:pPr algn="ctr"/>
+            <a:r>
+              <a:rPr lang="en-US" dirty="0" smtClean="0">
+                <a:solidFill>
+                  <a:srgbClr val="FFFFFF"/>
+                </a:solidFill>
+              </a:rPr>
+              <a:t>EDUCATION</a:t>
+            </a:r>
+            <a:endParaRPr lang="en-US" dirty="0">
+              <a:solidFill>
+                <a:srgbClr val="FFFFFF"/>
+              </a:solidFill>
+            </a:endParaRPr>
+          </a:p>
+        </p:txBody>
+      </p:sp>
+      <p:sp>
+        <p:nvSpPr>
           <p:cNvPr id="5" name="Rectangle 4"/>
           <p:cNvSpPr/>
           <p:nvPr/>
         </p:nvSpPr>
         <p:spPr>
           <a:xfrm>
-            <a:off x="88900" y="85462"/>
+            <a:off x="88900" y="98291"/>
             <a:ext cx="6699250" cy="806450"/>
           </a:xfrm>
           <a:prstGeom prst="rect">
@@ -3147,546 +4061,13 @@
       </p:sp>
       <p:sp>
         <p:nvSpPr>
-          <p:cNvPr id="6" name="Rectangle 5"/>
-          <p:cNvSpPr/>
-          <p:nvPr/>
-        </p:nvSpPr>
-        <p:spPr>
-          <a:xfrm>
-            <a:off x="3492500" y="2603500"/>
-            <a:ext cx="3365500" cy="6401753"/>
-          </a:xfrm>
-          <a:prstGeom prst="rect">
-            <a:avLst/>
-          </a:prstGeom>
-        </p:spPr>
-        <p:txBody>
-          <a:bodyPr wrap="square">
-            <a:spAutoFit/>
-          </a:bodyPr>
-          <a:lstStyle/>
-          <a:p>
-            <a:pPr algn="r"/>
-            <a:r>
-              <a:rPr lang="en-US" b="1" dirty="0" smtClean="0"/>
-              <a:t>ACCOLADES</a:t>
-            </a:r>
-            <a:endParaRPr lang="en-US" dirty="0" smtClean="0"/>
-          </a:p>
-          <a:p>
-            <a:r>
-              <a:rPr lang="en-US" sz="1100" dirty="0" smtClean="0"/>
-              <a:t>2015, 16       Awarded the </a:t>
-            </a:r>
-            <a:r>
-              <a:rPr lang="en-US" sz="1100" i="1" dirty="0" smtClean="0"/>
-              <a:t>John </a:t>
-            </a:r>
-            <a:r>
-              <a:rPr lang="en-US" sz="1100" i="1" dirty="0" err="1" smtClean="0"/>
-              <a:t>Jambor</a:t>
-            </a:r>
-            <a:r>
-              <a:rPr lang="en-US" sz="1100" i="1" dirty="0" smtClean="0"/>
-              <a:t> Knowledge Fund</a:t>
-            </a:r>
-            <a:endParaRPr lang="en-US" sz="1100" dirty="0" smtClean="0"/>
-          </a:p>
-          <a:p>
-            <a:r>
-              <a:rPr lang="en-US" sz="1100" dirty="0" smtClean="0"/>
-              <a:t>2011 NTN24 Interview, </a:t>
-            </a:r>
-            <a:r>
-              <a:rPr lang="en-US" sz="1100" i="1" dirty="0" err="1" smtClean="0"/>
-              <a:t>Fusobacterium</a:t>
-            </a:r>
-            <a:r>
-              <a:rPr lang="en-US" sz="1100" dirty="0" smtClean="0"/>
-              <a:t> cancer discovery</a:t>
-            </a:r>
-          </a:p>
-          <a:p>
-            <a:r>
-              <a:rPr lang="en-US" sz="1100" dirty="0" smtClean="0"/>
-              <a:t>2009           </a:t>
-            </a:r>
-            <a:r>
-              <a:rPr lang="en-US" sz="1100" i="1" dirty="0" smtClean="0"/>
-              <a:t>Genome Technology</a:t>
-            </a:r>
-            <a:r>
-              <a:rPr lang="en-US" sz="1100" dirty="0" smtClean="0"/>
-              <a:t> interview</a:t>
-            </a:r>
-            <a:r>
-              <a:rPr lang="en-US" sz="1100" i="1" dirty="0" smtClean="0"/>
-              <a:t>,</a:t>
-            </a:r>
-            <a:r>
-              <a:rPr lang="en-US" sz="1100" dirty="0" smtClean="0"/>
-              <a:t> next-gen seq.</a:t>
-            </a:r>
-          </a:p>
-          <a:p>
-            <a:r>
-              <a:rPr lang="en-US" sz="1100" dirty="0" smtClean="0"/>
-              <a:t>2007           </a:t>
-            </a:r>
-            <a:r>
-              <a:rPr lang="en-US" sz="1100" i="1" dirty="0" err="1" smtClean="0"/>
-              <a:t>GenomeWeb</a:t>
-            </a:r>
-            <a:r>
-              <a:rPr lang="en-US" sz="1100" dirty="0" smtClean="0"/>
-              <a:t> interview, SSAKE development</a:t>
-            </a:r>
-          </a:p>
-          <a:p>
-            <a:r>
-              <a:rPr lang="en-US" sz="1100" dirty="0" smtClean="0"/>
-              <a:t>1998                   Awarded MSc UBC Graduate Fellowship</a:t>
-            </a:r>
-          </a:p>
-          <a:p>
-            <a:r>
-              <a:rPr lang="en-US" sz="1100" dirty="0" smtClean="0"/>
-              <a:t>1997                                          Awarded BSc FRSQ bursary</a:t>
-            </a:r>
-          </a:p>
-          <a:p>
-            <a:r>
-              <a:rPr lang="en-US" sz="1100" dirty="0" smtClean="0"/>
-              <a:t>1996   Awarded BSc FRSQ for </a:t>
-            </a:r>
-            <a:r>
-              <a:rPr lang="en-US" sz="1100" dirty="0" err="1" smtClean="0"/>
-              <a:t>honour’s</a:t>
-            </a:r>
-            <a:r>
-              <a:rPr lang="en-US" sz="1100" dirty="0" smtClean="0"/>
-              <a:t> research project </a:t>
-            </a:r>
-          </a:p>
-          <a:p>
-            <a:r>
-              <a:rPr lang="en-US" sz="1100" dirty="0" smtClean="0"/>
-              <a:t>1995   Worked at NASA, CMIX-4 </a:t>
-            </a:r>
-            <a:r>
-              <a:rPr lang="en-US" sz="1100" dirty="0"/>
-              <a:t>payload protein </a:t>
-            </a:r>
-            <a:r>
-              <a:rPr lang="en-US" sz="1100" dirty="0" smtClean="0"/>
-              <a:t>crystal.</a:t>
-            </a:r>
-          </a:p>
-          <a:p>
-            <a:endParaRPr lang="en-US" sz="800" dirty="0" smtClean="0"/>
-          </a:p>
-          <a:p>
-            <a:pPr algn="r"/>
-            <a:r>
-              <a:rPr lang="en-US" b="1" dirty="0" smtClean="0"/>
-              <a:t>PRESENTATIONS </a:t>
-            </a:r>
-            <a:r>
-              <a:rPr lang="en-US" sz="1100" b="1" dirty="0" smtClean="0"/>
-              <a:t>  </a:t>
-            </a:r>
-            <a:endParaRPr lang="en-US" sz="1100" dirty="0" smtClean="0"/>
-          </a:p>
-          <a:p>
-            <a:pPr algn="r"/>
-            <a:r>
-              <a:rPr lang="en-US" sz="1100" i="1" dirty="0" smtClean="0"/>
-              <a:t>Selected from 17 lead author</a:t>
-            </a:r>
-            <a:endParaRPr lang="en-US" sz="1100" dirty="0" smtClean="0"/>
-          </a:p>
-          <a:p>
-            <a:endParaRPr lang="en-US" sz="800" dirty="0" smtClean="0"/>
-          </a:p>
-          <a:p>
-            <a:r>
-              <a:rPr lang="en-US" sz="1100" dirty="0" smtClean="0"/>
-              <a:t>2017, 18         </a:t>
-            </a:r>
-            <a:r>
-              <a:rPr lang="en-US" sz="1100" b="1" dirty="0" smtClean="0"/>
-              <a:t>RECOMB</a:t>
-            </a:r>
-            <a:r>
-              <a:rPr lang="en-US" sz="1100" dirty="0" smtClean="0"/>
-              <a:t>, Hong Kong / Paris                 </a:t>
-            </a:r>
-            <a:r>
-              <a:rPr lang="en-US" sz="1100" b="1" dirty="0" smtClean="0"/>
-              <a:t>talks  </a:t>
-            </a:r>
-            <a:endParaRPr lang="en-US" sz="1100" dirty="0" smtClean="0"/>
-          </a:p>
-          <a:p>
-            <a:r>
-              <a:rPr lang="en-US" sz="1100" dirty="0" smtClean="0"/>
-              <a:t>2015, 16, 19   </a:t>
-            </a:r>
-            <a:r>
-              <a:rPr lang="en-US" sz="1100" b="1" dirty="0" smtClean="0"/>
-              <a:t>ISMB</a:t>
-            </a:r>
-            <a:r>
-              <a:rPr lang="en-US" sz="1100" dirty="0" smtClean="0"/>
-              <a:t>, Dublin / Orlando / Basel            </a:t>
-            </a:r>
-            <a:r>
-              <a:rPr lang="en-US" sz="1100" b="1" dirty="0" smtClean="0"/>
-              <a:t>talks</a:t>
-            </a:r>
-            <a:endParaRPr lang="en-US" sz="1100" dirty="0" smtClean="0"/>
-          </a:p>
-          <a:p>
-            <a:r>
-              <a:rPr lang="en-US" sz="1100" dirty="0" smtClean="0"/>
-              <a:t>2008, 12, 15   </a:t>
-            </a:r>
-            <a:r>
-              <a:rPr lang="en-US" sz="1100" b="1" dirty="0" smtClean="0"/>
-              <a:t>Pacific Symposium Biocomputing</a:t>
-            </a:r>
-            <a:r>
-              <a:rPr lang="en-US" sz="1100" dirty="0" smtClean="0"/>
-              <a:t>, Hawaii</a:t>
-            </a:r>
-          </a:p>
-          <a:p>
-            <a:r>
-              <a:rPr lang="en-US" sz="1100" dirty="0" smtClean="0"/>
-              <a:t>2010                </a:t>
-            </a:r>
-            <a:r>
-              <a:rPr lang="en-US" sz="1100" b="1" dirty="0" smtClean="0"/>
-              <a:t>SFAF</a:t>
-            </a:r>
-            <a:r>
-              <a:rPr lang="en-US" sz="1100" dirty="0" smtClean="0"/>
-              <a:t>, Santa Fe USA                                  </a:t>
-            </a:r>
-            <a:r>
-              <a:rPr lang="en-US" sz="1100" b="1" dirty="0" smtClean="0"/>
-              <a:t>talk</a:t>
-            </a:r>
-            <a:endParaRPr lang="en-US" sz="1100" dirty="0" smtClean="0"/>
-          </a:p>
-          <a:p>
-            <a:r>
-              <a:rPr lang="en-US" sz="1100" dirty="0" smtClean="0"/>
-              <a:t>2007</a:t>
-            </a:r>
-            <a:r>
-              <a:rPr lang="en-US" sz="1100" dirty="0"/>
-              <a:t> </a:t>
-            </a:r>
-            <a:r>
-              <a:rPr lang="en-US" sz="1100" dirty="0" smtClean="0"/>
-              <a:t>               </a:t>
-            </a:r>
-            <a:r>
-              <a:rPr lang="en-US" sz="1100" b="1" dirty="0" smtClean="0"/>
-              <a:t>Synthetic Biology</a:t>
-            </a:r>
-            <a:r>
-              <a:rPr lang="en-US" sz="1100" dirty="0" smtClean="0"/>
-              <a:t>, Zürich                        </a:t>
-            </a:r>
-            <a:r>
-              <a:rPr lang="en-US" sz="1100" b="1" dirty="0" smtClean="0"/>
-              <a:t>talk</a:t>
-            </a:r>
-            <a:endParaRPr lang="en-US" sz="1100" dirty="0" smtClean="0"/>
-          </a:p>
-          <a:p>
-            <a:endParaRPr lang="en-US" sz="800" dirty="0" smtClean="0"/>
-          </a:p>
-          <a:p>
-            <a:pPr algn="r"/>
-            <a:r>
-              <a:rPr lang="en-US" b="1" dirty="0" smtClean="0"/>
-              <a:t>PUBLICATIONS</a:t>
-            </a:r>
-            <a:endParaRPr lang="en-US" dirty="0" smtClean="0"/>
-          </a:p>
-          <a:p>
-            <a:pPr algn="r"/>
-            <a:r>
-              <a:rPr lang="en-US" sz="1100" i="1" dirty="0" smtClean="0"/>
-              <a:t>61 peer-reviewed [23 lead author], *co-first</a:t>
-            </a:r>
-            <a:endParaRPr lang="en-US" sz="1100" dirty="0"/>
-          </a:p>
-          <a:p>
-            <a:pPr algn="r"/>
-            <a:endParaRPr lang="en-US" sz="600" dirty="0" smtClean="0"/>
-          </a:p>
-          <a:p>
-            <a:pPr algn="r"/>
-            <a:r>
-              <a:rPr lang="en-US" sz="1000" b="1" dirty="0" smtClean="0"/>
-              <a:t>Warren RL</a:t>
-            </a:r>
-            <a:r>
-              <a:rPr lang="en-US" sz="1000" dirty="0" smtClean="0"/>
-              <a:t>,</a:t>
-            </a:r>
-            <a:r>
-              <a:rPr lang="en-US" sz="1000" b="1" dirty="0" smtClean="0"/>
-              <a:t> </a:t>
-            </a:r>
-            <a:r>
-              <a:rPr lang="en-US" sz="1000" i="1" dirty="0" smtClean="0"/>
-              <a:t>et al.</a:t>
-            </a:r>
-            <a:r>
-              <a:rPr lang="en-US" sz="1000" b="1" dirty="0" smtClean="0"/>
-              <a:t> </a:t>
-            </a:r>
-            <a:r>
-              <a:rPr lang="en-US" sz="1000" dirty="0" smtClean="0"/>
-              <a:t>2019. </a:t>
-            </a:r>
-            <a:r>
-              <a:rPr lang="en-US" sz="1000" dirty="0" err="1" smtClean="0"/>
-              <a:t>ntEdit</a:t>
-            </a:r>
-            <a:r>
-              <a:rPr lang="en-US" sz="1000" dirty="0" smtClean="0"/>
-              <a:t>: scalable genome sequence polishing. </a:t>
-            </a:r>
-            <a:r>
-              <a:rPr lang="en-US" sz="1000" i="1" dirty="0" smtClean="0"/>
-              <a:t>Bioinformatics. </a:t>
-            </a:r>
-            <a:r>
-              <a:rPr lang="en-US" sz="1000" dirty="0"/>
-              <a:t>b</a:t>
-            </a:r>
-            <a:r>
-              <a:rPr lang="en-US" sz="1000" dirty="0" smtClean="0"/>
-              <a:t>tz400</a:t>
-            </a:r>
-            <a:endParaRPr lang="en-US" sz="1000" dirty="0"/>
-          </a:p>
-          <a:p>
-            <a:pPr algn="r"/>
-            <a:r>
-              <a:rPr lang="en-US" sz="1000" b="1" dirty="0" smtClean="0"/>
-              <a:t> </a:t>
-            </a:r>
-            <a:endParaRPr lang="en-US" sz="1000" dirty="0" smtClean="0"/>
-          </a:p>
-          <a:p>
-            <a:pPr algn="r"/>
-            <a:r>
-              <a:rPr lang="en-US" sz="1000" b="1" dirty="0" smtClean="0"/>
-              <a:t>Warren RL</a:t>
-            </a:r>
-            <a:r>
-              <a:rPr lang="en-US" sz="1000" dirty="0" smtClean="0"/>
-              <a:t>,</a:t>
-            </a:r>
-            <a:r>
-              <a:rPr lang="en-US" sz="1000" b="1" dirty="0" smtClean="0"/>
-              <a:t> </a:t>
-            </a:r>
-            <a:r>
-              <a:rPr lang="en-US" sz="1000" i="1" dirty="0" smtClean="0"/>
-              <a:t>et al.</a:t>
-            </a:r>
-            <a:r>
-              <a:rPr lang="en-US" sz="1000" dirty="0" smtClean="0"/>
-              <a:t> 2015. LINKS</a:t>
-            </a:r>
-            <a:r>
-              <a:rPr lang="en-US" sz="1000" smtClean="0"/>
-              <a:t>: </a:t>
-            </a:r>
-            <a:r>
-              <a:rPr lang="en-US" sz="1000" smtClean="0"/>
-              <a:t>scalable </a:t>
-            </a:r>
-            <a:r>
-              <a:rPr lang="en-US" sz="1000" dirty="0" smtClean="0"/>
-              <a:t>scaffolding of genomes with long reads.</a:t>
-            </a:r>
-            <a:r>
-              <a:rPr lang="en-US" sz="1000" b="1" dirty="0" smtClean="0"/>
-              <a:t> </a:t>
-            </a:r>
-            <a:r>
-              <a:rPr lang="en-US" sz="1000" i="1" dirty="0" err="1" smtClean="0"/>
-              <a:t>GigaScience</a:t>
-            </a:r>
-            <a:r>
-              <a:rPr lang="en-US" sz="1000" i="1" dirty="0" smtClean="0"/>
-              <a:t> </a:t>
-            </a:r>
-            <a:r>
-              <a:rPr lang="en-US" sz="1000" dirty="0" smtClean="0"/>
-              <a:t>4:35 </a:t>
-            </a:r>
-          </a:p>
-          <a:p>
-            <a:pPr algn="r"/>
-            <a:r>
-              <a:rPr lang="en-US" sz="1000" b="1" dirty="0" smtClean="0"/>
-              <a:t> </a:t>
-            </a:r>
-            <a:endParaRPr lang="en-US" sz="1000" dirty="0" smtClean="0"/>
-          </a:p>
-          <a:p>
-            <a:pPr algn="r"/>
-            <a:r>
-              <a:rPr lang="en-US" sz="1000" b="1" dirty="0" smtClean="0"/>
-              <a:t>Warren RL</a:t>
-            </a:r>
-            <a:r>
-              <a:rPr lang="en-US" sz="1000" dirty="0" smtClean="0"/>
-              <a:t>,</a:t>
-            </a:r>
-            <a:r>
-              <a:rPr lang="en-US" sz="1000" b="1" dirty="0" smtClean="0"/>
-              <a:t> </a:t>
-            </a:r>
-            <a:r>
-              <a:rPr lang="en-US" sz="1000" i="1" dirty="0" smtClean="0"/>
-              <a:t>et al.</a:t>
-            </a:r>
-            <a:r>
-              <a:rPr lang="en-US" sz="1000" b="1" dirty="0" smtClean="0"/>
-              <a:t> </a:t>
-            </a:r>
-            <a:r>
-              <a:rPr lang="en-US" sz="1000" dirty="0" smtClean="0"/>
-              <a:t>2012. Derivation of HLA types from shotgun sequence datasets. </a:t>
-            </a:r>
-            <a:r>
-              <a:rPr lang="en-US" sz="1000" i="1" dirty="0" smtClean="0"/>
-              <a:t>Genome Med.</a:t>
-            </a:r>
-            <a:r>
-              <a:rPr lang="en-US" sz="1000" dirty="0" smtClean="0"/>
-              <a:t> 4:95</a:t>
-            </a:r>
-          </a:p>
-          <a:p>
-            <a:pPr algn="r"/>
-            <a:r>
-              <a:rPr lang="en-US" sz="1000" dirty="0" smtClean="0"/>
-              <a:t> </a:t>
-            </a:r>
-          </a:p>
-          <a:p>
-            <a:pPr algn="r"/>
-            <a:r>
-              <a:rPr lang="en-US" sz="1000" dirty="0" err="1" smtClean="0"/>
-              <a:t>Castellarin</a:t>
-            </a:r>
-            <a:r>
-              <a:rPr lang="en-US" sz="1000" dirty="0" smtClean="0"/>
-              <a:t> M*,</a:t>
-            </a:r>
-            <a:r>
-              <a:rPr lang="en-US" sz="1000" b="1" dirty="0" smtClean="0"/>
-              <a:t> Warren RL*</a:t>
-            </a:r>
-            <a:r>
-              <a:rPr lang="en-US" sz="1000" dirty="0" smtClean="0"/>
-              <a:t>, </a:t>
-            </a:r>
-            <a:r>
-              <a:rPr lang="en-US" sz="1000" i="1" dirty="0" smtClean="0"/>
-              <a:t>et al.</a:t>
-            </a:r>
-            <a:r>
-              <a:rPr lang="en-US" sz="1000" dirty="0" smtClean="0"/>
-              <a:t> 2012. </a:t>
-            </a:r>
-            <a:r>
-              <a:rPr lang="en-US" sz="1000" i="1" dirty="0" err="1" smtClean="0"/>
-              <a:t>Fusobacterium</a:t>
-            </a:r>
-            <a:r>
-              <a:rPr lang="en-US" sz="1000" dirty="0" smtClean="0"/>
-              <a:t> in colorectal carcinoma. </a:t>
-            </a:r>
-            <a:r>
-              <a:rPr lang="en-US" sz="1000" i="1" dirty="0" smtClean="0"/>
-              <a:t>Genome Res</a:t>
-            </a:r>
-            <a:r>
-              <a:rPr lang="en-US" sz="1000" dirty="0" smtClean="0"/>
-              <a:t>. 22:299 </a:t>
-            </a:r>
-          </a:p>
-          <a:p>
-            <a:pPr algn="r"/>
-            <a:r>
-              <a:rPr lang="en-US" sz="1000" b="1" dirty="0" smtClean="0"/>
-              <a:t> </a:t>
-            </a:r>
-            <a:endParaRPr lang="en-US" sz="1000" dirty="0" smtClean="0"/>
-          </a:p>
-          <a:p>
-            <a:pPr algn="r"/>
-            <a:r>
-              <a:rPr lang="en-US" sz="1000" b="1" dirty="0" smtClean="0"/>
-              <a:t>Warren RL</a:t>
-            </a:r>
-            <a:r>
-              <a:rPr lang="en-US" sz="1000" dirty="0" smtClean="0"/>
-              <a:t>, </a:t>
-            </a:r>
-            <a:r>
-              <a:rPr lang="en-US" sz="1000" i="1" dirty="0" smtClean="0"/>
-              <a:t>et al.</a:t>
-            </a:r>
-            <a:r>
-              <a:rPr lang="en-US" sz="1000" dirty="0" smtClean="0"/>
-              <a:t> 2007. Assembling millions of short DNA sequences using SSAKE. </a:t>
-            </a:r>
-            <a:r>
-              <a:rPr lang="en-US" sz="1000" i="1" dirty="0" err="1" smtClean="0"/>
-              <a:t>Bioinfo</a:t>
-            </a:r>
-            <a:r>
-              <a:rPr lang="en-US" sz="1000" i="1" dirty="0" smtClean="0"/>
-              <a:t>.</a:t>
-            </a:r>
-            <a:r>
-              <a:rPr lang="en-US" sz="1000" dirty="0" smtClean="0"/>
-              <a:t> 23:500</a:t>
-            </a:r>
-          </a:p>
-          <a:p>
-            <a:pPr algn="r"/>
-            <a:r>
-              <a:rPr lang="fr-FR" sz="1000" dirty="0" smtClean="0"/>
-              <a:t> </a:t>
-            </a:r>
-            <a:endParaRPr lang="en-US" sz="1000" dirty="0"/>
-          </a:p>
-        </p:txBody>
-      </p:sp>
-      <p:sp>
-        <p:nvSpPr>
           <p:cNvPr id="2" name="TextBox 1"/>
           <p:cNvSpPr txBox="1"/>
           <p:nvPr/>
         </p:nvSpPr>
         <p:spPr>
           <a:xfrm>
-            <a:off x="623599" y="-101600"/>
+            <a:off x="687099" y="-75942"/>
             <a:ext cx="1805452" cy="1015663"/>
           </a:xfrm>
           <a:prstGeom prst="rect">
@@ -3724,7 +4105,7 @@
         </p:nvSpPr>
         <p:spPr>
           <a:xfrm>
-            <a:off x="4167409" y="-101600"/>
+            <a:off x="4040409" y="-75942"/>
             <a:ext cx="2609083" cy="1015663"/>
           </a:xfrm>
           <a:prstGeom prst="rect">
@@ -3762,7 +4143,7 @@
         </p:nvSpPr>
         <p:spPr>
           <a:xfrm>
-            <a:off x="0" y="1351188"/>
+            <a:off x="0" y="1364017"/>
             <a:ext cx="6858000" cy="923330"/>
           </a:xfrm>
           <a:prstGeom prst="rect">
@@ -3782,10 +4163,9 @@
             </a:r>
           </a:p>
           <a:p>
-            <a:pPr algn="ctr"/>
             <a:r>
               <a:rPr lang="en-US" sz="1350" b="1" dirty="0" smtClean="0"/>
-              <a:t>Developed</a:t>
+              <a:t> Developed</a:t>
             </a:r>
             <a:r>
               <a:rPr lang="en-US" sz="1350" dirty="0" smtClean="0"/>
@@ -3810,13 +4190,12 @@
             <a:endParaRPr lang="en-US" sz="1350" dirty="0"/>
           </a:p>
           <a:p>
-            <a:pPr algn="ctr"/>
-            <a:r>
-              <a:rPr lang="en-US" sz="1350" b="1" dirty="0"/>
-              <a:t>Discovered</a:t>
-            </a:r>
-            <a:r>
-              <a:rPr lang="en-US" sz="1350" dirty="0"/>
+            <a:r>
+              <a:rPr lang="en-US" sz="1350" b="1" dirty="0" smtClean="0"/>
+              <a:t> Discovered</a:t>
+            </a:r>
+            <a:r>
+              <a:rPr lang="en-US" sz="1350" dirty="0" smtClean="0"/>
               <a:t> </a:t>
             </a:r>
             <a:r>
@@ -3834,14 +4213,17 @@
             <a:endParaRPr lang="en-US" sz="1350" dirty="0"/>
           </a:p>
           <a:p>
-            <a:pPr algn="ctr"/>
-            <a:r>
-              <a:rPr lang="en-US" sz="1350" b="1" dirty="0"/>
-              <a:t>Coordinated</a:t>
+            <a:r>
+              <a:rPr lang="en-US" sz="1350" b="1" dirty="0" smtClean="0"/>
+              <a:t> Coordinated</a:t>
+            </a:r>
+            <a:r>
+              <a:rPr lang="en-US" sz="1350" dirty="0" smtClean="0"/>
+              <a:t> </a:t>
             </a:r>
             <a:r>
               <a:rPr lang="en-US" sz="1350" dirty="0"/>
-              <a:t> bioinformatics analyses of </a:t>
+              <a:t>bioinformatics analyses of </a:t>
             </a:r>
             <a:r>
               <a:rPr lang="en-US" sz="1350" i="1" dirty="0" err="1"/>
@@ -3879,7 +4261,7 @@
         </p:blipFill>
         <p:spPr>
           <a:xfrm>
-            <a:off x="2971800" y="31487"/>
+            <a:off x="2971800" y="44316"/>
             <a:ext cx="914400" cy="914400"/>
           </a:xfrm>
           <a:prstGeom prst="rect">
@@ -3895,7 +4277,7 @@
         </p:nvSpPr>
         <p:spPr>
           <a:xfrm>
-            <a:off x="0" y="830325"/>
+            <a:off x="0" y="843154"/>
             <a:ext cx="7382930" cy="400110"/>
           </a:xfrm>
           <a:prstGeom prst="rect">
@@ -3959,8 +4341,8 @@
         </p:nvSpPr>
         <p:spPr>
           <a:xfrm>
-            <a:off x="76200" y="1197802"/>
-            <a:ext cx="6711950" cy="369332"/>
+            <a:off x="88900" y="1210631"/>
+            <a:ext cx="6702424" cy="369332"/>
           </a:xfrm>
           <a:prstGeom prst="rect">
             <a:avLst/>
@@ -3997,14 +4379,16 @@
         </p:nvSpPr>
         <p:spPr>
           <a:xfrm>
-            <a:off x="76200" y="2288198"/>
-            <a:ext cx="6711950" cy="369332"/>
+            <a:off x="88900" y="2288198"/>
+            <a:ext cx="6702552" cy="369332"/>
           </a:xfrm>
           <a:prstGeom prst="rect">
             <a:avLst/>
           </a:prstGeom>
           <a:solidFill>
-            <a:srgbClr val="7F7F7F"/>
+            <a:schemeClr val="bg1">
+              <a:lumMod val="50000"/>
+            </a:schemeClr>
           </a:solidFill>
         </p:spPr>
         <p:txBody>
@@ -4019,7 +4403,7 @@
                   <a:srgbClr val="FFFFFF"/>
                 </a:solidFill>
               </a:rPr>
-              <a:t>                   seeking </a:t>
+              <a:t>                   Seeking </a:t>
             </a:r>
             <a:r>
               <a:rPr lang="en-US" dirty="0">
@@ -4035,7 +4419,7 @@
                   <a:srgbClr val="FFFFFF"/>
                 </a:solidFill>
               </a:rPr>
-              <a:t>leadership      </a:t>
+              <a:t>leadership       </a:t>
             </a:r>
             <a:endParaRPr lang="en-US" dirty="0">
               <a:solidFill>
@@ -4053,8 +4437,8 @@
         </p:nvCxnSpPr>
         <p:spPr>
           <a:xfrm flipH="1">
-            <a:off x="3434133" y="2946400"/>
-            <a:ext cx="16035" cy="5868444"/>
+            <a:off x="3446961" y="3035302"/>
+            <a:ext cx="16035" cy="5786145"/>
           </a:xfrm>
           <a:prstGeom prst="line">
             <a:avLst/>
@@ -4081,444 +4465,6 @@
           </a:fontRef>
         </p:style>
       </p:cxnSp>
-      <p:sp>
-        <p:nvSpPr>
-          <p:cNvPr id="16" name="Rectangle 15"/>
-          <p:cNvSpPr/>
-          <p:nvPr/>
-        </p:nvSpPr>
-        <p:spPr>
-          <a:xfrm>
-            <a:off x="12700" y="2607735"/>
-            <a:ext cx="3471333" cy="6186309"/>
-          </a:xfrm>
-          <a:prstGeom prst="rect">
-            <a:avLst/>
-          </a:prstGeom>
-        </p:spPr>
-        <p:txBody>
-          <a:bodyPr wrap="square">
-            <a:spAutoFit/>
-          </a:bodyPr>
-          <a:lstStyle/>
-          <a:p>
-            <a:r>
-              <a:rPr lang="en-US" b="1" dirty="0"/>
-              <a:t>EXPERIENCE</a:t>
-            </a:r>
-          </a:p>
-          <a:p>
-            <a:endParaRPr lang="en-US" sz="1000" b="1" i="1" dirty="0" smtClean="0"/>
-          </a:p>
-          <a:p>
-            <a:r>
-              <a:rPr lang="en-US" sz="1600" b="1" i="1" dirty="0" smtClean="0"/>
-              <a:t>Group Leader</a:t>
-            </a:r>
-            <a:endParaRPr lang="en-US" sz="1600" dirty="0"/>
-          </a:p>
-          <a:p>
-            <a:r>
-              <a:rPr lang="en-US" sz="1200" b="1" i="1" dirty="0"/>
-              <a:t>BC Cancer </a:t>
-            </a:r>
-            <a:r>
-              <a:rPr lang="en-US" sz="1200" b="1" dirty="0"/>
-              <a:t>– </a:t>
-            </a:r>
-            <a:r>
-              <a:rPr lang="en-US" sz="1200" b="1" i="1" dirty="0"/>
-              <a:t>Genome Sciences Centre</a:t>
-            </a:r>
-            <a:r>
-              <a:rPr lang="en-US" sz="1200" dirty="0"/>
-              <a:t>, </a:t>
-            </a:r>
-            <a:r>
-              <a:rPr lang="en-US" sz="1200" dirty="0" smtClean="0"/>
-              <a:t>Vancouver </a:t>
-            </a:r>
-            <a:endParaRPr lang="en-US" sz="1200" dirty="0"/>
-          </a:p>
-          <a:p>
-            <a:pPr lvl="0" fontAlgn="base"/>
-            <a:r>
-              <a:rPr lang="en-US" sz="1200" dirty="0"/>
-              <a:t>Lead group, </a:t>
-            </a:r>
-            <a:r>
-              <a:rPr lang="en-US" sz="1200" dirty="0" smtClean="0"/>
-              <a:t>project </a:t>
-            </a:r>
-            <a:r>
-              <a:rPr lang="en-US" sz="1200" dirty="0" smtClean="0"/>
-              <a:t>management &amp; </a:t>
-            </a:r>
-            <a:r>
-              <a:rPr lang="en-US" sz="1200" dirty="0" smtClean="0"/>
-              <a:t>guidance</a:t>
-            </a:r>
-            <a:endParaRPr lang="en-US" sz="1200" dirty="0"/>
-          </a:p>
-          <a:p>
-            <a:pPr lvl="0" fontAlgn="base"/>
-            <a:r>
-              <a:rPr lang="en-US" sz="1200" dirty="0" smtClean="0"/>
-              <a:t>Conceptualize, lead, develop genome technologies</a:t>
-            </a:r>
-            <a:endParaRPr lang="en-US" sz="1200" dirty="0"/>
-          </a:p>
-          <a:p>
-            <a:pPr lvl="0" fontAlgn="base"/>
-            <a:r>
-              <a:rPr lang="en-US" sz="1200" dirty="0"/>
-              <a:t>Interview, supervise, mentor </a:t>
-            </a:r>
-            <a:r>
-              <a:rPr lang="en-US" sz="1200" dirty="0" smtClean="0"/>
-              <a:t>staff </a:t>
-            </a:r>
-            <a:r>
-              <a:rPr lang="en-US" sz="1200" dirty="0"/>
-              <a:t>/</a:t>
-            </a:r>
-            <a:r>
-              <a:rPr lang="en-US" sz="1200" dirty="0" smtClean="0"/>
-              <a:t> students</a:t>
-            </a:r>
-          </a:p>
-          <a:p>
-            <a:pPr lvl="0" fontAlgn="base"/>
-            <a:endParaRPr lang="en-US" sz="1000" dirty="0" smtClean="0"/>
-          </a:p>
-          <a:p>
-            <a:pPr lvl="0" fontAlgn="base"/>
-            <a:r>
-              <a:rPr lang="en-US" sz="1600" b="1" i="1" dirty="0" smtClean="0"/>
-              <a:t>Coordinator </a:t>
-            </a:r>
-            <a:endParaRPr lang="en-US" sz="1600" dirty="0"/>
-          </a:p>
-          <a:p>
-            <a:r>
-              <a:rPr lang="en-US" sz="1200" b="1" i="1" dirty="0"/>
-              <a:t>BC Cancer </a:t>
-            </a:r>
-            <a:r>
-              <a:rPr lang="en-US" sz="1200" b="1" dirty="0"/>
-              <a:t>– </a:t>
-            </a:r>
-            <a:r>
-              <a:rPr lang="en-US" sz="1200" b="1" i="1" dirty="0"/>
-              <a:t>Genome Sciences Centre</a:t>
-            </a:r>
-            <a:r>
-              <a:rPr lang="en-US" sz="1200" dirty="0"/>
-              <a:t>, Vancouver </a:t>
-            </a:r>
-          </a:p>
-          <a:p>
-            <a:r>
-              <a:rPr lang="en-US" sz="1200" dirty="0" smtClean="0"/>
-              <a:t>Lead </a:t>
-            </a:r>
-            <a:r>
-              <a:rPr lang="en-US" sz="1200" dirty="0"/>
-              <a:t>bioinformatics R&amp;</a:t>
-            </a:r>
-            <a:r>
-              <a:rPr lang="en-US" sz="1200" dirty="0" smtClean="0"/>
-              <a:t>D</a:t>
-            </a:r>
-          </a:p>
-          <a:p>
-            <a:r>
-              <a:rPr lang="en-US" sz="1200" dirty="0" smtClean="0"/>
-              <a:t>Published </a:t>
-            </a:r>
-            <a:r>
-              <a:rPr lang="en-US" sz="1200" dirty="0"/>
-              <a:t>research (</a:t>
-            </a:r>
-            <a:r>
-              <a:rPr lang="en-US" sz="1200" dirty="0" smtClean="0"/>
-              <a:t>science </a:t>
-            </a:r>
-            <a:r>
-              <a:rPr lang="en-US" sz="1200" dirty="0"/>
-              <a:t>journals, </a:t>
-            </a:r>
-            <a:r>
-              <a:rPr lang="en-US" sz="1200" dirty="0" smtClean="0"/>
-              <a:t>conferences</a:t>
-            </a:r>
-            <a:r>
-              <a:rPr lang="en-US" sz="1200" dirty="0"/>
-              <a:t>)</a:t>
-            </a:r>
-          </a:p>
-          <a:p>
-            <a:pPr lvl="0" fontAlgn="base"/>
-            <a:r>
-              <a:rPr lang="en-US" sz="1200" dirty="0" smtClean="0"/>
-              <a:t>Interviewed</a:t>
-            </a:r>
-            <a:r>
-              <a:rPr lang="en-US" sz="1200" dirty="0"/>
-              <a:t>, taught, trained, supervised </a:t>
-            </a:r>
-            <a:r>
-              <a:rPr lang="en-US" sz="1200" dirty="0" smtClean="0"/>
-              <a:t>staff</a:t>
-            </a:r>
-          </a:p>
-          <a:p>
-            <a:pPr lvl="0" fontAlgn="base"/>
-            <a:endParaRPr lang="en-US" sz="1000" dirty="0"/>
-          </a:p>
-          <a:p>
-            <a:r>
-              <a:rPr lang="en-US" sz="1600" b="1" i="1" dirty="0" smtClean="0"/>
-              <a:t>Officer</a:t>
-            </a:r>
-            <a:endParaRPr lang="en-US" sz="1600" dirty="0"/>
-          </a:p>
-          <a:p>
-            <a:r>
-              <a:rPr lang="en-US" sz="1200" b="1" i="1" dirty="0" smtClean="0"/>
-              <a:t>NRC Biotechnology </a:t>
-            </a:r>
-            <a:r>
-              <a:rPr lang="en-US" sz="1200" b="1" i="1" dirty="0"/>
-              <a:t>Research Institute</a:t>
-            </a:r>
-            <a:r>
-              <a:rPr lang="en-US" sz="1200" dirty="0"/>
-              <a:t>, Montréal</a:t>
-            </a:r>
-          </a:p>
-          <a:p>
-            <a:r>
-              <a:rPr lang="en-US" sz="1200" dirty="0" smtClean="0"/>
-              <a:t>Engineered </a:t>
-            </a:r>
-            <a:r>
-              <a:rPr lang="en-US" sz="1200" dirty="0"/>
-              <a:t>gene expression regulation technology </a:t>
-            </a:r>
-            <a:r>
-              <a:rPr lang="en-CA" sz="1200" dirty="0" smtClean="0"/>
-              <a:t>Designed</a:t>
-            </a:r>
-            <a:r>
-              <a:rPr lang="en-CA" sz="1200" dirty="0"/>
-              <a:t>, </a:t>
-            </a:r>
-            <a:r>
-              <a:rPr lang="en-CA" sz="1200" dirty="0" smtClean="0"/>
-              <a:t>fabricated, tested DNA </a:t>
-            </a:r>
-            <a:r>
-              <a:rPr lang="en-CA" sz="1200" dirty="0"/>
-              <a:t>“</a:t>
-            </a:r>
-            <a:r>
-              <a:rPr lang="en-US" sz="1200" dirty="0"/>
-              <a:t>gene switch”</a:t>
-            </a:r>
-          </a:p>
-          <a:p>
-            <a:pPr lvl="0" fontAlgn="base"/>
-            <a:r>
-              <a:rPr lang="en-CA" sz="1200" dirty="0" smtClean="0"/>
-              <a:t>Collaborated </a:t>
-            </a:r>
-            <a:r>
-              <a:rPr lang="en-CA" sz="1200" dirty="0"/>
-              <a:t>with stakeholders, </a:t>
-            </a:r>
-            <a:r>
-              <a:rPr lang="en-CA" sz="1200" dirty="0" smtClean="0"/>
-              <a:t>scientists</a:t>
-            </a:r>
-          </a:p>
-          <a:p>
-            <a:pPr lvl="0" fontAlgn="base"/>
-            <a:endParaRPr lang="en-CA" sz="1200" dirty="0" smtClean="0"/>
-          </a:p>
-          <a:p>
-            <a:pPr lvl="0" fontAlgn="base"/>
-            <a:endParaRPr lang="en-CA" sz="1200" dirty="0"/>
-          </a:p>
-          <a:p>
-            <a:r>
-              <a:rPr lang="en-US" b="1" dirty="0"/>
-              <a:t>EDUCATION</a:t>
-            </a:r>
-            <a:endParaRPr lang="en-US" dirty="0"/>
-          </a:p>
-          <a:p>
-            <a:r>
-              <a:rPr lang="en-US" sz="1200" dirty="0"/>
-              <a:t> </a:t>
-            </a:r>
-          </a:p>
-          <a:p>
-            <a:r>
-              <a:rPr lang="en-US" sz="1600" b="1" dirty="0" smtClean="0"/>
-              <a:t>Certificate</a:t>
-            </a:r>
-            <a:r>
-              <a:rPr lang="en-US" sz="1200" b="1" dirty="0" smtClean="0"/>
-              <a:t> </a:t>
-            </a:r>
-            <a:r>
-              <a:rPr lang="en-US" sz="1200" dirty="0" smtClean="0"/>
-              <a:t>Comp. </a:t>
-            </a:r>
-            <a:r>
-              <a:rPr lang="en-US" sz="1200" dirty="0"/>
-              <a:t>Science	</a:t>
-            </a:r>
-            <a:r>
-              <a:rPr lang="en-US" sz="1200" dirty="0" smtClean="0"/>
-              <a:t>          </a:t>
-            </a:r>
-            <a:r>
-              <a:rPr lang="en-US" sz="1200" b="1" dirty="0" smtClean="0"/>
-              <a:t>| </a:t>
-            </a:r>
-            <a:r>
-              <a:rPr lang="en-US" sz="1200" b="1" dirty="0"/>
-              <a:t>Concordia </a:t>
-            </a:r>
-            <a:r>
-              <a:rPr lang="en-US" sz="1200" b="1" dirty="0" smtClean="0"/>
-              <a:t>U.</a:t>
-            </a:r>
-            <a:endParaRPr lang="en-US" sz="1200" dirty="0"/>
-          </a:p>
-          <a:p>
-            <a:endParaRPr lang="en-US" sz="1000" b="1" dirty="0" smtClean="0"/>
-          </a:p>
-          <a:p>
-            <a:endParaRPr lang="en-US" sz="1000" b="1" dirty="0" smtClean="0"/>
-          </a:p>
-          <a:p>
-            <a:r>
-              <a:rPr lang="en-US" sz="1600" b="1" dirty="0" smtClean="0"/>
-              <a:t>MSc </a:t>
-            </a:r>
-            <a:r>
-              <a:rPr lang="en-US" sz="1200" dirty="0"/>
-              <a:t>Biochemistry &amp; Molecular </a:t>
-            </a:r>
-            <a:r>
-              <a:rPr lang="en-US" sz="1200" dirty="0" smtClean="0"/>
-              <a:t>Biology     </a:t>
-            </a:r>
-            <a:r>
-              <a:rPr lang="en-US" sz="1200" b="1" dirty="0" smtClean="0"/>
-              <a:t> |</a:t>
-            </a:r>
-            <a:r>
-              <a:rPr lang="en-US" sz="1200" dirty="0" smtClean="0"/>
-              <a:t> </a:t>
-            </a:r>
-            <a:r>
-              <a:rPr lang="en-US" sz="1200" b="1" dirty="0"/>
-              <a:t>UBC</a:t>
-            </a:r>
-            <a:endParaRPr lang="en-US" sz="1200" dirty="0"/>
-          </a:p>
-          <a:p>
-            <a:r>
-              <a:rPr lang="en-US" sz="1000" dirty="0" smtClean="0"/>
-              <a:t>         </a:t>
-            </a:r>
-          </a:p>
-          <a:p>
-            <a:endParaRPr lang="en-US" sz="1000" dirty="0"/>
-          </a:p>
-          <a:p>
-            <a:r>
-              <a:rPr lang="en-US" sz="1600" b="1" dirty="0"/>
-              <a:t>BSc</a:t>
-            </a:r>
-            <a:r>
-              <a:rPr lang="en-US" sz="1200" b="1" dirty="0"/>
-              <a:t> </a:t>
-            </a:r>
-            <a:r>
-              <a:rPr lang="en-US" sz="1200" dirty="0" smtClean="0"/>
-              <a:t>Biochemistry</a:t>
-            </a:r>
-            <a:r>
-              <a:rPr lang="en-US" sz="1200" b="1" dirty="0" smtClean="0"/>
-              <a:t> (</a:t>
-            </a:r>
-            <a:r>
-              <a:rPr lang="en-US" sz="1200" i="1" dirty="0" err="1" smtClean="0"/>
-              <a:t>Honours</a:t>
-            </a:r>
-            <a:r>
-              <a:rPr lang="en-US" sz="1200" dirty="0" smtClean="0"/>
-              <a:t>)       </a:t>
-            </a:r>
-            <a:r>
-              <a:rPr lang="en-US" sz="1200" b="1" dirty="0" smtClean="0"/>
-              <a:t>|</a:t>
-            </a:r>
-            <a:r>
-              <a:rPr lang="en-US" sz="1200" dirty="0" smtClean="0"/>
-              <a:t> </a:t>
-            </a:r>
-            <a:r>
-              <a:rPr lang="en-US" sz="1200" b="1" dirty="0" smtClean="0"/>
-              <a:t>U. </a:t>
-            </a:r>
-            <a:r>
-              <a:rPr lang="en-US" sz="1200" b="1" dirty="0"/>
-              <a:t>de Montréal</a:t>
-            </a:r>
-            <a:endParaRPr lang="en-US" sz="1200" dirty="0"/>
-          </a:p>
-          <a:p>
-            <a:pPr lvl="0" fontAlgn="base"/>
-            <a:endParaRPr lang="en-US" sz="1200" dirty="0"/>
-          </a:p>
-        </p:txBody>
-      </p:sp>
-      <p:sp>
-        <p:nvSpPr>
-          <p:cNvPr id="18" name="TextBox 17"/>
-          <p:cNvSpPr txBox="1"/>
-          <p:nvPr/>
-        </p:nvSpPr>
-        <p:spPr>
-          <a:xfrm>
-            <a:off x="3180445" y="2596849"/>
-            <a:ext cx="592680" cy="369332"/>
-          </a:xfrm>
-          <a:prstGeom prst="rect">
-            <a:avLst/>
-          </a:prstGeom>
-          <a:noFill/>
-        </p:spPr>
-        <p:txBody>
-          <a:bodyPr wrap="none" rtlCol="0">
-            <a:spAutoFit/>
-          </a:bodyPr>
-          <a:lstStyle/>
-          <a:p>
-            <a:r>
-              <a:rPr lang="en-US" dirty="0" smtClean="0"/>
-              <a:t>now</a:t>
-            </a:r>
-            <a:endParaRPr lang="en-US" dirty="0"/>
-          </a:p>
-        </p:txBody>
-      </p:sp>
       <p:cxnSp>
         <p:nvCxnSpPr>
           <p:cNvPr id="22" name="Straight Connector 21"/>
@@ -4527,7 +4473,7 @@
         </p:nvCxnSpPr>
         <p:spPr>
           <a:xfrm>
-            <a:off x="3258447" y="3990541"/>
+            <a:off x="3268100" y="4015939"/>
             <a:ext cx="190500" cy="0"/>
           </a:xfrm>
           <a:prstGeom prst="line">
@@ -4563,8 +4509,8 @@
         </p:nvSpPr>
         <p:spPr>
           <a:xfrm rot="16200000">
-            <a:off x="3097588" y="3656100"/>
-            <a:ext cx="496650" cy="276999"/>
+            <a:off x="2851972" y="3399585"/>
+            <a:ext cx="1013544" cy="276999"/>
           </a:xfrm>
           <a:prstGeom prst="rect">
             <a:avLst/>
@@ -4579,7 +4525,7 @@
           <a:p>
             <a:r>
               <a:rPr lang="en-US" sz="1200" b="1" dirty="0" smtClean="0"/>
-              <a:t>2017</a:t>
+              <a:t>2017-current</a:t>
             </a:r>
             <a:endParaRPr lang="en-US" sz="1200" b="1" dirty="0"/>
           </a:p>
@@ -4593,7 +4539,7 @@
         </p:nvCxnSpPr>
         <p:spPr>
           <a:xfrm>
-            <a:off x="3258447" y="5112355"/>
+            <a:off x="3268100" y="5133520"/>
             <a:ext cx="190500" cy="0"/>
           </a:xfrm>
           <a:prstGeom prst="line">
@@ -4629,8 +4575,8 @@
         </p:nvSpPr>
         <p:spPr>
           <a:xfrm rot="16200000">
-            <a:off x="3097588" y="4777914"/>
-            <a:ext cx="496650" cy="276999"/>
+            <a:off x="3008864" y="4682099"/>
+            <a:ext cx="699756" cy="276999"/>
           </a:xfrm>
           <a:prstGeom prst="rect">
             <a:avLst/>
@@ -4645,7 +4591,7 @@
           <a:p>
             <a:r>
               <a:rPr lang="en-US" sz="1200" b="1" dirty="0" smtClean="0"/>
-              <a:t>2002</a:t>
+              <a:t>2002-17</a:t>
             </a:r>
             <a:endParaRPr lang="en-US" sz="1200" b="1" dirty="0"/>
           </a:p>
@@ -4659,7 +4605,7 @@
         </p:nvCxnSpPr>
         <p:spPr>
           <a:xfrm>
-            <a:off x="3258447" y="7302218"/>
+            <a:off x="3268100" y="7281053"/>
             <a:ext cx="190500" cy="0"/>
           </a:xfrm>
           <a:prstGeom prst="line">
@@ -4695,7 +4641,7 @@
         </p:nvSpPr>
         <p:spPr>
           <a:xfrm rot="16200000">
-            <a:off x="3097588" y="6949634"/>
+            <a:off x="3110416" y="6928469"/>
             <a:ext cx="496650" cy="276999"/>
           </a:xfrm>
           <a:prstGeom prst="rect">
@@ -4725,7 +4671,7 @@
         </p:nvCxnSpPr>
         <p:spPr>
           <a:xfrm>
-            <a:off x="3258447" y="7844073"/>
+            <a:off x="3268100" y="7831374"/>
             <a:ext cx="190500" cy="0"/>
           </a:xfrm>
           <a:prstGeom prst="line">
@@ -4761,7 +4707,7 @@
         </p:nvSpPr>
         <p:spPr>
           <a:xfrm rot="16200000">
-            <a:off x="3097588" y="7491489"/>
+            <a:off x="3110416" y="7491489"/>
             <a:ext cx="496650" cy="276999"/>
           </a:xfrm>
           <a:prstGeom prst="rect">
@@ -4791,7 +4737,7 @@
         </p:nvCxnSpPr>
         <p:spPr>
           <a:xfrm>
-            <a:off x="3258447" y="8394397"/>
+            <a:off x="3268100" y="8394397"/>
             <a:ext cx="190500" cy="0"/>
           </a:xfrm>
           <a:prstGeom prst="line">
@@ -4827,7 +4773,7 @@
         </p:nvSpPr>
         <p:spPr>
           <a:xfrm rot="16200000">
-            <a:off x="3097588" y="8059956"/>
+            <a:off x="3110416" y="8059956"/>
             <a:ext cx="496650" cy="276999"/>
           </a:xfrm>
           <a:prstGeom prst="rect">
@@ -4857,7 +4803,7 @@
         </p:nvCxnSpPr>
         <p:spPr>
           <a:xfrm>
-            <a:off x="3258447" y="6246655"/>
+            <a:off x="3268100" y="6263587"/>
             <a:ext cx="190500" cy="0"/>
           </a:xfrm>
           <a:prstGeom prst="line">
@@ -4893,8 +4839,8 @@
         </p:nvSpPr>
         <p:spPr>
           <a:xfrm rot="16200000">
-            <a:off x="3097588" y="5894071"/>
-            <a:ext cx="496650" cy="276999"/>
+            <a:off x="3008864" y="5812699"/>
+            <a:ext cx="699756" cy="276999"/>
           </a:xfrm>
           <a:prstGeom prst="rect">
             <a:avLst/>
@@ -4909,7 +4855,7 @@
           <a:p>
             <a:r>
               <a:rPr lang="en-US" sz="1200" b="1" dirty="0" smtClean="0"/>
-              <a:t>2000</a:t>
+              <a:t>2000-01</a:t>
             </a:r>
             <a:endParaRPr lang="en-US" sz="1200" b="1" dirty="0"/>
           </a:p>
@@ -4923,8 +4869,8 @@
         </p:nvSpPr>
         <p:spPr>
           <a:xfrm>
-            <a:off x="44451" y="8807587"/>
-            <a:ext cx="6756400" cy="276999"/>
+            <a:off x="89796" y="8790027"/>
+            <a:ext cx="6702552" cy="276999"/>
           </a:xfrm>
           <a:prstGeom prst="rect">
             <a:avLst/>
@@ -4972,8 +4918,8 @@
         </p:nvSpPr>
         <p:spPr>
           <a:xfrm>
-            <a:off x="-93134" y="8616444"/>
-            <a:ext cx="6976534" cy="230832"/>
+            <a:off x="-46692" y="8589660"/>
+            <a:ext cx="7061201" cy="230832"/>
           </a:xfrm>
           <a:prstGeom prst="rect">
             <a:avLst/>
@@ -4988,85 +4934,449 @@
           <a:p>
             <a:r>
               <a:rPr lang="de-DE" sz="900" dirty="0" smtClean="0"/>
-              <a:t>  Skills</a:t>
+              <a:t>  </a:t>
+            </a:r>
+            <a:r>
+              <a:rPr lang="de-DE" sz="900" b="1" dirty="0" smtClean="0"/>
+              <a:t>IT Skills</a:t>
             </a:r>
             <a:r>
               <a:rPr lang="de-DE" sz="900" dirty="0"/>
-              <a:t>: Python, PERL, R, MySQL, HTML/</a:t>
-            </a:r>
-            <a:r>
-              <a:rPr lang="de-DE" sz="900" dirty="0" err="1"/>
+              <a:t>: </a:t>
+            </a:r>
+            <a:r>
+              <a:rPr lang="de-DE" sz="900" i="1" dirty="0"/>
+              <a:t>Python, PERL, R, MySQL, HTML/</a:t>
+            </a:r>
+            <a:r>
+              <a:rPr lang="de-DE" sz="900" i="1" dirty="0" err="1"/>
               <a:t>js</a:t>
             </a:r>
             <a:r>
-              <a:rPr lang="de-DE" sz="900" dirty="0"/>
+              <a:rPr lang="de-DE" sz="900" i="1" dirty="0"/>
               <a:t>, </a:t>
             </a:r>
             <a:r>
-              <a:rPr lang="de-DE" sz="900" dirty="0" err="1"/>
+              <a:rPr lang="de-DE" sz="900" i="1" dirty="0" err="1" smtClean="0"/>
+              <a:t>Git</a:t>
+            </a:r>
+            <a:r>
+              <a:rPr lang="de-DE" sz="900" i="1" dirty="0" smtClean="0"/>
+              <a:t>, </a:t>
+            </a:r>
+            <a:r>
+              <a:rPr lang="de-DE" sz="900" i="1" dirty="0" err="1" smtClean="0"/>
               <a:t>unix</a:t>
             </a:r>
             <a:r>
-              <a:rPr lang="de-DE" sz="900" dirty="0"/>
+              <a:rPr lang="de-DE" sz="900" i="1" dirty="0"/>
               <a:t>/</a:t>
             </a:r>
             <a:r>
-              <a:rPr lang="de-DE" sz="900" dirty="0" err="1"/>
+              <a:rPr lang="de-DE" sz="900" i="1" dirty="0" err="1"/>
               <a:t>mac</a:t>
             </a:r>
             <a:r>
-              <a:rPr lang="de-DE" sz="900" dirty="0"/>
+              <a:rPr lang="de-DE" sz="900" i="1" dirty="0"/>
               <a:t>/</a:t>
             </a:r>
             <a:r>
-              <a:rPr lang="de-DE" sz="900" dirty="0" err="1"/>
+              <a:rPr lang="de-DE" sz="900" i="1" dirty="0" err="1"/>
               <a:t>win</a:t>
             </a:r>
             <a:r>
-              <a:rPr lang="de-DE" sz="900" dirty="0"/>
+              <a:rPr lang="de-DE" sz="900" i="1" dirty="0"/>
               <a:t>, </a:t>
             </a:r>
             <a:r>
-              <a:rPr lang="de-DE" sz="900" dirty="0" err="1" smtClean="0"/>
-              <a:t>MSOffice</a:t>
-            </a:r>
-            <a:r>
-              <a:rPr lang="de-DE" sz="900" dirty="0"/>
+              <a:rPr lang="de-DE" sz="900" i="1" dirty="0" err="1" smtClean="0"/>
+              <a:t>MSoffice</a:t>
+            </a:r>
+            <a:r>
+              <a:rPr lang="de-DE" sz="900" i="1" dirty="0" smtClean="0"/>
+              <a:t>   </a:t>
+            </a:r>
+            <a:r>
+              <a:rPr lang="de-DE" sz="900" b="1" dirty="0" smtClean="0"/>
+              <a:t>Projects</a:t>
+            </a:r>
+            <a:r>
+              <a:rPr lang="de-DE" sz="900" dirty="0" smtClean="0"/>
+              <a:t>: </a:t>
+            </a:r>
+            <a:r>
+              <a:rPr lang="de-DE" sz="900" i="1" dirty="0" smtClean="0"/>
+              <a:t>SAM, SSAKE</a:t>
+            </a:r>
+            <a:r>
+              <a:rPr lang="de-DE" sz="900" i="1" dirty="0"/>
+              <a:t>, TASR, </a:t>
+            </a:r>
+            <a:r>
+              <a:rPr lang="de-DE" sz="900" i="1" dirty="0" err="1"/>
+              <a:t>HLAminer</a:t>
+            </a:r>
+            <a:r>
+              <a:rPr lang="de-DE" sz="900" i="1" dirty="0"/>
+              <a:t>, LINKS, </a:t>
+            </a:r>
+            <a:r>
+              <a:rPr lang="de-DE" sz="900" i="1" dirty="0" smtClean="0"/>
+              <a:t>XMV, RAILS</a:t>
+            </a:r>
+            <a:r>
+              <a:rPr lang="de-DE" sz="900" i="1" dirty="0"/>
+              <a:t>, ARCS, </a:t>
+            </a:r>
+            <a:r>
+              <a:rPr lang="de-DE" sz="900" i="1" dirty="0" err="1"/>
+              <a:t>ntEdit</a:t>
+            </a:r>
+            <a:endParaRPr lang="en-US" sz="900" i="1" dirty="0"/>
+          </a:p>
+        </p:txBody>
+      </p:sp>
+      <p:sp>
+        <p:nvSpPr>
+          <p:cNvPr id="31" name="Rectangle 30"/>
+          <p:cNvSpPr/>
+          <p:nvPr/>
+        </p:nvSpPr>
+        <p:spPr>
+          <a:xfrm>
+            <a:off x="88900" y="2669198"/>
+            <a:ext cx="3362453" cy="369332"/>
+          </a:xfrm>
+          <a:prstGeom prst="rect">
+            <a:avLst/>
+          </a:prstGeom>
+          <a:solidFill>
+            <a:schemeClr val="tx1">
+              <a:lumMod val="85000"/>
+              <a:lumOff val="15000"/>
+            </a:schemeClr>
+          </a:solidFill>
+        </p:spPr>
+        <p:txBody>
+          <a:bodyPr wrap="square">
+            <a:spAutoFit/>
+          </a:bodyPr>
+          <a:lstStyle/>
+          <a:p>
+            <a:pPr algn="ctr"/>
+            <a:r>
+              <a:rPr lang="en-US" dirty="0" smtClean="0">
+                <a:solidFill>
+                  <a:srgbClr val="FFFFFF"/>
+                </a:solidFill>
+              </a:rPr>
+              <a:t>EXPERIENCE</a:t>
+            </a:r>
+            <a:endParaRPr lang="en-US" dirty="0">
+              <a:solidFill>
+                <a:srgbClr val="FFFFFF"/>
+              </a:solidFill>
+            </a:endParaRPr>
+          </a:p>
+        </p:txBody>
+      </p:sp>
+      <p:sp>
+        <p:nvSpPr>
+          <p:cNvPr id="36" name="Rectangle 35"/>
+          <p:cNvSpPr/>
+          <p:nvPr/>
+        </p:nvSpPr>
+        <p:spPr>
+          <a:xfrm>
+            <a:off x="3473578" y="2669198"/>
+            <a:ext cx="3317747" cy="369332"/>
+          </a:xfrm>
+          <a:prstGeom prst="rect">
+            <a:avLst/>
+          </a:prstGeom>
+          <a:solidFill>
+            <a:schemeClr val="tx1">
+              <a:lumMod val="85000"/>
+              <a:lumOff val="15000"/>
+            </a:schemeClr>
+          </a:solidFill>
+        </p:spPr>
+        <p:txBody>
+          <a:bodyPr wrap="square">
+            <a:spAutoFit/>
+          </a:bodyPr>
+          <a:lstStyle/>
+          <a:p>
+            <a:pPr algn="ctr"/>
+            <a:r>
+              <a:rPr lang="en-US" dirty="0" smtClean="0">
+                <a:solidFill>
+                  <a:srgbClr val="FFFFFF"/>
+                </a:solidFill>
+              </a:rPr>
+              <a:t>ACCOLADES</a:t>
+            </a:r>
+            <a:endParaRPr lang="en-US" dirty="0">
+              <a:solidFill>
+                <a:srgbClr val="FFFFFF"/>
+              </a:solidFill>
+            </a:endParaRPr>
+          </a:p>
+        </p:txBody>
+      </p:sp>
+      <p:sp>
+        <p:nvSpPr>
+          <p:cNvPr id="40" name="Rectangle 39"/>
+          <p:cNvSpPr/>
+          <p:nvPr/>
+        </p:nvSpPr>
+        <p:spPr>
+          <a:xfrm>
+            <a:off x="3530984" y="6531955"/>
+            <a:ext cx="3365500" cy="2154436"/>
+          </a:xfrm>
+          <a:prstGeom prst="rect">
+            <a:avLst/>
+          </a:prstGeom>
+        </p:spPr>
+        <p:txBody>
+          <a:bodyPr wrap="square">
+            <a:spAutoFit/>
+          </a:bodyPr>
+          <a:lstStyle/>
+          <a:p>
+            <a:r>
+              <a:rPr lang="en-US" sz="1000" b="1" dirty="0" smtClean="0"/>
+              <a:t>Warren RL</a:t>
+            </a:r>
+            <a:r>
+              <a:rPr lang="en-US" sz="1000" dirty="0" smtClean="0"/>
+              <a:t>,</a:t>
+            </a:r>
+            <a:r>
+              <a:rPr lang="en-US" sz="1000" b="1" dirty="0" smtClean="0"/>
+              <a:t> </a:t>
+            </a:r>
+            <a:r>
+              <a:rPr lang="en-US" sz="1000" i="1" dirty="0" smtClean="0"/>
+              <a:t>et al.</a:t>
+            </a:r>
+            <a:r>
+              <a:rPr lang="en-US" sz="1000" b="1" dirty="0" smtClean="0"/>
+              <a:t> </a:t>
+            </a:r>
+            <a:r>
+              <a:rPr lang="en-US" sz="1000" dirty="0" smtClean="0"/>
+              <a:t>2019. </a:t>
+            </a:r>
+            <a:r>
+              <a:rPr lang="en-US" sz="1000" dirty="0" err="1" smtClean="0"/>
+              <a:t>ntEdit</a:t>
+            </a:r>
+            <a:r>
+              <a:rPr lang="en-US" sz="1000" dirty="0" smtClean="0"/>
+              <a:t>: scalable genome sequence polishing. </a:t>
+            </a:r>
+            <a:r>
+              <a:rPr lang="en-US" sz="1000" i="1" dirty="0"/>
+              <a:t>Bioinformatics. </a:t>
+            </a:r>
+            <a:r>
+              <a:rPr lang="en-US" sz="1000" i="1" dirty="0" err="1"/>
+              <a:t>doi</a:t>
+            </a:r>
+            <a:r>
+              <a:rPr lang="en-US" sz="1000" i="1" dirty="0"/>
+              <a:t>: 10.1093/bioinformatics/btz400</a:t>
+            </a:r>
+            <a:endParaRPr lang="en-US" sz="1000" dirty="0"/>
+          </a:p>
+          <a:p>
+            <a:r>
+              <a:rPr lang="en-US" sz="600" b="1" dirty="0" smtClean="0"/>
+              <a:t> </a:t>
+            </a:r>
+            <a:endParaRPr lang="en-US" sz="600" dirty="0" smtClean="0"/>
+          </a:p>
+          <a:p>
+            <a:r>
+              <a:rPr lang="en-US" sz="1000" b="1" dirty="0" smtClean="0"/>
+              <a:t>Warren RL</a:t>
+            </a:r>
+            <a:r>
+              <a:rPr lang="en-US" sz="1000" dirty="0" smtClean="0"/>
+              <a:t>,</a:t>
+            </a:r>
+            <a:r>
+              <a:rPr lang="en-US" sz="1000" b="1" dirty="0" smtClean="0"/>
+              <a:t> </a:t>
+            </a:r>
+            <a:r>
+              <a:rPr lang="en-US" sz="1000" i="1" dirty="0" smtClean="0"/>
+              <a:t>et al.</a:t>
+            </a:r>
+            <a:r>
+              <a:rPr lang="en-US" sz="1000" dirty="0" smtClean="0"/>
+              <a:t> 2015. LINKS: scalable scaffolding of genomes with long reads.</a:t>
+            </a:r>
+            <a:r>
+              <a:rPr lang="en-US" sz="1000" b="1" dirty="0" smtClean="0"/>
+              <a:t> </a:t>
+            </a:r>
+            <a:r>
+              <a:rPr lang="en-US" sz="1000" i="1" dirty="0" err="1" smtClean="0"/>
+              <a:t>GigaScience</a:t>
+            </a:r>
+            <a:r>
+              <a:rPr lang="en-US" sz="1000" i="1" dirty="0" smtClean="0"/>
+              <a:t>. </a:t>
+            </a:r>
+            <a:r>
+              <a:rPr lang="en-US" sz="1000" dirty="0" smtClean="0"/>
+              <a:t>4:35 </a:t>
+            </a:r>
+          </a:p>
+          <a:p>
+            <a:r>
+              <a:rPr lang="en-US" sz="600" b="1" dirty="0" smtClean="0"/>
+              <a:t> </a:t>
+            </a:r>
+            <a:endParaRPr lang="en-US" sz="600" dirty="0" smtClean="0"/>
+          </a:p>
+          <a:p>
+            <a:r>
+              <a:rPr lang="en-US" sz="1000" b="1" dirty="0" smtClean="0"/>
+              <a:t>Warren RL</a:t>
+            </a:r>
+            <a:r>
+              <a:rPr lang="en-US" sz="1000" dirty="0" smtClean="0"/>
+              <a:t>,</a:t>
+            </a:r>
+            <a:r>
+              <a:rPr lang="en-US" sz="1000" b="1" dirty="0" smtClean="0"/>
+              <a:t> </a:t>
+            </a:r>
+            <a:r>
+              <a:rPr lang="en-US" sz="1000" i="1" dirty="0" smtClean="0"/>
+              <a:t>et al.</a:t>
+            </a:r>
+            <a:r>
+              <a:rPr lang="en-US" sz="1000" b="1" dirty="0" smtClean="0"/>
+              <a:t> </a:t>
+            </a:r>
+            <a:r>
+              <a:rPr lang="en-US" sz="1000" dirty="0" smtClean="0"/>
+              <a:t>2012. Derivation of HLA types from shotgun sequence datasets. </a:t>
+            </a:r>
+            <a:r>
+              <a:rPr lang="en-US" sz="1000" i="1" dirty="0" smtClean="0"/>
+              <a:t>Genome Med.</a:t>
+            </a:r>
+            <a:r>
+              <a:rPr lang="en-US" sz="1000" dirty="0" smtClean="0"/>
+              <a:t> 4:95</a:t>
+            </a:r>
+          </a:p>
+          <a:p>
+            <a:r>
+              <a:rPr lang="en-US" sz="600" dirty="0" smtClean="0"/>
+              <a:t> </a:t>
+            </a:r>
+          </a:p>
+          <a:p>
+            <a:r>
+              <a:rPr lang="en-US" sz="1000" dirty="0" err="1" smtClean="0"/>
+              <a:t>Castellarin</a:t>
+            </a:r>
+            <a:r>
+              <a:rPr lang="en-US" sz="1000" dirty="0" smtClean="0"/>
+              <a:t> M*,</a:t>
+            </a:r>
+            <a:r>
+              <a:rPr lang="en-US" sz="1000" b="1" dirty="0" smtClean="0"/>
+              <a:t> Warren RL*</a:t>
+            </a:r>
+            <a:r>
+              <a:rPr lang="en-US" sz="1000" dirty="0" smtClean="0"/>
               <a:t>, </a:t>
             </a:r>
             <a:r>
-              <a:rPr lang="de-DE" sz="900" dirty="0" err="1" smtClean="0"/>
-              <a:t>Git</a:t>
-            </a:r>
-            <a:r>
-              <a:rPr lang="de-DE" sz="900" dirty="0" smtClean="0"/>
-              <a:t>        Projects: SAM, SSAKE</a:t>
-            </a:r>
-            <a:r>
-              <a:rPr lang="de-DE" sz="900" dirty="0"/>
-              <a:t>, TASR, </a:t>
-            </a:r>
-            <a:r>
-              <a:rPr lang="de-DE" sz="900" dirty="0" err="1"/>
-              <a:t>HLAminer</a:t>
-            </a:r>
-            <a:r>
-              <a:rPr lang="de-DE" sz="900" dirty="0"/>
-              <a:t>, LINKS, </a:t>
-            </a:r>
-            <a:r>
-              <a:rPr lang="de-DE" sz="900" dirty="0" smtClean="0"/>
-              <a:t>XMV, RAILS</a:t>
-            </a:r>
-            <a:r>
-              <a:rPr lang="de-DE" sz="900" dirty="0"/>
-              <a:t>, ARCS, </a:t>
-            </a:r>
-            <a:r>
-              <a:rPr lang="de-DE" sz="900" dirty="0" err="1"/>
-              <a:t>ntEdit</a:t>
-            </a:r>
-            <a:endParaRPr lang="en-US" sz="900" dirty="0"/>
+              <a:rPr lang="en-US" sz="1000" i="1" dirty="0" smtClean="0"/>
+              <a:t>et al.</a:t>
+            </a:r>
+            <a:r>
+              <a:rPr lang="en-US" sz="1000" dirty="0" smtClean="0"/>
+              <a:t> 2012. </a:t>
+            </a:r>
+            <a:r>
+              <a:rPr lang="en-US" sz="1000" i="1" dirty="0" err="1" smtClean="0"/>
+              <a:t>Fusobacterium</a:t>
+            </a:r>
+            <a:r>
+              <a:rPr lang="en-US" sz="1000" i="1" dirty="0" smtClean="0"/>
+              <a:t> </a:t>
+            </a:r>
+            <a:r>
+              <a:rPr lang="en-US" sz="1000" dirty="0" smtClean="0"/>
+              <a:t>infection [</a:t>
+            </a:r>
+            <a:r>
+              <a:rPr lang="is-IS" sz="1000" dirty="0" smtClean="0"/>
+              <a:t>…]</a:t>
+            </a:r>
+            <a:r>
+              <a:rPr lang="en-US" sz="1000" dirty="0" smtClean="0"/>
+              <a:t> in colorectal carcinoma. </a:t>
+            </a:r>
+            <a:r>
+              <a:rPr lang="en-US" sz="1000" i="1" dirty="0" smtClean="0"/>
+              <a:t>Genome Res</a:t>
+            </a:r>
+            <a:r>
+              <a:rPr lang="en-US" sz="1000" dirty="0" smtClean="0"/>
+              <a:t>. 22:299 </a:t>
+            </a:r>
+          </a:p>
+          <a:p>
+            <a:r>
+              <a:rPr lang="en-US" sz="600" b="1" dirty="0" smtClean="0"/>
+              <a:t> </a:t>
+            </a:r>
+            <a:endParaRPr lang="en-US" sz="600" dirty="0" smtClean="0"/>
+          </a:p>
+          <a:p>
+            <a:r>
+              <a:rPr lang="en-US" sz="1000" b="1" dirty="0" smtClean="0"/>
+              <a:t>Warren RL</a:t>
+            </a:r>
+            <a:r>
+              <a:rPr lang="en-US" sz="1000" dirty="0" smtClean="0"/>
+              <a:t>, </a:t>
+            </a:r>
+            <a:r>
+              <a:rPr lang="en-US" sz="1000" i="1" dirty="0" smtClean="0"/>
+              <a:t>et al.</a:t>
+            </a:r>
+            <a:r>
+              <a:rPr lang="en-US" sz="1000" dirty="0" smtClean="0"/>
+              <a:t> 2007. Assembling millions of short DNA sequences using SSAKE. </a:t>
+            </a:r>
+            <a:r>
+              <a:rPr lang="en-US" sz="1000" i="1" dirty="0" smtClean="0"/>
+              <a:t>Bioinformatics.</a:t>
+            </a:r>
+            <a:r>
+              <a:rPr lang="en-US" sz="1000" dirty="0" smtClean="0"/>
+              <a:t> 23:500</a:t>
+            </a:r>
+          </a:p>
+          <a:p>
+            <a:pPr algn="r"/>
+            <a:r>
+              <a:rPr lang="fr-FR" sz="1000" dirty="0" smtClean="0"/>
+              <a:t> </a:t>
+            </a:r>
+            <a:endParaRPr lang="en-US" sz="1000" dirty="0"/>
           </a:p>
         </p:txBody>
       </p:sp>

--- a/cv/CV_RWARREN_PPT.pptx
+++ b/cv/CV_RWARREN_PPT.pptx
@@ -3742,11 +3742,15 @@
             </a:r>
             <a:r>
               <a:rPr lang="en-US" sz="1100" b="1" dirty="0" smtClean="0"/>
-              <a:t>RECOMB</a:t>
+              <a:t>RECOMB </a:t>
             </a:r>
             <a:r>
               <a:rPr lang="en-US" sz="1100" dirty="0" smtClean="0"/>
-              <a:t>, Hong Kong / Paris                 </a:t>
+              <a:t> </a:t>
+            </a:r>
+            <a:r>
+              <a:rPr lang="en-US" sz="1100" dirty="0" smtClean="0"/>
+              <a:t>Hong Kong / Paris                 </a:t>
             </a:r>
             <a:r>
               <a:rPr lang="en-US" sz="1100" b="1" dirty="0" smtClean="0"/>
@@ -3761,11 +3765,15 @@
             </a:r>
             <a:r>
               <a:rPr lang="en-US" sz="1100" b="1" dirty="0" smtClean="0"/>
-              <a:t>ISMB</a:t>
+              <a:t>ISMB </a:t>
             </a:r>
             <a:r>
               <a:rPr lang="en-US" sz="1100" dirty="0" smtClean="0"/>
-              <a:t>, Dublin / Orlando / Basel            </a:t>
+              <a:t> </a:t>
+            </a:r>
+            <a:r>
+              <a:rPr lang="en-US" sz="1100" dirty="0" smtClean="0"/>
+              <a:t>Dublin / Orlando / Basel            </a:t>
             </a:r>
             <a:r>
               <a:rPr lang="en-US" sz="1100" b="1" dirty="0" smtClean="0"/>
@@ -3788,16 +3796,21 @@
             </a:r>
             <a:r>
               <a:rPr lang="en-US" sz="1100" b="1" dirty="0" smtClean="0"/>
-              <a:t>. Biocomputing</a:t>
+              <a:t>. </a:t>
+            </a:r>
+            <a:r>
+              <a:rPr lang="en-US" sz="1100" b="1" dirty="0" smtClean="0"/>
+              <a:t>Biocomputing</a:t>
             </a:r>
             <a:r>
               <a:rPr lang="en-US" sz="1100" dirty="0" smtClean="0"/>
-              <a:t>, Hawaii </a:t>
+              <a:t> Hawaii  </a:t>
             </a:r>
             <a:r>
               <a:rPr lang="en-US" sz="1100" b="1" dirty="0" smtClean="0"/>
               <a:t>posters</a:t>
             </a:r>
+            <a:endParaRPr lang="en-US" sz="1100" b="1" dirty="0" smtClean="0"/>
           </a:p>
           <a:p>
             <a:r>
@@ -3806,11 +3819,15 @@
             </a:r>
             <a:r>
               <a:rPr lang="en-US" sz="1100" b="1" dirty="0" smtClean="0"/>
-              <a:t>SFAF</a:t>
+              <a:t>SFAF </a:t>
             </a:r>
             <a:r>
               <a:rPr lang="en-US" sz="1100" dirty="0" smtClean="0"/>
-              <a:t>, Santa Fe                                          </a:t>
+              <a:t> </a:t>
+            </a:r>
+            <a:r>
+              <a:rPr lang="en-US" sz="1100" dirty="0" smtClean="0"/>
+              <a:t>Santa Fe                                          </a:t>
             </a:r>
             <a:r>
               <a:rPr lang="en-US" sz="1100" b="1" dirty="0" smtClean="0"/>
@@ -3832,12 +3849,20 @@
               <a:t>               </a:t>
             </a:r>
             <a:r>
-              <a:rPr lang="en-US" sz="1100" b="1" dirty="0" smtClean="0"/>
-              <a:t>Synthetic Biology</a:t>
+              <a:rPr lang="en-US" sz="1100" b="1" smtClean="0"/>
+              <a:t>Synthetic </a:t>
+            </a:r>
+            <a:r>
+              <a:rPr lang="en-US" sz="1100" b="1" smtClean="0"/>
+              <a:t>Biology </a:t>
+            </a:r>
+            <a:r>
+              <a:rPr lang="en-US" sz="1100" smtClean="0"/>
+              <a:t> </a:t>
             </a:r>
             <a:r>
               <a:rPr lang="en-US" sz="1100" dirty="0" smtClean="0"/>
-              <a:t>, Zürich                       </a:t>
+              <a:t>Zürich                       </a:t>
             </a:r>
             <a:r>
               <a:rPr lang="en-US" sz="1100" b="1" dirty="0" smtClean="0"/>
@@ -3860,19 +3885,7 @@
             <a:pPr algn="r"/>
             <a:r>
               <a:rPr lang="en-US" sz="1100" i="1" dirty="0" smtClean="0"/>
-              <a:t>Selected </a:t>
-            </a:r>
-            <a:r>
-              <a:rPr lang="en-US" sz="1100" i="1" smtClean="0"/>
-              <a:t>from </a:t>
-            </a:r>
-            <a:r>
-              <a:rPr lang="en-US" sz="1100" i="1" smtClean="0"/>
-              <a:t>63 </a:t>
-            </a:r>
-            <a:r>
-              <a:rPr lang="en-US" sz="1100" i="1" dirty="0" smtClean="0"/>
-              <a:t>peer-reviewed [23 lead author]</a:t>
+              <a:t>Selected from 63 peer-reviewed [23 lead author]</a:t>
             </a:r>
             <a:r>
               <a:rPr lang="fr-FR" sz="1000" dirty="0" smtClean="0"/>

--- a/cv/CV_RWARREN_PPT.pptx
+++ b/cv/CV_RWARREN_PPT.pptx
@@ -288,7 +288,7 @@
           <a:p>
             <a:fld id="{12CDA68D-1A1F-6346-A281-652CBF222AD7}" type="datetimeFigureOut">
               <a:rPr lang="en-US" smtClean="0"/>
-              <a:t>19-06-26</a:t>
+              <a:t>19-06-27</a:t>
             </a:fld>
             <a:endParaRPr lang="en-US"/>
           </a:p>
@@ -458,7 +458,7 @@
           <a:p>
             <a:fld id="{12CDA68D-1A1F-6346-A281-652CBF222AD7}" type="datetimeFigureOut">
               <a:rPr lang="en-US" smtClean="0"/>
-              <a:t>19-06-26</a:t>
+              <a:t>19-06-27</a:t>
             </a:fld>
             <a:endParaRPr lang="en-US"/>
           </a:p>
@@ -638,7 +638,7 @@
           <a:p>
             <a:fld id="{12CDA68D-1A1F-6346-A281-652CBF222AD7}" type="datetimeFigureOut">
               <a:rPr lang="en-US" smtClean="0"/>
-              <a:t>19-06-26</a:t>
+              <a:t>19-06-27</a:t>
             </a:fld>
             <a:endParaRPr lang="en-US"/>
           </a:p>
@@ -808,7 +808,7 @@
           <a:p>
             <a:fld id="{12CDA68D-1A1F-6346-A281-652CBF222AD7}" type="datetimeFigureOut">
               <a:rPr lang="en-US" smtClean="0"/>
-              <a:t>19-06-26</a:t>
+              <a:t>19-06-27</a:t>
             </a:fld>
             <a:endParaRPr lang="en-US"/>
           </a:p>
@@ -1054,7 +1054,7 @@
           <a:p>
             <a:fld id="{12CDA68D-1A1F-6346-A281-652CBF222AD7}" type="datetimeFigureOut">
               <a:rPr lang="en-US" smtClean="0"/>
-              <a:t>19-06-26</a:t>
+              <a:t>19-06-27</a:t>
             </a:fld>
             <a:endParaRPr lang="en-US"/>
           </a:p>
@@ -1342,7 +1342,7 @@
           <a:p>
             <a:fld id="{12CDA68D-1A1F-6346-A281-652CBF222AD7}" type="datetimeFigureOut">
               <a:rPr lang="en-US" smtClean="0"/>
-              <a:t>19-06-26</a:t>
+              <a:t>19-06-27</a:t>
             </a:fld>
             <a:endParaRPr lang="en-US"/>
           </a:p>
@@ -1769,7 +1769,7 @@
           <a:p>
             <a:fld id="{12CDA68D-1A1F-6346-A281-652CBF222AD7}" type="datetimeFigureOut">
               <a:rPr lang="en-US" smtClean="0"/>
-              <a:t>19-06-26</a:t>
+              <a:t>19-06-27</a:t>
             </a:fld>
             <a:endParaRPr lang="en-US"/>
           </a:p>
@@ -1887,7 +1887,7 @@
           <a:p>
             <a:fld id="{12CDA68D-1A1F-6346-A281-652CBF222AD7}" type="datetimeFigureOut">
               <a:rPr lang="en-US" smtClean="0"/>
-              <a:t>19-06-26</a:t>
+              <a:t>19-06-27</a:t>
             </a:fld>
             <a:endParaRPr lang="en-US"/>
           </a:p>
@@ -1982,7 +1982,7 @@
           <a:p>
             <a:fld id="{12CDA68D-1A1F-6346-A281-652CBF222AD7}" type="datetimeFigureOut">
               <a:rPr lang="en-US" smtClean="0"/>
-              <a:t>19-06-26</a:t>
+              <a:t>19-06-27</a:t>
             </a:fld>
             <a:endParaRPr lang="en-US"/>
           </a:p>
@@ -2259,7 +2259,7 @@
           <a:p>
             <a:fld id="{12CDA68D-1A1F-6346-A281-652CBF222AD7}" type="datetimeFigureOut">
               <a:rPr lang="en-US" smtClean="0"/>
-              <a:t>19-06-26</a:t>
+              <a:t>19-06-27</a:t>
             </a:fld>
             <a:endParaRPr lang="en-US"/>
           </a:p>
@@ -2512,7 +2512,7 @@
           <a:p>
             <a:fld id="{12CDA68D-1A1F-6346-A281-652CBF222AD7}" type="datetimeFigureOut">
               <a:rPr lang="en-US" smtClean="0"/>
-              <a:t>19-06-26</a:t>
+              <a:t>19-06-27</a:t>
             </a:fld>
             <a:endParaRPr lang="en-US"/>
           </a:p>
@@ -2725,7 +2725,7 @@
           <a:p>
             <a:fld id="{12CDA68D-1A1F-6346-A281-652CBF222AD7}" type="datetimeFigureOut">
               <a:rPr lang="en-US" smtClean="0"/>
-              <a:t>19-06-26</a:t>
+              <a:t>19-06-27</a:t>
             </a:fld>
             <a:endParaRPr lang="en-US"/>
           </a:p>
@@ -3378,7 +3378,7 @@
           </a:p>
           <a:p>
             <a:r>
-              <a:rPr lang="en-US" sz="1200" dirty="0"/>
+              <a:rPr lang="en-US" sz="1100" dirty="0"/>
               <a:t> </a:t>
             </a:r>
           </a:p>
@@ -3746,11 +3746,7 @@
             </a:r>
             <a:r>
               <a:rPr lang="en-US" sz="1100" dirty="0" smtClean="0"/>
-              <a:t> </a:t>
-            </a:r>
-            <a:r>
-              <a:rPr lang="en-US" sz="1100" dirty="0" smtClean="0"/>
-              <a:t>Hong Kong / Paris                 </a:t>
+              <a:t> Hong Kong / Paris                 </a:t>
             </a:r>
             <a:r>
               <a:rPr lang="en-US" sz="1100" b="1" dirty="0" smtClean="0"/>
@@ -3769,11 +3765,7 @@
             </a:r>
             <a:r>
               <a:rPr lang="en-US" sz="1100" dirty="0" smtClean="0"/>
-              <a:t> </a:t>
-            </a:r>
-            <a:r>
-              <a:rPr lang="en-US" sz="1100" dirty="0" smtClean="0"/>
-              <a:t>Dublin / Orlando / Basel            </a:t>
+              <a:t> Dublin / Orlando / Basel            </a:t>
             </a:r>
             <a:r>
               <a:rPr lang="en-US" sz="1100" b="1" dirty="0" smtClean="0"/>
@@ -3796,11 +3788,7 @@
             </a:r>
             <a:r>
               <a:rPr lang="en-US" sz="1100" b="1" dirty="0" smtClean="0"/>
-              <a:t>. </a:t>
-            </a:r>
-            <a:r>
-              <a:rPr lang="en-US" sz="1100" b="1" dirty="0" smtClean="0"/>
-              <a:t>Biocomputing</a:t>
+              <a:t>. Biocomputing</a:t>
             </a:r>
             <a:r>
               <a:rPr lang="en-US" sz="1100" dirty="0" smtClean="0"/>
@@ -3810,7 +3798,6 @@
               <a:rPr lang="en-US" sz="1100" b="1" dirty="0" smtClean="0"/>
               <a:t>posters</a:t>
             </a:r>
-            <a:endParaRPr lang="en-US" sz="1100" b="1" dirty="0" smtClean="0"/>
           </a:p>
           <a:p>
             <a:r>
@@ -3823,11 +3810,7 @@
             </a:r>
             <a:r>
               <a:rPr lang="en-US" sz="1100" dirty="0" smtClean="0"/>
-              <a:t> </a:t>
-            </a:r>
-            <a:r>
-              <a:rPr lang="en-US" sz="1100" dirty="0" smtClean="0"/>
-              <a:t>Santa Fe                                          </a:t>
+              <a:t> Santa Fe                                          </a:t>
             </a:r>
             <a:r>
               <a:rPr lang="en-US" sz="1100" b="1" dirty="0" smtClean="0"/>
@@ -3850,11 +3833,7 @@
             </a:r>
             <a:r>
               <a:rPr lang="en-US" sz="1100" b="1" smtClean="0"/>
-              <a:t>Synthetic </a:t>
-            </a:r>
-            <a:r>
-              <a:rPr lang="en-US" sz="1100" b="1" smtClean="0"/>
-              <a:t>Biology </a:t>
+              <a:t>Synthetic Biology </a:t>
             </a:r>
             <a:r>
               <a:rPr lang="en-US" sz="1100" smtClean="0"/>
@@ -4618,7 +4597,7 @@
         </p:nvCxnSpPr>
         <p:spPr>
           <a:xfrm>
-            <a:off x="3268100" y="7281053"/>
+            <a:off x="3268100" y="7264121"/>
             <a:ext cx="190500" cy="0"/>
           </a:xfrm>
           <a:prstGeom prst="line">
@@ -4654,7 +4633,7 @@
         </p:nvSpPr>
         <p:spPr>
           <a:xfrm rot="16200000">
-            <a:off x="3110416" y="6928469"/>
+            <a:off x="3110416" y="6911537"/>
             <a:ext cx="496650" cy="276999"/>
           </a:xfrm>
           <a:prstGeom prst="rect">
@@ -4684,7 +4663,7 @@
         </p:nvCxnSpPr>
         <p:spPr>
           <a:xfrm>
-            <a:off x="3268100" y="7831374"/>
+            <a:off x="3268100" y="7814442"/>
             <a:ext cx="190500" cy="0"/>
           </a:xfrm>
           <a:prstGeom prst="line">
@@ -4720,7 +4699,7 @@
         </p:nvSpPr>
         <p:spPr>
           <a:xfrm rot="16200000">
-            <a:off x="3110416" y="7491489"/>
+            <a:off x="3110416" y="7474557"/>
             <a:ext cx="496650" cy="276999"/>
           </a:xfrm>
           <a:prstGeom prst="rect">
@@ -4750,7 +4729,7 @@
         </p:nvCxnSpPr>
         <p:spPr>
           <a:xfrm>
-            <a:off x="3268100" y="8394397"/>
+            <a:off x="3268100" y="8377465"/>
             <a:ext cx="190500" cy="0"/>
           </a:xfrm>
           <a:prstGeom prst="line">
@@ -4786,7 +4765,7 @@
         </p:nvSpPr>
         <p:spPr>
           <a:xfrm rot="16200000">
-            <a:off x="3110416" y="8059956"/>
+            <a:off x="3110416" y="8043024"/>
             <a:ext cx="496650" cy="276999"/>
           </a:xfrm>
           <a:prstGeom prst="rect">
@@ -5230,7 +5209,31 @@
             </a:r>
             <a:r>
               <a:rPr lang="en-US" sz="1000" dirty="0" smtClean="0"/>
-              <a:t> 2015. LINKS: scalable scaffolding of genomes with long reads.</a:t>
+              <a:t> 2015</a:t>
+            </a:r>
+            <a:r>
+              <a:rPr lang="en-US" sz="1000" dirty="0"/>
+              <a:t>. LINKS: Scalable, alignment-free scaffolding </a:t>
+            </a:r>
+            <a:r>
+              <a:rPr lang="en-US" sz="1000" dirty="0" smtClean="0"/>
+              <a:t>[</a:t>
+            </a:r>
+            <a:r>
+              <a:rPr lang="is-IS" sz="1000" dirty="0" smtClean="0"/>
+              <a:t>…]</a:t>
+            </a:r>
+            <a:r>
+              <a:rPr lang="en-US" sz="1000" dirty="0" smtClean="0"/>
+              <a:t> </a:t>
+            </a:r>
+            <a:r>
+              <a:rPr lang="en-US" sz="1000" dirty="0"/>
+              <a:t>genomes with long reads</a:t>
+            </a:r>
+            <a:r>
+              <a:rPr lang="en-US" sz="1000" dirty="0" smtClean="0"/>
+              <a:t>.</a:t>
             </a:r>
             <a:r>
               <a:rPr lang="en-US" sz="1000" b="1" dirty="0" smtClean="0"/>

--- a/cv/CV_RWARREN_PPT.pptx
+++ b/cv/CV_RWARREN_PPT.pptx
@@ -288,7 +288,7 @@
           <a:p>
             <a:fld id="{12CDA68D-1A1F-6346-A281-652CBF222AD7}" type="datetimeFigureOut">
               <a:rPr lang="en-US" smtClean="0"/>
-              <a:t>19-06-27</a:t>
+              <a:t>19-10-15</a:t>
             </a:fld>
             <a:endParaRPr lang="en-US"/>
           </a:p>
@@ -458,7 +458,7 @@
           <a:p>
             <a:fld id="{12CDA68D-1A1F-6346-A281-652CBF222AD7}" type="datetimeFigureOut">
               <a:rPr lang="en-US" smtClean="0"/>
-              <a:t>19-06-27</a:t>
+              <a:t>19-10-15</a:t>
             </a:fld>
             <a:endParaRPr lang="en-US"/>
           </a:p>
@@ -638,7 +638,7 @@
           <a:p>
             <a:fld id="{12CDA68D-1A1F-6346-A281-652CBF222AD7}" type="datetimeFigureOut">
               <a:rPr lang="en-US" smtClean="0"/>
-              <a:t>19-06-27</a:t>
+              <a:t>19-10-15</a:t>
             </a:fld>
             <a:endParaRPr lang="en-US"/>
           </a:p>
@@ -808,7 +808,7 @@
           <a:p>
             <a:fld id="{12CDA68D-1A1F-6346-A281-652CBF222AD7}" type="datetimeFigureOut">
               <a:rPr lang="en-US" smtClean="0"/>
-              <a:t>19-06-27</a:t>
+              <a:t>19-10-15</a:t>
             </a:fld>
             <a:endParaRPr lang="en-US"/>
           </a:p>
@@ -1054,7 +1054,7 @@
           <a:p>
             <a:fld id="{12CDA68D-1A1F-6346-A281-652CBF222AD7}" type="datetimeFigureOut">
               <a:rPr lang="en-US" smtClean="0"/>
-              <a:t>19-06-27</a:t>
+              <a:t>19-10-15</a:t>
             </a:fld>
             <a:endParaRPr lang="en-US"/>
           </a:p>
@@ -1342,7 +1342,7 @@
           <a:p>
             <a:fld id="{12CDA68D-1A1F-6346-A281-652CBF222AD7}" type="datetimeFigureOut">
               <a:rPr lang="en-US" smtClean="0"/>
-              <a:t>19-06-27</a:t>
+              <a:t>19-10-15</a:t>
             </a:fld>
             <a:endParaRPr lang="en-US"/>
           </a:p>
@@ -1769,7 +1769,7 @@
           <a:p>
             <a:fld id="{12CDA68D-1A1F-6346-A281-652CBF222AD7}" type="datetimeFigureOut">
               <a:rPr lang="en-US" smtClean="0"/>
-              <a:t>19-06-27</a:t>
+              <a:t>19-10-15</a:t>
             </a:fld>
             <a:endParaRPr lang="en-US"/>
           </a:p>
@@ -1887,7 +1887,7 @@
           <a:p>
             <a:fld id="{12CDA68D-1A1F-6346-A281-652CBF222AD7}" type="datetimeFigureOut">
               <a:rPr lang="en-US" smtClean="0"/>
-              <a:t>19-06-27</a:t>
+              <a:t>19-10-15</a:t>
             </a:fld>
             <a:endParaRPr lang="en-US"/>
           </a:p>
@@ -1982,7 +1982,7 @@
           <a:p>
             <a:fld id="{12CDA68D-1A1F-6346-A281-652CBF222AD7}" type="datetimeFigureOut">
               <a:rPr lang="en-US" smtClean="0"/>
-              <a:t>19-06-27</a:t>
+              <a:t>19-10-15</a:t>
             </a:fld>
             <a:endParaRPr lang="en-US"/>
           </a:p>
@@ -2259,7 +2259,7 @@
           <a:p>
             <a:fld id="{12CDA68D-1A1F-6346-A281-652CBF222AD7}" type="datetimeFigureOut">
               <a:rPr lang="en-US" smtClean="0"/>
-              <a:t>19-06-27</a:t>
+              <a:t>19-10-15</a:t>
             </a:fld>
             <a:endParaRPr lang="en-US"/>
           </a:p>
@@ -2512,7 +2512,7 @@
           <a:p>
             <a:fld id="{12CDA68D-1A1F-6346-A281-652CBF222AD7}" type="datetimeFigureOut">
               <a:rPr lang="en-US" smtClean="0"/>
-              <a:t>19-06-27</a:t>
+              <a:t>19-10-15</a:t>
             </a:fld>
             <a:endParaRPr lang="en-US"/>
           </a:p>
@@ -2725,7 +2725,7 @@
           <a:p>
             <a:fld id="{12CDA68D-1A1F-6346-A281-652CBF222AD7}" type="datetimeFigureOut">
               <a:rPr lang="en-US" smtClean="0"/>
-              <a:t>19-06-27</a:t>
+              <a:t>19-10-15</a:t>
             </a:fld>
             <a:endParaRPr lang="en-US"/>
           </a:p>
@@ -3108,8 +3108,8 @@
         </p:nvSpPr>
         <p:spPr>
           <a:xfrm>
-            <a:off x="25528" y="2607735"/>
-            <a:ext cx="3471333" cy="6340197"/>
+            <a:off x="25528" y="2563285"/>
+            <a:ext cx="3471333" cy="6047809"/>
           </a:xfrm>
           <a:prstGeom prst="rect">
             <a:avLst/>
@@ -3200,7 +3200,7 @@
           </a:p>
           <a:p>
             <a:pPr lvl="0" fontAlgn="base"/>
-            <a:endParaRPr lang="en-US" sz="1000" dirty="0" smtClean="0"/>
+            <a:endParaRPr lang="en-US" sz="600" dirty="0" smtClean="0"/>
           </a:p>
           <a:p>
             <a:pPr lvl="0" fontAlgn="base"/>
@@ -3285,7 +3285,7 @@
           </a:p>
           <a:p>
             <a:pPr lvl="0" fontAlgn="base"/>
-            <a:endParaRPr lang="en-US" sz="1000" dirty="0"/>
+            <a:endParaRPr lang="en-US" sz="600" dirty="0"/>
           </a:p>
           <a:p>
             <a:r>
@@ -3354,11 +3354,11 @@
             </a:r>
             <a:r>
               <a:rPr lang="en-CA" sz="1200" dirty="0"/>
-              <a:t>with stakeholders, </a:t>
+              <a:t>with </a:t>
             </a:r>
             <a:r>
               <a:rPr lang="en-CA" sz="1200" dirty="0" smtClean="0"/>
-              <a:t>scientists</a:t>
+              <a:t>stakeholders / scientists</a:t>
             </a:r>
           </a:p>
           <a:p>
@@ -3389,11 +3389,11 @@
             </a:r>
             <a:r>
               <a:rPr lang="en-US" sz="1200" b="1" dirty="0" smtClean="0"/>
-              <a:t> </a:t>
+              <a:t>   </a:t>
             </a:r>
             <a:r>
               <a:rPr lang="en-US" sz="1200" dirty="0" smtClean="0"/>
-              <a:t>Computer Science     </a:t>
+              <a:t>Computer Science   </a:t>
             </a:r>
             <a:r>
               <a:rPr lang="en-US" sz="1200" b="1" dirty="0" smtClean="0"/>
@@ -3418,7 +3418,7 @@
           <a:p>
             <a:r>
               <a:rPr lang="en-US" sz="1600" b="1" dirty="0" smtClean="0"/>
-              <a:t>MSc </a:t>
+              <a:t>MSc  </a:t>
             </a:r>
             <a:r>
               <a:rPr lang="en-US" sz="1200" dirty="0"/>
@@ -3426,7 +3426,7 @@
             </a:r>
             <a:r>
               <a:rPr lang="en-US" sz="1200" dirty="0" smtClean="0"/>
-              <a:t>Biology      </a:t>
+              <a:t>Biology     </a:t>
             </a:r>
             <a:r>
               <a:rPr lang="en-US" sz="1200" b="1" dirty="0" smtClean="0"/>
@@ -3512,8 +3512,8 @@
         </p:nvSpPr>
         <p:spPr>
           <a:xfrm>
-            <a:off x="3469042" y="2723235"/>
-            <a:ext cx="3365500" cy="3801040"/>
+            <a:off x="3469042" y="2697835"/>
+            <a:ext cx="3365500" cy="3816429"/>
           </a:xfrm>
           <a:prstGeom prst="rect">
             <a:avLst/>
@@ -3533,6 +3533,9 @@
             <a:endParaRPr lang="en-US" dirty="0" smtClean="0"/>
           </a:p>
           <a:p>
+            <a:endParaRPr lang="en-US" sz="400" dirty="0" smtClean="0"/>
+          </a:p>
+          <a:p>
             <a:r>
               <a:rPr lang="en-US" sz="1100" dirty="0" smtClean="0"/>
               <a:t>2015, 16              </a:t>
@@ -3725,15 +3728,16 @@
             <a:endParaRPr lang="en-US" sz="1100" dirty="0" smtClean="0"/>
           </a:p>
           <a:p>
-            <a:pPr algn="r"/>
-            <a:r>
-              <a:rPr lang="en-US" sz="1100" i="1" dirty="0" smtClean="0"/>
-              <a:t>Selected from 17 lead author</a:t>
-            </a:r>
-            <a:endParaRPr lang="en-US" sz="1100" dirty="0" smtClean="0"/>
-          </a:p>
-          <a:p>
             <a:endParaRPr lang="en-US" sz="600" dirty="0" smtClean="0"/>
+          </a:p>
+          <a:p>
+            <a:endParaRPr lang="en-US" sz="600" dirty="0"/>
+          </a:p>
+          <a:p>
+            <a:endParaRPr lang="en-US" sz="600" dirty="0" smtClean="0"/>
+          </a:p>
+          <a:p>
+            <a:endParaRPr lang="en-US" sz="400" dirty="0" smtClean="0"/>
           </a:p>
           <a:p>
             <a:r>
@@ -3832,16 +3836,12 @@
               <a:t>               </a:t>
             </a:r>
             <a:r>
-              <a:rPr lang="en-US" sz="1100" b="1" smtClean="0"/>
+              <a:rPr lang="en-US" sz="1100" b="1" dirty="0" smtClean="0"/>
               <a:t>Synthetic Biology </a:t>
             </a:r>
             <a:r>
-              <a:rPr lang="en-US" sz="1100" smtClean="0"/>
-              <a:t> </a:t>
-            </a:r>
-            <a:r>
               <a:rPr lang="en-US" sz="1100" dirty="0" smtClean="0"/>
-              <a:t>Zürich                       </a:t>
+              <a:t> Zürich                       </a:t>
             </a:r>
             <a:r>
               <a:rPr lang="en-US" sz="1100" b="1" dirty="0" smtClean="0"/>
@@ -3859,18 +3859,6 @@
               <a:t> </a:t>
             </a:r>
             <a:endParaRPr lang="en-US" dirty="0" smtClean="0"/>
-          </a:p>
-          <a:p>
-            <a:pPr algn="r"/>
-            <a:r>
-              <a:rPr lang="en-US" sz="1100" i="1" dirty="0" smtClean="0"/>
-              <a:t>Selected from 63 peer-reviewed [23 lead author]</a:t>
-            </a:r>
-            <a:r>
-              <a:rPr lang="fr-FR" sz="1000" dirty="0" smtClean="0"/>
-              <a:t> </a:t>
-            </a:r>
-            <a:endParaRPr lang="en-US" sz="1000" dirty="0"/>
           </a:p>
         </p:txBody>
       </p:sp>
@@ -3882,7 +3870,7 @@
         </p:nvSpPr>
         <p:spPr>
           <a:xfrm>
-            <a:off x="3454530" y="4421798"/>
+            <a:off x="3454530" y="4504348"/>
             <a:ext cx="3336796" cy="369332"/>
           </a:xfrm>
           <a:prstGeom prst="rect">
@@ -3926,7 +3914,7 @@
         </p:nvSpPr>
         <p:spPr>
           <a:xfrm>
-            <a:off x="3454400" y="5908446"/>
+            <a:off x="3454400" y="6153979"/>
             <a:ext cx="3336925" cy="369332"/>
           </a:xfrm>
           <a:prstGeom prst="rect">
@@ -3970,7 +3958,7 @@
         </p:nvSpPr>
         <p:spPr>
           <a:xfrm>
-            <a:off x="88901" y="6449563"/>
+            <a:off x="88901" y="6153979"/>
             <a:ext cx="3371978" cy="369332"/>
           </a:xfrm>
           <a:prstGeom prst="rect">
@@ -4358,7 +4346,23 @@
                   <a:srgbClr val="FFFFFF"/>
                 </a:solidFill>
               </a:rPr>
-              <a:t>20+ years experience in biotechnology, genomics, informatics</a:t>
+              <a:t>20+ years experience in biotechnology, </a:t>
+            </a:r>
+            <a:r>
+              <a:rPr lang="en-US" dirty="0" smtClean="0">
+                <a:solidFill>
+                  <a:srgbClr val="FFFFFF"/>
+                </a:solidFill>
+              </a:rPr>
+              <a:t>genomics &amp; </a:t>
+            </a:r>
+            <a:r>
+              <a:rPr lang="en-US" dirty="0">
+                <a:solidFill>
+                  <a:srgbClr val="FFFFFF"/>
+                </a:solidFill>
+              </a:rPr>
+              <a:t>informatics</a:t>
             </a:r>
           </a:p>
         </p:txBody>
@@ -4423,49 +4427,13 @@
       </p:sp>
       <p:cxnSp>
         <p:nvCxnSpPr>
-          <p:cNvPr id="15" name="Straight Connector 14"/>
-          <p:cNvCxnSpPr/>
-          <p:nvPr/>
-        </p:nvCxnSpPr>
-        <p:spPr>
-          <a:xfrm flipH="1">
-            <a:off x="3446961" y="3035302"/>
-            <a:ext cx="16035" cy="5786145"/>
-          </a:xfrm>
-          <a:prstGeom prst="line">
-            <a:avLst/>
-          </a:prstGeom>
-          <a:ln>
-            <a:solidFill>
-              <a:schemeClr val="tx1"/>
-            </a:solidFill>
-          </a:ln>
-          <a:effectLst/>
-        </p:spPr>
-        <p:style>
-          <a:lnRef idx="2">
-            <a:schemeClr val="accent1"/>
-          </a:lnRef>
-          <a:fillRef idx="0">
-            <a:schemeClr val="accent1"/>
-          </a:fillRef>
-          <a:effectRef idx="1">
-            <a:schemeClr val="accent1"/>
-          </a:effectRef>
-          <a:fontRef idx="minor">
-            <a:schemeClr val="tx1"/>
-          </a:fontRef>
-        </p:style>
-      </p:cxnSp>
-      <p:cxnSp>
-        <p:nvCxnSpPr>
           <p:cNvPr id="22" name="Straight Connector 21"/>
           <p:cNvCxnSpPr/>
           <p:nvPr/>
         </p:nvCxnSpPr>
         <p:spPr>
           <a:xfrm>
-            <a:off x="3268100" y="4015939"/>
+            <a:off x="3268100" y="3963023"/>
             <a:ext cx="190500" cy="0"/>
           </a:xfrm>
           <a:prstGeom prst="line">
@@ -4501,7 +4469,7 @@
         </p:nvSpPr>
         <p:spPr>
           <a:xfrm rot="16200000">
-            <a:off x="2851972" y="3399585"/>
+            <a:off x="2851972" y="3346669"/>
             <a:ext cx="1013544" cy="276999"/>
           </a:xfrm>
           <a:prstGeom prst="rect">
@@ -4531,7 +4499,7 @@
         </p:nvCxnSpPr>
         <p:spPr>
           <a:xfrm>
-            <a:off x="3268100" y="5133520"/>
+            <a:off x="3268101" y="5004407"/>
             <a:ext cx="190500" cy="0"/>
           </a:xfrm>
           <a:prstGeom prst="line">
@@ -4567,7 +4535,7 @@
         </p:nvSpPr>
         <p:spPr>
           <a:xfrm rot="16200000">
-            <a:off x="3008864" y="4682099"/>
+            <a:off x="3008865" y="4552986"/>
             <a:ext cx="699756" cy="276999"/>
           </a:xfrm>
           <a:prstGeom prst="rect">
@@ -4597,7 +4565,7 @@
         </p:nvCxnSpPr>
         <p:spPr>
           <a:xfrm>
-            <a:off x="3268100" y="7264121"/>
+            <a:off x="3268100" y="7105371"/>
             <a:ext cx="190500" cy="0"/>
           </a:xfrm>
           <a:prstGeom prst="line">
@@ -4633,7 +4601,7 @@
         </p:nvSpPr>
         <p:spPr>
           <a:xfrm rot="16200000">
-            <a:off x="3110416" y="6911537"/>
+            <a:off x="3110416" y="6752787"/>
             <a:ext cx="496650" cy="276999"/>
           </a:xfrm>
           <a:prstGeom prst="rect">
@@ -4663,7 +4631,7 @@
         </p:nvCxnSpPr>
         <p:spPr>
           <a:xfrm>
-            <a:off x="3268100" y="7814442"/>
+            <a:off x="3268100" y="7655692"/>
             <a:ext cx="190500" cy="0"/>
           </a:xfrm>
           <a:prstGeom prst="line">
@@ -4699,7 +4667,7 @@
         </p:nvSpPr>
         <p:spPr>
           <a:xfrm rot="16200000">
-            <a:off x="3110416" y="7474557"/>
+            <a:off x="3110416" y="7315807"/>
             <a:ext cx="496650" cy="276999"/>
           </a:xfrm>
           <a:prstGeom prst="rect">
@@ -4729,7 +4697,7 @@
         </p:nvCxnSpPr>
         <p:spPr>
           <a:xfrm>
-            <a:off x="3268100" y="8377465"/>
+            <a:off x="3268100" y="8218715"/>
             <a:ext cx="190500" cy="0"/>
           </a:xfrm>
           <a:prstGeom prst="line">
@@ -4765,7 +4733,7 @@
         </p:nvSpPr>
         <p:spPr>
           <a:xfrm rot="16200000">
-            <a:off x="3110416" y="8043024"/>
+            <a:off x="3110416" y="7884274"/>
             <a:ext cx="496650" cy="276999"/>
           </a:xfrm>
           <a:prstGeom prst="rect">
@@ -4795,7 +4763,7 @@
         </p:nvCxnSpPr>
         <p:spPr>
           <a:xfrm>
-            <a:off x="3268100" y="6263587"/>
+            <a:off x="3268100" y="6060403"/>
             <a:ext cx="190500" cy="0"/>
           </a:xfrm>
           <a:prstGeom prst="line">
@@ -4831,7 +4799,7 @@
         </p:nvSpPr>
         <p:spPr>
           <a:xfrm rot="16200000">
-            <a:off x="3008864" y="5812699"/>
+            <a:off x="3008864" y="5609515"/>
             <a:ext cx="699756" cy="276999"/>
           </a:xfrm>
           <a:prstGeom prst="rect">
@@ -4910,13 +4878,17 @@
         </p:nvSpPr>
         <p:spPr>
           <a:xfrm>
-            <a:off x="-46692" y="8589660"/>
-            <a:ext cx="7061201" cy="230832"/>
+            <a:off x="87591" y="8591678"/>
+            <a:ext cx="6705487" cy="230832"/>
           </a:xfrm>
           <a:prstGeom prst="rect">
             <a:avLst/>
           </a:prstGeom>
-          <a:noFill/>
+          <a:solidFill>
+            <a:schemeClr val="bg1">
+              <a:lumMod val="85000"/>
+            </a:schemeClr>
+          </a:solidFill>
         </p:spPr>
         <p:txBody>
           <a:bodyPr wrap="square" rtlCol="0">
@@ -4925,106 +4897,98 @@
           <a:lstStyle/>
           <a:p>
             <a:r>
+              <a:rPr lang="de-DE" sz="900" b="1" dirty="0" smtClean="0"/>
+              <a:t>IT </a:t>
+            </a:r>
+            <a:r>
+              <a:rPr lang="de-DE" sz="900" b="1" dirty="0" smtClean="0"/>
+              <a:t>Skills  </a:t>
+            </a:r>
+            <a:r>
+              <a:rPr lang="de-DE" sz="900" dirty="0" smtClean="0"/>
+              <a:t>Python  PERL  R  MySQL  </a:t>
+            </a:r>
+            <a:r>
+              <a:rPr lang="de-DE" sz="900" dirty="0"/>
+              <a:t>HTML/</a:t>
+            </a:r>
+            <a:r>
+              <a:rPr lang="de-DE" sz="900" dirty="0" err="1" smtClean="0"/>
+              <a:t>js</a:t>
+            </a:r>
+            <a:r>
               <a:rPr lang="de-DE" sz="900" dirty="0" smtClean="0"/>
               <a:t>  </a:t>
             </a:r>
             <a:r>
+              <a:rPr lang="de-DE" sz="900" dirty="0" err="1" smtClean="0"/>
+              <a:t>Git</a:t>
+            </a:r>
+            <a:r>
+              <a:rPr lang="de-DE" sz="900" dirty="0" smtClean="0"/>
+              <a:t>  </a:t>
+            </a:r>
+            <a:r>
+              <a:rPr lang="de-DE" sz="900" dirty="0" err="1" smtClean="0"/>
+              <a:t>unix</a:t>
+            </a:r>
+            <a:r>
+              <a:rPr lang="de-DE" sz="900" dirty="0"/>
+              <a:t>/</a:t>
+            </a:r>
+            <a:r>
+              <a:rPr lang="de-DE" sz="900" dirty="0" err="1"/>
+              <a:t>mac</a:t>
+            </a:r>
+            <a:r>
+              <a:rPr lang="de-DE" sz="900" dirty="0"/>
+              <a:t>/</a:t>
+            </a:r>
+            <a:r>
+              <a:rPr lang="de-DE" sz="900" dirty="0" err="1" smtClean="0"/>
+              <a:t>win</a:t>
+            </a:r>
+            <a:r>
+              <a:rPr lang="de-DE" sz="900" dirty="0" smtClean="0"/>
+              <a:t>  </a:t>
+            </a:r>
+            <a:r>
+              <a:rPr lang="de-DE" sz="900" dirty="0" smtClean="0"/>
+              <a:t>O</a:t>
+            </a:r>
+            <a:r>
+              <a:rPr lang="de-DE" sz="900" dirty="0" smtClean="0"/>
+              <a:t>ffice        </a:t>
+            </a:r>
+            <a:r>
               <a:rPr lang="de-DE" sz="900" b="1" dirty="0" smtClean="0"/>
-              <a:t>IT Skills</a:t>
-            </a:r>
-            <a:r>
-              <a:rPr lang="de-DE" sz="900" dirty="0"/>
-              <a:t>: </a:t>
-            </a:r>
-            <a:r>
-              <a:rPr lang="de-DE" sz="900" i="1" dirty="0"/>
-              <a:t>Python, PERL, R, MySQL, HTML/</a:t>
-            </a:r>
-            <a:r>
-              <a:rPr lang="de-DE" sz="900" i="1" dirty="0" err="1"/>
-              <a:t>js</a:t>
-            </a:r>
-            <a:r>
-              <a:rPr lang="de-DE" sz="900" i="1" dirty="0"/>
-              <a:t>, </a:t>
-            </a:r>
-            <a:r>
-              <a:rPr lang="de-DE" sz="900" i="1" dirty="0" err="1" smtClean="0"/>
-              <a:t>Git</a:t>
-            </a:r>
-            <a:r>
-              <a:rPr lang="de-DE" sz="900" i="1" dirty="0" smtClean="0"/>
-              <a:t>, </a:t>
-            </a:r>
-            <a:r>
-              <a:rPr lang="de-DE" sz="900" i="1" dirty="0" err="1" smtClean="0"/>
-              <a:t>unix</a:t>
-            </a:r>
-            <a:r>
-              <a:rPr lang="de-DE" sz="900" i="1" dirty="0"/>
-              <a:t>/</a:t>
-            </a:r>
-            <a:r>
-              <a:rPr lang="de-DE" sz="900" i="1" dirty="0" err="1"/>
-              <a:t>mac</a:t>
-            </a:r>
-            <a:r>
-              <a:rPr lang="de-DE" sz="900" i="1" dirty="0"/>
-              <a:t>/</a:t>
-            </a:r>
-            <a:r>
-              <a:rPr lang="de-DE" sz="900" i="1" dirty="0" err="1"/>
-              <a:t>win</a:t>
-            </a:r>
-            <a:r>
-              <a:rPr lang="de-DE" sz="900" i="1" dirty="0"/>
-              <a:t>, </a:t>
-            </a:r>
-            <a:r>
-              <a:rPr lang="de-DE" sz="900" i="1" dirty="0" err="1" smtClean="0"/>
-              <a:t>MSoffice</a:t>
-            </a:r>
-            <a:r>
-              <a:rPr lang="de-DE" sz="900" i="1" dirty="0" smtClean="0"/>
-              <a:t>   </a:t>
-            </a:r>
-            <a:r>
-              <a:rPr lang="de-DE" sz="900" b="1" dirty="0" smtClean="0"/>
-              <a:t>Projects</a:t>
+              <a:t>Projects </a:t>
             </a:r>
             <a:r>
               <a:rPr lang="de-DE" sz="900" dirty="0" smtClean="0"/>
-              <a:t>: </a:t>
-            </a:r>
-            <a:r>
-              <a:rPr lang="de-DE" sz="900" i="1" dirty="0" smtClean="0"/>
-              <a:t>SAM, SSAKE</a:t>
-            </a:r>
-            <a:r>
-              <a:rPr lang="de-DE" sz="900" i="1" dirty="0"/>
-              <a:t>, TASR, </a:t>
-            </a:r>
-            <a:r>
-              <a:rPr lang="de-DE" sz="900" i="1" dirty="0" err="1"/>
+              <a:t>  SAM SSAKE TASR </a:t>
+            </a:r>
+            <a:r>
+              <a:rPr lang="de-DE" sz="900" dirty="0" err="1" smtClean="0"/>
               <a:t>HLAminer</a:t>
             </a:r>
             <a:r>
-              <a:rPr lang="de-DE" sz="900" i="1" dirty="0"/>
-              <a:t>, LINKS, </a:t>
-            </a:r>
-            <a:r>
-              <a:rPr lang="de-DE" sz="900" i="1" dirty="0" smtClean="0"/>
-              <a:t>XMV, RAILS</a:t>
-            </a:r>
-            <a:r>
-              <a:rPr lang="de-DE" sz="900" i="1" dirty="0"/>
-              <a:t>, ARCS, </a:t>
-            </a:r>
-            <a:r>
-              <a:rPr lang="de-DE" sz="900" i="1" dirty="0" err="1"/>
+              <a:rPr lang="de-DE" sz="900" dirty="0" smtClean="0"/>
+              <a:t> </a:t>
+            </a:r>
+            <a:r>
+              <a:rPr lang="de-DE" sz="900" dirty="0" smtClean="0"/>
+              <a:t>LINKS </a:t>
+            </a:r>
+            <a:r>
+              <a:rPr lang="de-DE" sz="900" dirty="0" smtClean="0"/>
+              <a:t>XMV RAILS ARCS </a:t>
+            </a:r>
+            <a:r>
+              <a:rPr lang="de-DE" sz="900" dirty="0" err="1" smtClean="0"/>
               <a:t>ntEdit</a:t>
             </a:r>
-            <a:endParaRPr lang="en-US" sz="900" i="1" dirty="0"/>
+            <a:endParaRPr lang="en-US" sz="900" dirty="0"/>
           </a:p>
         </p:txBody>
       </p:sp>
@@ -5124,8 +5088,8 @@
         </p:nvSpPr>
         <p:spPr>
           <a:xfrm>
-            <a:off x="3530984" y="6531955"/>
-            <a:ext cx="3365500" cy="2154436"/>
+            <a:off x="3467489" y="6639813"/>
+            <a:ext cx="3365500" cy="2000548"/>
           </a:xfrm>
           <a:prstGeom prst="rect">
             <a:avLst/>
@@ -5385,9 +5349,6 @@
               <a:rPr lang="en-US" sz="1000" dirty="0" smtClean="0"/>
               <a:t> 23:500</a:t>
             </a:r>
-          </a:p>
-          <a:p>
-            <a:pPr algn="r"/>
             <a:r>
               <a:rPr lang="fr-FR" sz="1000" dirty="0" smtClean="0"/>
               <a:t> </a:t>
@@ -5396,6 +5357,179 @@
           </a:p>
         </p:txBody>
       </p:sp>
+      <p:sp>
+        <p:nvSpPr>
+          <p:cNvPr id="12" name="Rectangle 11"/>
+          <p:cNvSpPr/>
+          <p:nvPr/>
+        </p:nvSpPr>
+        <p:spPr>
+          <a:xfrm>
+            <a:off x="3826934" y="4813303"/>
+            <a:ext cx="2578100" cy="249766"/>
+          </a:xfrm>
+          <a:prstGeom prst="rect">
+            <a:avLst/>
+          </a:prstGeom>
+          <a:noFill/>
+          <a:ln>
+            <a:noFill/>
+          </a:ln>
+          <a:effectLst/>
+        </p:spPr>
+        <p:style>
+          <a:lnRef idx="1">
+            <a:schemeClr val="accent1"/>
+          </a:lnRef>
+          <a:fillRef idx="3">
+            <a:schemeClr val="accent1"/>
+          </a:fillRef>
+          <a:effectRef idx="2">
+            <a:schemeClr val="accent1"/>
+          </a:effectRef>
+          <a:fontRef idx="minor">
+            <a:schemeClr val="lt1"/>
+          </a:fontRef>
+        </p:style>
+        <p:txBody>
+          <a:bodyPr rtlCol="0" anchor="ctr"/>
+          <a:lstStyle/>
+          <a:p>
+            <a:pPr algn="ctr"/>
+            <a:r>
+              <a:rPr lang="en-US" sz="1000" b="1" i="1" dirty="0">
+                <a:solidFill>
+                  <a:schemeClr val="tx1"/>
+                </a:solidFill>
+              </a:rPr>
+              <a:t>Selected from 17 lead author</a:t>
+            </a:r>
+            <a:endParaRPr lang="en-US" sz="1000" b="1" dirty="0">
+              <a:solidFill>
+                <a:schemeClr val="tx1"/>
+              </a:solidFill>
+            </a:endParaRPr>
+          </a:p>
+        </p:txBody>
+      </p:sp>
+      <p:sp>
+        <p:nvSpPr>
+          <p:cNvPr id="43" name="Rectangle 42"/>
+          <p:cNvSpPr/>
+          <p:nvPr/>
+        </p:nvSpPr>
+        <p:spPr>
+          <a:xfrm>
+            <a:off x="3640666" y="6462276"/>
+            <a:ext cx="3039533" cy="249766"/>
+          </a:xfrm>
+          <a:prstGeom prst="rect">
+            <a:avLst/>
+          </a:prstGeom>
+          <a:noFill/>
+          <a:ln>
+            <a:noFill/>
+          </a:ln>
+          <a:effectLst/>
+        </p:spPr>
+        <p:style>
+          <a:lnRef idx="1">
+            <a:schemeClr val="accent1"/>
+          </a:lnRef>
+          <a:fillRef idx="3">
+            <a:schemeClr val="accent1"/>
+          </a:fillRef>
+          <a:effectRef idx="2">
+            <a:schemeClr val="accent1"/>
+          </a:effectRef>
+          <a:fontRef idx="minor">
+            <a:schemeClr val="lt1"/>
+          </a:fontRef>
+        </p:style>
+        <p:txBody>
+          <a:bodyPr rtlCol="0" anchor="ctr"/>
+          <a:lstStyle/>
+          <a:p>
+            <a:pPr algn="ctr"/>
+            <a:r>
+              <a:rPr lang="en-US" sz="1000" b="1" i="1" dirty="0">
+                <a:solidFill>
+                  <a:schemeClr val="tx1"/>
+                </a:solidFill>
+              </a:rPr>
+              <a:t>Selected from 63 peer-</a:t>
+            </a:r>
+            <a:r>
+              <a:rPr lang="en-US" sz="1000" b="1" i="1" dirty="0" smtClean="0">
+                <a:solidFill>
+                  <a:schemeClr val="tx1"/>
+                </a:solidFill>
+              </a:rPr>
+              <a:t>reviewed [</a:t>
+            </a:r>
+            <a:r>
+              <a:rPr lang="en-US" sz="1000" b="1" i="1" dirty="0">
+                <a:solidFill>
+                  <a:schemeClr val="tx1"/>
+                </a:solidFill>
+              </a:rPr>
+              <a:t>23 </a:t>
+            </a:r>
+            <a:r>
+              <a:rPr lang="en-US" sz="1000" b="1" i="1" dirty="0" smtClean="0">
+                <a:solidFill>
+                  <a:schemeClr val="tx1"/>
+                </a:solidFill>
+              </a:rPr>
+              <a:t>lead </a:t>
+            </a:r>
+            <a:r>
+              <a:rPr lang="en-US" sz="1000" b="1" i="1" dirty="0">
+                <a:solidFill>
+                  <a:schemeClr val="tx1"/>
+                </a:solidFill>
+              </a:rPr>
+              <a:t>author] </a:t>
+            </a:r>
+          </a:p>
+        </p:txBody>
+      </p:sp>
+      <p:cxnSp>
+        <p:nvCxnSpPr>
+          <p:cNvPr id="15" name="Straight Connector 14"/>
+          <p:cNvCxnSpPr/>
+          <p:nvPr/>
+        </p:nvCxnSpPr>
+        <p:spPr>
+          <a:xfrm flipH="1">
+            <a:off x="3446961" y="3035302"/>
+            <a:ext cx="16035" cy="5795289"/>
+          </a:xfrm>
+          <a:prstGeom prst="line">
+            <a:avLst/>
+          </a:prstGeom>
+          <a:ln>
+            <a:solidFill>
+              <a:schemeClr val="tx1"/>
+            </a:solidFill>
+          </a:ln>
+          <a:effectLst/>
+        </p:spPr>
+        <p:style>
+          <a:lnRef idx="2">
+            <a:schemeClr val="accent1"/>
+          </a:lnRef>
+          <a:fillRef idx="0">
+            <a:schemeClr val="accent1"/>
+          </a:fillRef>
+          <a:effectRef idx="1">
+            <a:schemeClr val="accent1"/>
+          </a:effectRef>
+          <a:fontRef idx="minor">
+            <a:schemeClr val="tx1"/>
+          </a:fontRef>
+        </p:style>
+      </p:cxnSp>
     </p:spTree>
     <p:extLst>
       <p:ext uri="{BB962C8B-B14F-4D97-AF65-F5344CB8AC3E}">

--- a/cv/CV_RWARREN_PPT.pptx
+++ b/cv/CV_RWARREN_PPT.pptx
@@ -4215,7 +4215,15 @@
             </a:r>
             <a:r>
               <a:rPr lang="en-US" sz="1350" dirty="0"/>
-              <a:t>, Bullfrog, Spruce </a:t>
+              <a:t>, </a:t>
+            </a:r>
+            <a:r>
+              <a:rPr lang="en-US" sz="1350" dirty="0" smtClean="0"/>
+              <a:t>Bullfrog &amp; </a:t>
+            </a:r>
+            <a:r>
+              <a:rPr lang="en-US" sz="1350" dirty="0"/>
+              <a:t>Spruce </a:t>
             </a:r>
             <a:r>
               <a:rPr lang="en-US" sz="1350" dirty="0" smtClean="0"/>

--- a/cv/CV_RWARREN_PPT.pptx
+++ b/cv/CV_RWARREN_PPT.pptx
@@ -288,7 +288,7 @@
           <a:p>
             <a:fld id="{12CDA68D-1A1F-6346-A281-652CBF222AD7}" type="datetimeFigureOut">
               <a:rPr lang="en-US" smtClean="0"/>
-              <a:t>19-10-15</a:t>
+              <a:t>19-10-16</a:t>
             </a:fld>
             <a:endParaRPr lang="en-US"/>
           </a:p>
@@ -458,7 +458,7 @@
           <a:p>
             <a:fld id="{12CDA68D-1A1F-6346-A281-652CBF222AD7}" type="datetimeFigureOut">
               <a:rPr lang="en-US" smtClean="0"/>
-              <a:t>19-10-15</a:t>
+              <a:t>19-10-16</a:t>
             </a:fld>
             <a:endParaRPr lang="en-US"/>
           </a:p>
@@ -638,7 +638,7 @@
           <a:p>
             <a:fld id="{12CDA68D-1A1F-6346-A281-652CBF222AD7}" type="datetimeFigureOut">
               <a:rPr lang="en-US" smtClean="0"/>
-              <a:t>19-10-15</a:t>
+              <a:t>19-10-16</a:t>
             </a:fld>
             <a:endParaRPr lang="en-US"/>
           </a:p>
@@ -808,7 +808,7 @@
           <a:p>
             <a:fld id="{12CDA68D-1A1F-6346-A281-652CBF222AD7}" type="datetimeFigureOut">
               <a:rPr lang="en-US" smtClean="0"/>
-              <a:t>19-10-15</a:t>
+              <a:t>19-10-16</a:t>
             </a:fld>
             <a:endParaRPr lang="en-US"/>
           </a:p>
@@ -1054,7 +1054,7 @@
           <a:p>
             <a:fld id="{12CDA68D-1A1F-6346-A281-652CBF222AD7}" type="datetimeFigureOut">
               <a:rPr lang="en-US" smtClean="0"/>
-              <a:t>19-10-15</a:t>
+              <a:t>19-10-16</a:t>
             </a:fld>
             <a:endParaRPr lang="en-US"/>
           </a:p>
@@ -1342,7 +1342,7 @@
           <a:p>
             <a:fld id="{12CDA68D-1A1F-6346-A281-652CBF222AD7}" type="datetimeFigureOut">
               <a:rPr lang="en-US" smtClean="0"/>
-              <a:t>19-10-15</a:t>
+              <a:t>19-10-16</a:t>
             </a:fld>
             <a:endParaRPr lang="en-US"/>
           </a:p>
@@ -1769,7 +1769,7 @@
           <a:p>
             <a:fld id="{12CDA68D-1A1F-6346-A281-652CBF222AD7}" type="datetimeFigureOut">
               <a:rPr lang="en-US" smtClean="0"/>
-              <a:t>19-10-15</a:t>
+              <a:t>19-10-16</a:t>
             </a:fld>
             <a:endParaRPr lang="en-US"/>
           </a:p>
@@ -1887,7 +1887,7 @@
           <a:p>
             <a:fld id="{12CDA68D-1A1F-6346-A281-652CBF222AD7}" type="datetimeFigureOut">
               <a:rPr lang="en-US" smtClean="0"/>
-              <a:t>19-10-15</a:t>
+              <a:t>19-10-16</a:t>
             </a:fld>
             <a:endParaRPr lang="en-US"/>
           </a:p>
@@ -1982,7 +1982,7 @@
           <a:p>
             <a:fld id="{12CDA68D-1A1F-6346-A281-652CBF222AD7}" type="datetimeFigureOut">
               <a:rPr lang="en-US" smtClean="0"/>
-              <a:t>19-10-15</a:t>
+              <a:t>19-10-16</a:t>
             </a:fld>
             <a:endParaRPr lang="en-US"/>
           </a:p>
@@ -2259,7 +2259,7 @@
           <a:p>
             <a:fld id="{12CDA68D-1A1F-6346-A281-652CBF222AD7}" type="datetimeFigureOut">
               <a:rPr lang="en-US" smtClean="0"/>
-              <a:t>19-10-15</a:t>
+              <a:t>19-10-16</a:t>
             </a:fld>
             <a:endParaRPr lang="en-US"/>
           </a:p>
@@ -2512,7 +2512,7 @@
           <a:p>
             <a:fld id="{12CDA68D-1A1F-6346-A281-652CBF222AD7}" type="datetimeFigureOut">
               <a:rPr lang="en-US" smtClean="0"/>
-              <a:t>19-10-15</a:t>
+              <a:t>19-10-16</a:t>
             </a:fld>
             <a:endParaRPr lang="en-US"/>
           </a:p>
@@ -2725,7 +2725,7 @@
           <a:p>
             <a:fld id="{12CDA68D-1A1F-6346-A281-652CBF222AD7}" type="datetimeFigureOut">
               <a:rPr lang="en-US" smtClean="0"/>
-              <a:t>19-10-15</a:t>
+              <a:t>19-10-16</a:t>
             </a:fld>
             <a:endParaRPr lang="en-US"/>
           </a:p>
@@ -3908,94 +3908,6 @@
       </p:sp>
       <p:sp>
         <p:nvSpPr>
-          <p:cNvPr id="41" name="Rectangle 40"/>
-          <p:cNvSpPr/>
-          <p:nvPr/>
-        </p:nvSpPr>
-        <p:spPr>
-          <a:xfrm>
-            <a:off x="3454400" y="6153979"/>
-            <a:ext cx="3336925" cy="369332"/>
-          </a:xfrm>
-          <a:prstGeom prst="rect">
-            <a:avLst/>
-          </a:prstGeom>
-          <a:solidFill>
-            <a:schemeClr val="tx1">
-              <a:lumMod val="85000"/>
-              <a:lumOff val="15000"/>
-            </a:schemeClr>
-          </a:solidFill>
-        </p:spPr>
-        <p:txBody>
-          <a:bodyPr wrap="square">
-            <a:spAutoFit/>
-          </a:bodyPr>
-          <a:lstStyle/>
-          <a:p>
-            <a:pPr algn="ctr"/>
-            <a:r>
-              <a:rPr lang="en-US" dirty="0" smtClean="0">
-                <a:solidFill>
-                  <a:srgbClr val="FFFFFF"/>
-                </a:solidFill>
-              </a:rPr>
-              <a:t>PUBLICATIONS</a:t>
-            </a:r>
-            <a:endParaRPr lang="en-US" dirty="0">
-              <a:solidFill>
-                <a:srgbClr val="FFFFFF"/>
-              </a:solidFill>
-            </a:endParaRPr>
-          </a:p>
-        </p:txBody>
-      </p:sp>
-      <p:sp>
-        <p:nvSpPr>
-          <p:cNvPr id="42" name="Rectangle 41"/>
-          <p:cNvSpPr/>
-          <p:nvPr/>
-        </p:nvSpPr>
-        <p:spPr>
-          <a:xfrm>
-            <a:off x="88901" y="6153979"/>
-            <a:ext cx="3371978" cy="369332"/>
-          </a:xfrm>
-          <a:prstGeom prst="rect">
-            <a:avLst/>
-          </a:prstGeom>
-          <a:solidFill>
-            <a:schemeClr val="tx1">
-              <a:lumMod val="85000"/>
-              <a:lumOff val="15000"/>
-            </a:schemeClr>
-          </a:solidFill>
-        </p:spPr>
-        <p:txBody>
-          <a:bodyPr wrap="square">
-            <a:spAutoFit/>
-          </a:bodyPr>
-          <a:lstStyle/>
-          <a:p>
-            <a:pPr algn="ctr"/>
-            <a:r>
-              <a:rPr lang="en-US" dirty="0" smtClean="0">
-                <a:solidFill>
-                  <a:srgbClr val="FFFFFF"/>
-                </a:solidFill>
-              </a:rPr>
-              <a:t>EDUCATION</a:t>
-            </a:r>
-            <a:endParaRPr lang="en-US" dirty="0">
-              <a:solidFill>
-                <a:srgbClr val="FFFFFF"/>
-              </a:solidFill>
-            </a:endParaRPr>
-          </a:p>
-        </p:txBody>
-      </p:sp>
-      <p:sp>
-        <p:nvSpPr>
           <p:cNvPr id="5" name="Rectangle 4"/>
           <p:cNvSpPr/>
           <p:nvPr/>
@@ -4705,7 +4617,7 @@
         </p:nvCxnSpPr>
         <p:spPr>
           <a:xfrm>
-            <a:off x="3268100" y="8218715"/>
+            <a:off x="3264925" y="8218715"/>
             <a:ext cx="190500" cy="0"/>
           </a:xfrm>
           <a:prstGeom prst="line">
@@ -4906,11 +4818,7 @@
           <a:p>
             <a:r>
               <a:rPr lang="de-DE" sz="900" b="1" dirty="0" smtClean="0"/>
-              <a:t>IT </a:t>
-            </a:r>
-            <a:r>
-              <a:rPr lang="de-DE" sz="900" b="1" dirty="0" smtClean="0"/>
-              <a:t>Skills  </a:t>
+              <a:t>IT Skills  </a:t>
             </a:r>
             <a:r>
               <a:rPr lang="de-DE" sz="900" dirty="0" smtClean="0"/>
@@ -4958,15 +4866,7 @@
             </a:r>
             <a:r>
               <a:rPr lang="de-DE" sz="900" dirty="0" smtClean="0"/>
-              <a:t>  </a:t>
-            </a:r>
-            <a:r>
-              <a:rPr lang="de-DE" sz="900" dirty="0" smtClean="0"/>
-              <a:t>O</a:t>
-            </a:r>
-            <a:r>
-              <a:rPr lang="de-DE" sz="900" dirty="0" smtClean="0"/>
-              <a:t>ffice        </a:t>
+              <a:t>  Office        </a:t>
             </a:r>
             <a:r>
               <a:rPr lang="de-DE" sz="900" b="1" dirty="0" smtClean="0"/>
@@ -4982,15 +4882,7 @@
             </a:r>
             <a:r>
               <a:rPr lang="de-DE" sz="900" dirty="0" smtClean="0"/>
-              <a:t> </a:t>
-            </a:r>
-            <a:r>
-              <a:rPr lang="de-DE" sz="900" dirty="0" smtClean="0"/>
-              <a:t>LINKS </a:t>
-            </a:r>
-            <a:r>
-              <a:rPr lang="de-DE" sz="900" dirty="0" smtClean="0"/>
-              <a:t>XMV RAILS ARCS </a:t>
+              <a:t> LINKS XMV RAILS ARCS </a:t>
             </a:r>
             <a:r>
               <a:rPr lang="de-DE" sz="900" dirty="0" err="1" smtClean="0"/>
@@ -5008,7 +4900,7 @@
         </p:nvSpPr>
         <p:spPr>
           <a:xfrm>
-            <a:off x="88900" y="2669198"/>
+            <a:off x="88901" y="2669198"/>
             <a:ext cx="3362453" cy="369332"/>
           </a:xfrm>
           <a:prstGeom prst="rect">
@@ -5428,7 +5320,7 @@
         </p:nvSpPr>
         <p:spPr>
           <a:xfrm>
-            <a:off x="3640666" y="6462276"/>
+            <a:off x="3640666" y="6465451"/>
             <a:ext cx="3039533" cy="249766"/>
           </a:xfrm>
           <a:prstGeom prst="rect">
@@ -5510,8 +5402,8 @@
         </p:nvCxnSpPr>
         <p:spPr>
           <a:xfrm flipH="1">
-            <a:off x="3446961" y="3035302"/>
-            <a:ext cx="16035" cy="5795289"/>
+            <a:off x="3453317" y="3038476"/>
+            <a:ext cx="8622" cy="3136392"/>
           </a:xfrm>
           <a:prstGeom prst="line">
             <a:avLst/>
@@ -5538,6 +5430,130 @@
           </a:fontRef>
         </p:style>
       </p:cxnSp>
+      <p:cxnSp>
+        <p:nvCxnSpPr>
+          <p:cNvPr id="44" name="Straight Connector 43"/>
+          <p:cNvCxnSpPr/>
+          <p:nvPr/>
+        </p:nvCxnSpPr>
+        <p:spPr>
+          <a:xfrm flipH="1">
+            <a:off x="3439554" y="6541560"/>
+            <a:ext cx="16035" cy="2331720"/>
+          </a:xfrm>
+          <a:prstGeom prst="line">
+            <a:avLst/>
+          </a:prstGeom>
+          <a:ln>
+            <a:solidFill>
+              <a:schemeClr val="tx1"/>
+            </a:solidFill>
+          </a:ln>
+          <a:effectLst/>
+        </p:spPr>
+        <p:style>
+          <a:lnRef idx="2">
+            <a:schemeClr val="accent1"/>
+          </a:lnRef>
+          <a:fillRef idx="0">
+            <a:schemeClr val="accent1"/>
+          </a:fillRef>
+          <a:effectRef idx="1">
+            <a:schemeClr val="accent1"/>
+          </a:effectRef>
+          <a:fontRef idx="minor">
+            <a:schemeClr val="tx1"/>
+          </a:fontRef>
+        </p:style>
+      </p:cxnSp>
+      <p:sp>
+        <p:nvSpPr>
+          <p:cNvPr id="45" name="Rectangle 44"/>
+          <p:cNvSpPr/>
+          <p:nvPr/>
+        </p:nvSpPr>
+        <p:spPr>
+          <a:xfrm>
+            <a:off x="82551" y="6173340"/>
+            <a:ext cx="3362453" cy="369332"/>
+          </a:xfrm>
+          <a:prstGeom prst="rect">
+            <a:avLst/>
+          </a:prstGeom>
+          <a:solidFill>
+            <a:schemeClr val="tx1">
+              <a:lumMod val="85000"/>
+              <a:lumOff val="15000"/>
+            </a:schemeClr>
+          </a:solidFill>
+        </p:spPr>
+        <p:txBody>
+          <a:bodyPr wrap="square">
+            <a:spAutoFit/>
+          </a:bodyPr>
+          <a:lstStyle/>
+          <a:p>
+            <a:pPr algn="ctr"/>
+            <a:r>
+              <a:rPr lang="en-US" dirty="0" smtClean="0">
+                <a:solidFill>
+                  <a:srgbClr val="FFFFFF"/>
+                </a:solidFill>
+              </a:rPr>
+              <a:t>EDUCATION</a:t>
+            </a:r>
+            <a:endParaRPr lang="en-US" dirty="0">
+              <a:solidFill>
+                <a:srgbClr val="FFFFFF"/>
+              </a:solidFill>
+            </a:endParaRPr>
+          </a:p>
+        </p:txBody>
+      </p:sp>
+      <p:sp>
+        <p:nvSpPr>
+          <p:cNvPr id="46" name="Rectangle 45"/>
+          <p:cNvSpPr/>
+          <p:nvPr/>
+        </p:nvSpPr>
+        <p:spPr>
+          <a:xfrm>
+            <a:off x="3465112" y="6173340"/>
+            <a:ext cx="3317747" cy="369332"/>
+          </a:xfrm>
+          <a:prstGeom prst="rect">
+            <a:avLst/>
+          </a:prstGeom>
+          <a:solidFill>
+            <a:schemeClr val="tx1">
+              <a:lumMod val="85000"/>
+              <a:lumOff val="15000"/>
+            </a:schemeClr>
+          </a:solidFill>
+        </p:spPr>
+        <p:txBody>
+          <a:bodyPr wrap="square">
+            <a:spAutoFit/>
+          </a:bodyPr>
+          <a:lstStyle/>
+          <a:p>
+            <a:pPr algn="ctr"/>
+            <a:r>
+              <a:rPr lang="en-US" dirty="0" smtClean="0">
+                <a:solidFill>
+                  <a:srgbClr val="FFFFFF"/>
+                </a:solidFill>
+              </a:rPr>
+              <a:t>PUBLICATIONS</a:t>
+            </a:r>
+            <a:endParaRPr lang="en-US" dirty="0">
+              <a:solidFill>
+                <a:srgbClr val="FFFFFF"/>
+              </a:solidFill>
+            </a:endParaRPr>
+          </a:p>
+        </p:txBody>
+      </p:sp>
     </p:spTree>
     <p:extLst>
       <p:ext uri="{BB962C8B-B14F-4D97-AF65-F5344CB8AC3E}">

--- a/cv/CV_RWARREN_PPT.pptx
+++ b/cv/CV_RWARREN_PPT.pptx
@@ -3109,7 +3109,7 @@
         <p:spPr>
           <a:xfrm>
             <a:off x="25528" y="2563285"/>
-            <a:ext cx="3471333" cy="6047809"/>
+            <a:ext cx="3471333" cy="6186309"/>
           </a:xfrm>
           <a:prstGeom prst="rect">
             <a:avLst/>
@@ -3130,9 +3130,22 @@
             <a:endParaRPr lang="en-US" sz="1000" b="1" i="1" dirty="0" smtClean="0"/>
           </a:p>
           <a:p>
+            <a:endParaRPr lang="en-US" sz="400" b="1" i="1" dirty="0" smtClean="0"/>
+          </a:p>
+          <a:p>
+            <a:endParaRPr lang="en-US" sz="400" b="1" i="1" dirty="0"/>
+          </a:p>
+          <a:p>
+            <a:endParaRPr lang="en-US" sz="400" b="1" i="1" dirty="0" smtClean="0"/>
+          </a:p>
+          <a:p>
             <a:r>
               <a:rPr lang="en-US" sz="1600" b="1" i="1" dirty="0" smtClean="0"/>
-              <a:t>Group Leader</a:t>
+              <a:t>Group </a:t>
+            </a:r>
+            <a:r>
+              <a:rPr lang="en-US" sz="1600" b="1" i="1" dirty="0" smtClean="0"/>
+              <a:t>Leader</a:t>
             </a:r>
             <a:endParaRPr lang="en-US" sz="1600" dirty="0"/>
           </a:p>
@@ -3162,28 +3175,40 @@
           <a:p>
             <a:pPr lvl="0" fontAlgn="base"/>
             <a:r>
+              <a:rPr lang="en-US" sz="1200" dirty="0" smtClean="0"/>
+              <a:t>Research</a:t>
+            </a:r>
+            <a:r>
+              <a:rPr lang="en-US" sz="1200" dirty="0" smtClean="0"/>
+              <a:t> </a:t>
+            </a:r>
+            <a:r>
+              <a:rPr lang="en-US" sz="1200" dirty="0" smtClean="0"/>
+              <a:t>project </a:t>
+            </a:r>
+            <a:r>
+              <a:rPr lang="en-US" sz="1200" dirty="0" smtClean="0"/>
+              <a:t>concept, management,</a:t>
+            </a:r>
+            <a:r>
+              <a:rPr lang="en-US" sz="1200" dirty="0" smtClean="0"/>
+              <a:t> </a:t>
+            </a:r>
+            <a:r>
+              <a:rPr lang="en-US" sz="1200" dirty="0" smtClean="0"/>
+              <a:t>guidance</a:t>
+            </a:r>
+            <a:endParaRPr lang="en-US" sz="1200" dirty="0"/>
+          </a:p>
+          <a:p>
+            <a:pPr lvl="0" fontAlgn="base"/>
+            <a:r>
+              <a:rPr lang="en-US" sz="1200" dirty="0" smtClean="0"/>
+              <a:t>Interview</a:t>
+            </a:r>
+            <a:r>
               <a:rPr lang="en-US" sz="1200" dirty="0"/>
-              <a:t>Lead group, </a:t>
-            </a:r>
-            <a:r>
-              <a:rPr lang="en-US" sz="1200" dirty="0" smtClean="0"/>
-              <a:t>project management &amp; guidance</a:t>
-            </a:r>
-            <a:endParaRPr lang="en-US" sz="1200" dirty="0"/>
-          </a:p>
-          <a:p>
-            <a:pPr lvl="0" fontAlgn="base"/>
-            <a:r>
-              <a:rPr lang="en-US" sz="1200" dirty="0" smtClean="0"/>
-              <a:t>Conceptualize, lead, develop genome technologies</a:t>
-            </a:r>
-            <a:endParaRPr lang="en-US" sz="1200" dirty="0"/>
-          </a:p>
-          <a:p>
-            <a:pPr lvl="0" fontAlgn="base"/>
-            <a:r>
-              <a:rPr lang="en-US" sz="1200" dirty="0"/>
-              <a:t>Interview, supervise, mentor </a:t>
+              <a:t>, supervise, mentor </a:t>
             </a:r>
             <a:r>
               <a:rPr lang="en-US" sz="1200" dirty="0" smtClean="0"/>
@@ -3200,6 +3225,10 @@
           </a:p>
           <a:p>
             <a:pPr lvl="0" fontAlgn="base"/>
+            <a:endParaRPr lang="en-US" sz="600" dirty="0"/>
+          </a:p>
+          <a:p>
+            <a:pPr lvl="0" fontAlgn="base"/>
             <a:endParaRPr lang="en-US" sz="600" dirty="0" smtClean="0"/>
           </a:p>
           <a:p>
@@ -3243,32 +3272,6 @@
             </a:r>
           </a:p>
           <a:p>
-            <a:r>
-              <a:rPr lang="en-US" sz="1200" dirty="0" smtClean="0"/>
-              <a:t>Published </a:t>
-            </a:r>
-            <a:r>
-              <a:rPr lang="en-US" sz="1200" dirty="0"/>
-              <a:t>research (</a:t>
-            </a:r>
-            <a:r>
-              <a:rPr lang="en-US" sz="1200" dirty="0" smtClean="0"/>
-              <a:t>science </a:t>
-            </a:r>
-            <a:r>
-              <a:rPr lang="en-US" sz="1200" dirty="0"/>
-              <a:t>journals, </a:t>
-            </a:r>
-            <a:r>
-              <a:rPr lang="en-US" sz="1200" dirty="0" smtClean="0"/>
-              <a:t>conferences</a:t>
-            </a:r>
-            <a:r>
-              <a:rPr lang="en-US" sz="1200" dirty="0"/>
-              <a:t>)</a:t>
-            </a:r>
-          </a:p>
-          <a:p>
             <a:pPr lvl="0" fontAlgn="base"/>
             <a:r>
               <a:rPr lang="en-US" sz="1200" dirty="0" smtClean="0"/>
@@ -3285,12 +3288,20 @@
           </a:p>
           <a:p>
             <a:pPr lvl="0" fontAlgn="base"/>
-            <a:endParaRPr lang="en-US" sz="600" dirty="0"/>
+            <a:endParaRPr lang="en-US" sz="800" dirty="0"/>
+          </a:p>
+          <a:p>
+            <a:pPr lvl="0" fontAlgn="base"/>
+            <a:endParaRPr lang="en-US" sz="800" dirty="0" smtClean="0"/>
           </a:p>
           <a:p>
             <a:r>
               <a:rPr lang="en-US" sz="1600" b="1" i="1" dirty="0" smtClean="0"/>
-              <a:t>Technical Officer</a:t>
+              <a:t>Technical </a:t>
+            </a:r>
+            <a:r>
+              <a:rPr lang="en-US" sz="1600" b="1" i="1" dirty="0" smtClean="0"/>
+              <a:t>Officer</a:t>
             </a:r>
             <a:endParaRPr lang="en-US" sz="1600" dirty="0"/>
           </a:p>
@@ -3327,29 +3338,6 @@
             </a:r>
             <a:r>
               <a:rPr lang="en-CA" sz="1200" dirty="0" smtClean="0"/>
-              <a:t>Designed</a:t>
-            </a:r>
-            <a:r>
-              <a:rPr lang="en-CA" sz="1200" dirty="0"/>
-              <a:t>, </a:t>
-            </a:r>
-            <a:r>
-              <a:rPr lang="en-CA" sz="1200" dirty="0" smtClean="0"/>
-              <a:t>fabricated, tested DNA </a:t>
-            </a:r>
-            <a:r>
-              <a:rPr lang="en-CA" sz="1200" dirty="0"/>
-              <a:t>“</a:t>
-            </a:r>
-            <a:r>
-              <a:rPr lang="en-US" sz="1200" dirty="0"/>
-              <a:t>gene switch”</a:t>
-            </a:r>
-          </a:p>
-          <a:p>
-            <a:pPr lvl="0" fontAlgn="base"/>
-            <a:r>
-              <a:rPr lang="en-CA" sz="1200" dirty="0" smtClean="0"/>
               <a:t>Collaborated </a:t>
             </a:r>
             <a:r>
@@ -3374,9 +3362,6 @@
               <a:rPr lang="en-US" b="1" dirty="0" smtClean="0"/>
               <a:t> </a:t>
             </a:r>
-            <a:endParaRPr lang="en-US" dirty="0"/>
-          </a:p>
-          <a:p>
             <a:r>
               <a:rPr lang="en-US" sz="1100" dirty="0"/>
               <a:t> </a:t>
@@ -3389,56 +3374,64 @@
             </a:r>
             <a:r>
               <a:rPr lang="en-US" sz="1200" b="1" dirty="0" smtClean="0"/>
-              <a:t>   </a:t>
+              <a:t>	</a:t>
+            </a:r>
+            <a:r>
+              <a:rPr lang="en-US" sz="1200" b="1" dirty="0" smtClean="0"/>
+              <a:t> </a:t>
             </a:r>
             <a:r>
               <a:rPr lang="en-US" sz="1200" dirty="0" smtClean="0"/>
-              <a:t>Computer Science   </a:t>
+              <a:t>Computer Science</a:t>
+            </a:r>
+          </a:p>
+          <a:p>
+            <a:r>
+              <a:rPr lang="en-US" sz="1200" dirty="0" smtClean="0"/>
+              <a:t>		 </a:t>
             </a:r>
             <a:r>
               <a:rPr lang="en-US" sz="1200" b="1" dirty="0" smtClean="0"/>
-              <a:t>| </a:t>
-            </a:r>
+              <a:t>Concordia University</a:t>
+            </a:r>
+            <a:endParaRPr lang="en-US" sz="1200" dirty="0"/>
+          </a:p>
+          <a:p>
+            <a:endParaRPr lang="en-US" sz="1000" b="1" dirty="0" smtClean="0"/>
+          </a:p>
+          <a:p>
+            <a:endParaRPr lang="en-US" sz="400" b="1" dirty="0" smtClean="0"/>
+          </a:p>
+          <a:p>
+            <a:r>
+              <a:rPr lang="en-US" sz="1600" b="1" dirty="0" smtClean="0"/>
+              <a:t>MSc		 </a:t>
+            </a:r>
+            <a:r>
+              <a:rPr lang="en-US" sz="1200" dirty="0" smtClean="0"/>
+              <a:t>Biochemistry </a:t>
+            </a:r>
+            <a:r>
+              <a:rPr lang="en-US" sz="1200" dirty="0"/>
+              <a:t>&amp; Molecular </a:t>
+            </a:r>
+            <a:r>
+              <a:rPr lang="en-US" sz="1200" dirty="0" smtClean="0"/>
+              <a:t>Biology</a:t>
+            </a:r>
+          </a:p>
+          <a:p>
             <a:r>
               <a:rPr lang="en-US" sz="1200" b="1" dirty="0"/>
-              <a:t>Concordia </a:t>
+              <a:t>	</a:t>
             </a:r>
             <a:r>
               <a:rPr lang="en-US" sz="1200" b="1" dirty="0" smtClean="0"/>
-              <a:t>U.</a:t>
-            </a:r>
-            <a:endParaRPr lang="en-US" sz="1200" dirty="0"/>
-          </a:p>
-          <a:p>
-            <a:endParaRPr lang="en-US" sz="1000" b="1" dirty="0" smtClean="0"/>
-          </a:p>
-          <a:p>
-            <a:endParaRPr lang="en-US" sz="1000" b="1" dirty="0" smtClean="0"/>
-          </a:p>
-          <a:p>
-            <a:r>
-              <a:rPr lang="en-US" sz="1600" b="1" dirty="0" smtClean="0"/>
-              <a:t>MSc  </a:t>
-            </a:r>
-            <a:r>
-              <a:rPr lang="en-US" sz="1200" dirty="0"/>
-              <a:t>Biochemistry &amp; Molecular </a:t>
-            </a:r>
-            <a:r>
-              <a:rPr lang="en-US" sz="1200" dirty="0" smtClean="0"/>
-              <a:t>Biology     </a:t>
+              <a:t>	 U</a:t>
             </a:r>
             <a:r>
               <a:rPr lang="en-US" sz="1200" b="1" dirty="0" smtClean="0"/>
-              <a:t> |</a:t>
-            </a:r>
-            <a:r>
-              <a:rPr lang="en-US" sz="1200" dirty="0" smtClean="0"/>
-              <a:t> </a:t>
-            </a:r>
-            <a:r>
-              <a:rPr lang="en-US" sz="1200" b="1" dirty="0"/>
-              <a:t>UBC</a:t>
+              <a:t>niversity of British Columbia</a:t>
             </a:r>
             <a:endParaRPr lang="en-US" sz="1200" dirty="0"/>
           </a:p>
@@ -3447,50 +3440,53 @@
               <a:rPr lang="en-US" sz="1000" dirty="0" smtClean="0"/>
               <a:t>         </a:t>
             </a:r>
-          </a:p>
-          <a:p>
-            <a:endParaRPr lang="en-US" sz="1000" dirty="0"/>
+            <a:endParaRPr lang="en-US" sz="1000" dirty="0" smtClean="0"/>
+          </a:p>
+          <a:p>
+            <a:endParaRPr lang="en-US" sz="400" dirty="0" smtClean="0"/>
           </a:p>
           <a:p>
             <a:r>
               <a:rPr lang="en-US" sz="1600" b="1" dirty="0" smtClean="0"/>
-              <a:t>BSc  </a:t>
+              <a:t>BSc		 </a:t>
+            </a:r>
+            <a:r>
+              <a:rPr lang="en-US" sz="1200" dirty="0" smtClean="0"/>
+              <a:t>Biochemistry</a:t>
             </a:r>
             <a:r>
               <a:rPr lang="en-US" sz="1200" b="1" dirty="0" smtClean="0"/>
               <a:t> </a:t>
             </a:r>
             <a:r>
-              <a:rPr lang="en-US" sz="1200" dirty="0" smtClean="0"/>
-              <a:t>Biochemistry</a:t>
+              <a:rPr lang="en-US" sz="1200" i="1" dirty="0" smtClean="0"/>
+              <a:t>(</a:t>
+            </a:r>
+            <a:r>
+              <a:rPr lang="en-US" sz="1200" i="1" dirty="0" err="1" smtClean="0"/>
+              <a:t>Honours</a:t>
+            </a:r>
+            <a:r>
+              <a:rPr lang="en-US" sz="1200" i="1" dirty="0" smtClean="0"/>
+              <a:t>)</a:t>
+            </a:r>
+          </a:p>
+          <a:p>
+            <a:r>
+              <a:rPr lang="en-US" sz="1200" b="1" dirty="0" smtClean="0"/>
+              <a:t>		 </a:t>
+            </a:r>
+            <a:r>
+              <a:rPr lang="en-US" sz="1200" b="1" dirty="0" err="1" smtClean="0"/>
+              <a:t>U</a:t>
+            </a:r>
+            <a:r>
+              <a:rPr lang="en-US" sz="1200" b="1" dirty="0" err="1" smtClean="0"/>
+              <a:t>niversité</a:t>
             </a:r>
             <a:r>
               <a:rPr lang="en-US" sz="1200" b="1" dirty="0" smtClean="0"/>
               <a:t> </a:t>
-            </a:r>
-            <a:r>
-              <a:rPr lang="en-US" sz="1200" i="1" dirty="0" smtClean="0"/>
-              <a:t>(</a:t>
-            </a:r>
-            <a:r>
-              <a:rPr lang="en-US" sz="1200" i="1" dirty="0" err="1" smtClean="0"/>
-              <a:t>Honours</a:t>
-            </a:r>
-            <a:r>
-              <a:rPr lang="en-US" sz="1200" i="1" dirty="0" smtClean="0"/>
-              <a:t>)     </a:t>
-            </a:r>
-            <a:r>
-              <a:rPr lang="en-US" sz="1200" b="1" dirty="0" smtClean="0"/>
-              <a:t>|</a:t>
-            </a:r>
-            <a:r>
-              <a:rPr lang="en-US" sz="1200" dirty="0" smtClean="0"/>
-              <a:t> </a:t>
-            </a:r>
-            <a:r>
-              <a:rPr lang="en-US" sz="1200" b="1" dirty="0" smtClean="0"/>
-              <a:t>U. </a:t>
             </a:r>
             <a:r>
               <a:rPr lang="en-US" sz="1200" b="1" dirty="0"/>
@@ -3870,7 +3866,7 @@
         </p:nvSpPr>
         <p:spPr>
           <a:xfrm>
-            <a:off x="3454530" y="4504348"/>
+            <a:off x="3454530" y="4555148"/>
             <a:ext cx="3336796" cy="369332"/>
           </a:xfrm>
           <a:prstGeom prst="rect">
@@ -4131,11 +4127,15 @@
             </a:r>
             <a:r>
               <a:rPr lang="en-US" sz="1350" dirty="0" smtClean="0"/>
-              <a:t>Bullfrog &amp; </a:t>
-            </a:r>
-            <a:r>
-              <a:rPr lang="en-US" sz="1350" dirty="0"/>
-              <a:t>Spruce </a:t>
+              <a:t>bullfrog </a:t>
+            </a:r>
+            <a:r>
+              <a:rPr lang="en-US" sz="1350" dirty="0" smtClean="0"/>
+              <a:t>&amp; </a:t>
+            </a:r>
+            <a:r>
+              <a:rPr lang="en-US" sz="1350" dirty="0" smtClean="0"/>
+              <a:t>spruce </a:t>
             </a:r>
             <a:r>
               <a:rPr lang="en-US" sz="1350" dirty="0" smtClean="0"/>
@@ -4419,7 +4419,7 @@
         </p:nvCxnSpPr>
         <p:spPr>
           <a:xfrm>
-            <a:off x="3268101" y="5004407"/>
+            <a:off x="3268101" y="4915507"/>
             <a:ext cx="190500" cy="0"/>
           </a:xfrm>
           <a:prstGeom prst="line">
@@ -4455,7 +4455,7 @@
         </p:nvSpPr>
         <p:spPr>
           <a:xfrm rot="16200000">
-            <a:off x="3008865" y="4552986"/>
+            <a:off x="3008865" y="4464086"/>
             <a:ext cx="699756" cy="276999"/>
           </a:xfrm>
           <a:prstGeom prst="rect">
@@ -4485,7 +4485,7 @@
         </p:nvCxnSpPr>
         <p:spPr>
           <a:xfrm>
-            <a:off x="3268100" y="7105371"/>
+            <a:off x="3268100" y="7041871"/>
             <a:ext cx="190500" cy="0"/>
           </a:xfrm>
           <a:prstGeom prst="line">
@@ -4521,7 +4521,7 @@
         </p:nvSpPr>
         <p:spPr>
           <a:xfrm rot="16200000">
-            <a:off x="3110416" y="6752787"/>
+            <a:off x="3110416" y="6689287"/>
             <a:ext cx="496650" cy="276999"/>
           </a:xfrm>
           <a:prstGeom prst="rect">
@@ -4551,7 +4551,7 @@
         </p:nvCxnSpPr>
         <p:spPr>
           <a:xfrm>
-            <a:off x="3268100" y="7655692"/>
+            <a:off x="3268100" y="7642992"/>
             <a:ext cx="190500" cy="0"/>
           </a:xfrm>
           <a:prstGeom prst="line">
@@ -4587,7 +4587,7 @@
         </p:nvSpPr>
         <p:spPr>
           <a:xfrm rot="16200000">
-            <a:off x="3110416" y="7315807"/>
+            <a:off x="3110416" y="7303107"/>
             <a:ext cx="496650" cy="276999"/>
           </a:xfrm>
           <a:prstGeom prst="rect">
@@ -4617,7 +4617,7 @@
         </p:nvCxnSpPr>
         <p:spPr>
           <a:xfrm>
-            <a:off x="3264925" y="8218715"/>
+            <a:off x="3264925" y="8307615"/>
             <a:ext cx="190500" cy="0"/>
           </a:xfrm>
           <a:prstGeom prst="line">
@@ -4653,7 +4653,7 @@
         </p:nvSpPr>
         <p:spPr>
           <a:xfrm rot="16200000">
-            <a:off x="3110416" y="7884274"/>
+            <a:off x="3110416" y="7973174"/>
             <a:ext cx="496650" cy="276999"/>
           </a:xfrm>
           <a:prstGeom prst="rect">
@@ -4683,7 +4683,7 @@
         </p:nvCxnSpPr>
         <p:spPr>
           <a:xfrm>
-            <a:off x="3268100" y="6060403"/>
+            <a:off x="3268100" y="5971503"/>
             <a:ext cx="190500" cy="0"/>
           </a:xfrm>
           <a:prstGeom prst="line">
@@ -4719,7 +4719,7 @@
         </p:nvSpPr>
         <p:spPr>
           <a:xfrm rot="16200000">
-            <a:off x="3008864" y="5609515"/>
+            <a:off x="3008864" y="5520615"/>
             <a:ext cx="699756" cy="276999"/>
           </a:xfrm>
           <a:prstGeom prst="rect">
@@ -4988,8 +4988,8 @@
         </p:nvSpPr>
         <p:spPr>
           <a:xfrm>
-            <a:off x="3467489" y="6639813"/>
-            <a:ext cx="3365500" cy="2000548"/>
+            <a:off x="3454788" y="6639813"/>
+            <a:ext cx="3504812" cy="2000548"/>
           </a:xfrm>
           <a:prstGeom prst="rect">
             <a:avLst/>
@@ -5031,7 +5031,25 @@
             </a:r>
             <a:r>
               <a:rPr lang="en-US" sz="1000" dirty="0" smtClean="0"/>
-              <a:t>: scalable genome sequence polishing. </a:t>
+              <a:t>: scalable genome sequence </a:t>
+            </a:r>
+            <a:r>
+              <a:rPr lang="en-US" sz="1000" dirty="0" smtClean="0"/>
+              <a:t>   </a:t>
+            </a:r>
+          </a:p>
+          <a:p>
+            <a:r>
+              <a:rPr lang="en-US" sz="1000" dirty="0"/>
+              <a:t> </a:t>
+            </a:r>
+            <a:r>
+              <a:rPr lang="en-US" sz="1000" dirty="0" smtClean="0"/>
+              <a:t>polishing</a:t>
+            </a:r>
+            <a:r>
+              <a:rPr lang="en-US" sz="1000" dirty="0" smtClean="0"/>
+              <a:t>. </a:t>
             </a:r>
             <a:r>
               <a:rPr lang="en-US" sz="1000" i="1" dirty="0"/>
@@ -5077,7 +5095,21 @@
             </a:r>
             <a:r>
               <a:rPr lang="en-US" sz="1000" dirty="0"/>
-              <a:t>. LINKS: Scalable, alignment-free scaffolding </a:t>
+              <a:t>. LINKS: Scalable, alignment-free </a:t>
+            </a:r>
+            <a:r>
+              <a:rPr lang="en-US" sz="1000" dirty="0" smtClean="0"/>
+              <a:t> </a:t>
+            </a:r>
+          </a:p>
+          <a:p>
+            <a:r>
+              <a:rPr lang="en-US" sz="1000" dirty="0"/>
+              <a:t> </a:t>
+            </a:r>
+            <a:r>
+              <a:rPr lang="en-US" sz="1000" dirty="0" smtClean="0"/>
+              <a:t>scaffolding </a:t>
             </a:r>
             <a:r>
               <a:rPr lang="en-US" sz="1000" dirty="0" smtClean="0"/>
@@ -5146,7 +5178,22 @@
             </a:r>
             <a:r>
               <a:rPr lang="en-US" sz="1000" dirty="0" smtClean="0"/>
-              <a:t>2012. Derivation of HLA types from shotgun sequence datasets. </a:t>
+              <a:t>2012. Derivation of HLA types from shotgun </a:t>
+            </a:r>
+            <a:endParaRPr lang="en-US" sz="1000" dirty="0" smtClean="0"/>
+          </a:p>
+          <a:p>
+            <a:r>
+              <a:rPr lang="en-US" sz="1000" dirty="0"/>
+              <a:t> </a:t>
+            </a:r>
+            <a:r>
+              <a:rPr lang="en-US" sz="1000" dirty="0" smtClean="0"/>
+              <a:t>sequence </a:t>
+            </a:r>
+            <a:r>
+              <a:rPr lang="en-US" sz="1000" dirty="0" smtClean="0"/>
+              <a:t>datasets. </a:t>
             </a:r>
             <a:r>
               <a:rPr lang="en-US" sz="1000" i="1" dirty="0" smtClean="0"/>
@@ -5196,6 +5243,13 @@
               <a:rPr lang="en-US" sz="1000" i="1" dirty="0" smtClean="0"/>
               <a:t> </a:t>
             </a:r>
+            <a:endParaRPr lang="en-US" sz="1000" i="1" dirty="0" smtClean="0"/>
+          </a:p>
+          <a:p>
+            <a:r>
+              <a:rPr lang="en-US" sz="1000" i="1" dirty="0"/>
+              <a:t> </a:t>
+            </a:r>
             <a:r>
               <a:rPr lang="en-US" sz="1000" dirty="0" smtClean="0"/>
               <a:t>infection [</a:t>
@@ -5239,7 +5293,22 @@
             </a:r>
             <a:r>
               <a:rPr lang="en-US" sz="1000" dirty="0" smtClean="0"/>
-              <a:t> 2007. Assembling millions of short DNA sequences using SSAKE. </a:t>
+              <a:t> 2007. Assembling millions of short DNA </a:t>
+            </a:r>
+            <a:endParaRPr lang="en-US" sz="1000" dirty="0" smtClean="0"/>
+          </a:p>
+          <a:p>
+            <a:r>
+              <a:rPr lang="en-US" sz="1000" dirty="0"/>
+              <a:t> </a:t>
+            </a:r>
+            <a:r>
+              <a:rPr lang="en-US" sz="1000" dirty="0" smtClean="0"/>
+              <a:t>sequences </a:t>
+            </a:r>
+            <a:r>
+              <a:rPr lang="en-US" sz="1000" dirty="0" smtClean="0"/>
+              <a:t>using SSAKE. </a:t>
             </a:r>
             <a:r>
               <a:rPr lang="en-US" sz="1000" i="1" dirty="0" smtClean="0"/>
@@ -5265,7 +5334,7 @@
         </p:nvSpPr>
         <p:spPr>
           <a:xfrm>
-            <a:off x="3826934" y="4813303"/>
+            <a:off x="3826934" y="4864103"/>
             <a:ext cx="2578100" cy="249766"/>
           </a:xfrm>
           <a:prstGeom prst="rect">
@@ -5365,15 +5434,15 @@
                   <a:schemeClr val="tx1"/>
                 </a:solidFill>
               </a:rPr>
-              <a:t>reviewed [</a:t>
-            </a:r>
-            <a:r>
-              <a:rPr lang="en-US" sz="1000" b="1" i="1" dirty="0">
+              <a:t>reviewed </a:t>
+            </a:r>
+            <a:r>
+              <a:rPr lang="en-US" sz="1000" b="1" i="1" dirty="0" smtClean="0">
                 <a:solidFill>
                   <a:schemeClr val="tx1"/>
                 </a:solidFill>
               </a:rPr>
-              <a:t>23 </a:t>
+              <a:t>| 23 </a:t>
             </a:r>
             <a:r>
               <a:rPr lang="en-US" sz="1000" b="1" i="1" dirty="0" smtClean="0">
@@ -5384,12 +5453,20 @@
               <a:t>lead </a:t>
             </a:r>
             <a:r>
+              <a:rPr lang="en-US" sz="1000" b="1" i="1" dirty="0" smtClean="0">
+                <a:solidFill>
+                  <a:schemeClr val="tx1"/>
+                </a:solidFill>
+              </a:rPr>
+              <a:t>author</a:t>
+            </a:r>
+            <a:r>
               <a:rPr lang="en-US" sz="1000" b="1" i="1" dirty="0">
                 <a:solidFill>
                   <a:schemeClr val="tx1"/>
                 </a:solidFill>
               </a:rPr>
-              <a:t>author] </a:t>
+              <a:t> </a:t>
             </a:r>
           </a:p>
         </p:txBody>

--- a/cv/CV_RWARREN_PPT.pptx
+++ b/cv/CV_RWARREN_PPT.pptx
@@ -288,7 +288,7 @@
           <a:p>
             <a:fld id="{12CDA68D-1A1F-6346-A281-652CBF222AD7}" type="datetimeFigureOut">
               <a:rPr lang="en-US" smtClean="0"/>
-              <a:t>19-10-16</a:t>
+              <a:t>19-10-20</a:t>
             </a:fld>
             <a:endParaRPr lang="en-US"/>
           </a:p>
@@ -458,7 +458,7 @@
           <a:p>
             <a:fld id="{12CDA68D-1A1F-6346-A281-652CBF222AD7}" type="datetimeFigureOut">
               <a:rPr lang="en-US" smtClean="0"/>
-              <a:t>19-10-16</a:t>
+              <a:t>19-10-20</a:t>
             </a:fld>
             <a:endParaRPr lang="en-US"/>
           </a:p>
@@ -638,7 +638,7 @@
           <a:p>
             <a:fld id="{12CDA68D-1A1F-6346-A281-652CBF222AD7}" type="datetimeFigureOut">
               <a:rPr lang="en-US" smtClean="0"/>
-              <a:t>19-10-16</a:t>
+              <a:t>19-10-20</a:t>
             </a:fld>
             <a:endParaRPr lang="en-US"/>
           </a:p>
@@ -808,7 +808,7 @@
           <a:p>
             <a:fld id="{12CDA68D-1A1F-6346-A281-652CBF222AD7}" type="datetimeFigureOut">
               <a:rPr lang="en-US" smtClean="0"/>
-              <a:t>19-10-16</a:t>
+              <a:t>19-10-20</a:t>
             </a:fld>
             <a:endParaRPr lang="en-US"/>
           </a:p>
@@ -1054,7 +1054,7 @@
           <a:p>
             <a:fld id="{12CDA68D-1A1F-6346-A281-652CBF222AD7}" type="datetimeFigureOut">
               <a:rPr lang="en-US" smtClean="0"/>
-              <a:t>19-10-16</a:t>
+              <a:t>19-10-20</a:t>
             </a:fld>
             <a:endParaRPr lang="en-US"/>
           </a:p>
@@ -1342,7 +1342,7 @@
           <a:p>
             <a:fld id="{12CDA68D-1A1F-6346-A281-652CBF222AD7}" type="datetimeFigureOut">
               <a:rPr lang="en-US" smtClean="0"/>
-              <a:t>19-10-16</a:t>
+              <a:t>19-10-20</a:t>
             </a:fld>
             <a:endParaRPr lang="en-US"/>
           </a:p>
@@ -1769,7 +1769,7 @@
           <a:p>
             <a:fld id="{12CDA68D-1A1F-6346-A281-652CBF222AD7}" type="datetimeFigureOut">
               <a:rPr lang="en-US" smtClean="0"/>
-              <a:t>19-10-16</a:t>
+              <a:t>19-10-20</a:t>
             </a:fld>
             <a:endParaRPr lang="en-US"/>
           </a:p>
@@ -1887,7 +1887,7 @@
           <a:p>
             <a:fld id="{12CDA68D-1A1F-6346-A281-652CBF222AD7}" type="datetimeFigureOut">
               <a:rPr lang="en-US" smtClean="0"/>
-              <a:t>19-10-16</a:t>
+              <a:t>19-10-20</a:t>
             </a:fld>
             <a:endParaRPr lang="en-US"/>
           </a:p>
@@ -1982,7 +1982,7 @@
           <a:p>
             <a:fld id="{12CDA68D-1A1F-6346-A281-652CBF222AD7}" type="datetimeFigureOut">
               <a:rPr lang="en-US" smtClean="0"/>
-              <a:t>19-10-16</a:t>
+              <a:t>19-10-20</a:t>
             </a:fld>
             <a:endParaRPr lang="en-US"/>
           </a:p>
@@ -2259,7 +2259,7 @@
           <a:p>
             <a:fld id="{12CDA68D-1A1F-6346-A281-652CBF222AD7}" type="datetimeFigureOut">
               <a:rPr lang="en-US" smtClean="0"/>
-              <a:t>19-10-16</a:t>
+              <a:t>19-10-20</a:t>
             </a:fld>
             <a:endParaRPr lang="en-US"/>
           </a:p>
@@ -2512,7 +2512,7 @@
           <a:p>
             <a:fld id="{12CDA68D-1A1F-6346-A281-652CBF222AD7}" type="datetimeFigureOut">
               <a:rPr lang="en-US" smtClean="0"/>
-              <a:t>19-10-16</a:t>
+              <a:t>19-10-20</a:t>
             </a:fld>
             <a:endParaRPr lang="en-US"/>
           </a:p>
@@ -2725,7 +2725,7 @@
           <a:p>
             <a:fld id="{12CDA68D-1A1F-6346-A281-652CBF222AD7}" type="datetimeFigureOut">
               <a:rPr lang="en-US" smtClean="0"/>
-              <a:t>19-10-16</a:t>
+              <a:t>19-10-20</a:t>
             </a:fld>
             <a:endParaRPr lang="en-US"/>
           </a:p>
@@ -3109,7 +3109,7 @@
         <p:spPr>
           <a:xfrm>
             <a:off x="25528" y="2563285"/>
-            <a:ext cx="3471333" cy="6186309"/>
+            <a:ext cx="3471333" cy="6494085"/>
           </a:xfrm>
           <a:prstGeom prst="rect">
             <a:avLst/>
@@ -3141,11 +3141,7 @@
           <a:p>
             <a:r>
               <a:rPr lang="en-US" sz="1600" b="1" i="1" dirty="0" smtClean="0"/>
-              <a:t>Group </a:t>
-            </a:r>
-            <a:r>
-              <a:rPr lang="en-US" sz="1600" b="1" i="1" dirty="0" smtClean="0"/>
-              <a:t>Leader</a:t>
+              <a:t>Group Leader</a:t>
             </a:r>
             <a:endParaRPr lang="en-US" sz="1600" dirty="0"/>
           </a:p>
@@ -3176,27 +3172,7 @@
             <a:pPr lvl="0" fontAlgn="base"/>
             <a:r>
               <a:rPr lang="en-US" sz="1200" dirty="0" smtClean="0"/>
-              <a:t>Research</a:t>
-            </a:r>
-            <a:r>
-              <a:rPr lang="en-US" sz="1200" dirty="0" smtClean="0"/>
-              <a:t> </a:t>
-            </a:r>
-            <a:r>
-              <a:rPr lang="en-US" sz="1200" dirty="0" smtClean="0"/>
-              <a:t>project </a:t>
-            </a:r>
-            <a:r>
-              <a:rPr lang="en-US" sz="1200" dirty="0" smtClean="0"/>
-              <a:t>concept, management,</a:t>
-            </a:r>
-            <a:r>
-              <a:rPr lang="en-US" sz="1200" dirty="0" smtClean="0"/>
-              <a:t> </a:t>
-            </a:r>
-            <a:r>
-              <a:rPr lang="en-US" sz="1200" dirty="0" smtClean="0"/>
-              <a:t>guidance</a:t>
+              <a:t>Research project concept, management, guidance</a:t>
             </a:r>
             <a:endParaRPr lang="en-US" sz="1200" dirty="0"/>
           </a:p>
@@ -3297,11 +3273,7 @@
           <a:p>
             <a:r>
               <a:rPr lang="en-US" sz="1600" b="1" i="1" dirty="0" smtClean="0"/>
-              <a:t>Technical </a:t>
-            </a:r>
-            <a:r>
-              <a:rPr lang="en-US" sz="1600" b="1" i="1" dirty="0" smtClean="0"/>
-              <a:t>Officer</a:t>
+              <a:t>Technical Officer</a:t>
             </a:r>
             <a:endParaRPr lang="en-US" sz="1600" dirty="0"/>
           </a:p>
@@ -3373,51 +3345,133 @@
               <a:t>Certificate</a:t>
             </a:r>
             <a:r>
+              <a:rPr lang="en-US" sz="1200" b="1" dirty="0"/>
+              <a:t>	</a:t>
+            </a:r>
+            <a:r>
+              <a:rPr lang="en-US" sz="1200" b="1" dirty="0" smtClean="0"/>
+              <a:t> Concordia </a:t>
+            </a:r>
+            <a:r>
+              <a:rPr lang="en-US" sz="1200" b="1" dirty="0"/>
+              <a:t>University</a:t>
+            </a:r>
+            <a:endParaRPr lang="en-US" sz="1200" dirty="0"/>
+          </a:p>
+          <a:p>
+            <a:r>
+              <a:rPr lang="en-US" sz="1200" dirty="0" smtClean="0"/>
+              <a:t>		 Computer </a:t>
+            </a:r>
+            <a:r>
+              <a:rPr lang="en-US" sz="1200" dirty="0" smtClean="0"/>
+              <a:t>Science</a:t>
+            </a:r>
+          </a:p>
+          <a:p>
+            <a:r>
+              <a:rPr lang="en-US" sz="1200" dirty="0" smtClean="0"/>
+              <a:t>		</a:t>
+            </a:r>
+            <a:endParaRPr lang="en-US" sz="1000" b="1" dirty="0" smtClean="0"/>
+          </a:p>
+          <a:p>
+            <a:endParaRPr lang="en-US" sz="400" b="1" dirty="0" smtClean="0"/>
+          </a:p>
+          <a:p>
+            <a:r>
+              <a:rPr lang="en-US" sz="1600" b="1" dirty="0" smtClean="0"/>
+              <a:t>	 MSc</a:t>
+            </a:r>
+            <a:r>
+              <a:rPr lang="en-US" sz="1600" b="1" dirty="0"/>
+              <a:t>	</a:t>
+            </a:r>
+            <a:r>
+              <a:rPr lang="en-US" sz="1600" b="1" dirty="0" smtClean="0"/>
+              <a:t> </a:t>
+            </a:r>
+            <a:r>
+              <a:rPr lang="en-US" sz="1200" b="1" dirty="0" smtClean="0"/>
+              <a:t>University </a:t>
+            </a:r>
+            <a:r>
+              <a:rPr lang="en-US" sz="1200" b="1" dirty="0"/>
+              <a:t>of British </a:t>
+            </a:r>
+            <a:r>
+              <a:rPr lang="en-US" sz="1200" b="1" dirty="0" smtClean="0"/>
+              <a:t>Columbia</a:t>
+            </a:r>
+          </a:p>
+          <a:p>
+            <a:r>
+              <a:rPr lang="en-US" sz="1200" b="1" dirty="0"/>
+              <a:t>	</a:t>
+            </a:r>
+            <a:r>
+              <a:rPr lang="en-US" sz="1200" b="1" dirty="0" smtClean="0"/>
+              <a:t>	 </a:t>
+            </a:r>
+            <a:r>
+              <a:rPr lang="en-US" sz="1200" dirty="0" smtClean="0"/>
+              <a:t>Biochemistry </a:t>
+            </a:r>
+            <a:r>
+              <a:rPr lang="en-US" sz="1200" dirty="0"/>
+              <a:t>&amp; Molecular </a:t>
+            </a:r>
+            <a:r>
+              <a:rPr lang="en-US" sz="1200" dirty="0" smtClean="0"/>
+              <a:t>Biology</a:t>
+            </a:r>
+          </a:p>
+          <a:p>
+            <a:r>
+              <a:rPr lang="en-US" sz="1200" b="1" dirty="0"/>
+              <a:t>	</a:t>
+            </a:r>
+            <a:r>
               <a:rPr lang="en-US" sz="1200" b="1" dirty="0" smtClean="0"/>
               <a:t>	</a:t>
             </a:r>
             <a:r>
+              <a:rPr lang="en-US" sz="1000" dirty="0" smtClean="0"/>
+              <a:t>         </a:t>
+            </a:r>
+            <a:endParaRPr lang="en-US" sz="1000" dirty="0" smtClean="0"/>
+          </a:p>
+          <a:p>
+            <a:endParaRPr lang="en-US" sz="400" dirty="0" smtClean="0"/>
+          </a:p>
+          <a:p>
+            <a:r>
+              <a:rPr lang="en-US" sz="1600" b="1" dirty="0" smtClean="0"/>
+              <a:t>	  BSc</a:t>
+            </a:r>
+            <a:r>
+              <a:rPr lang="en-US" sz="1600" b="1" dirty="0"/>
+              <a:t>	</a:t>
+            </a:r>
+            <a:r>
+              <a:rPr lang="en-US" sz="1600" b="1" dirty="0" smtClean="0"/>
+              <a:t> </a:t>
+            </a:r>
+            <a:r>
+              <a:rPr lang="en-US" sz="1200" b="1" dirty="0" err="1" smtClean="0"/>
+              <a:t>Université</a:t>
+            </a:r>
+            <a:r>
               <a:rPr lang="en-US" sz="1200" b="1" dirty="0" smtClean="0"/>
               <a:t> </a:t>
             </a:r>
             <a:r>
-              <a:rPr lang="en-US" sz="1200" dirty="0" smtClean="0"/>
-              <a:t>Computer Science</a:t>
-            </a:r>
-          </a:p>
-          <a:p>
-            <a:r>
-              <a:rPr lang="en-US" sz="1200" dirty="0" smtClean="0"/>
-              <a:t>		 </a:t>
+              <a:rPr lang="en-US" sz="1200" b="1" dirty="0"/>
+              <a:t>de </a:t>
             </a:r>
             <a:r>
               <a:rPr lang="en-US" sz="1200" b="1" dirty="0" smtClean="0"/>
-              <a:t>Concordia University</a:t>
-            </a:r>
-            <a:endParaRPr lang="en-US" sz="1200" dirty="0"/>
-          </a:p>
-          <a:p>
-            <a:endParaRPr lang="en-US" sz="1000" b="1" dirty="0" smtClean="0"/>
-          </a:p>
-          <a:p>
-            <a:endParaRPr lang="en-US" sz="400" b="1" dirty="0" smtClean="0"/>
-          </a:p>
-          <a:p>
-            <a:r>
-              <a:rPr lang="en-US" sz="1600" b="1" dirty="0" smtClean="0"/>
-              <a:t>MSc		 </a:t>
-            </a:r>
-            <a:r>
-              <a:rPr lang="en-US" sz="1200" dirty="0" smtClean="0"/>
-              <a:t>Biochemistry </a:t>
-            </a:r>
-            <a:r>
-              <a:rPr lang="en-US" sz="1200" dirty="0"/>
-              <a:t>&amp; Molecular </a:t>
-            </a:r>
-            <a:r>
-              <a:rPr lang="en-US" sz="1200" dirty="0" smtClean="0"/>
-              <a:t>Biology</a:t>
+              <a:t>Montréal</a:t>
             </a:r>
           </a:p>
           <a:p>
@@ -3427,28 +3481,7 @@
             </a:r>
             <a:r>
               <a:rPr lang="en-US" sz="1200" b="1" dirty="0" smtClean="0"/>
-              <a:t>	 U</a:t>
-            </a:r>
-            <a:r>
-              <a:rPr lang="en-US" sz="1200" b="1" dirty="0" smtClean="0"/>
-              <a:t>niversity of British Columbia</a:t>
-            </a:r>
-            <a:endParaRPr lang="en-US" sz="1200" dirty="0"/>
-          </a:p>
-          <a:p>
-            <a:r>
-              <a:rPr lang="en-US" sz="1000" dirty="0" smtClean="0"/>
-              <a:t>         </a:t>
-            </a:r>
-            <a:endParaRPr lang="en-US" sz="1000" dirty="0" smtClean="0"/>
-          </a:p>
-          <a:p>
-            <a:endParaRPr lang="en-US" sz="400" dirty="0" smtClean="0"/>
-          </a:p>
-          <a:p>
-            <a:r>
-              <a:rPr lang="en-US" sz="1600" b="1" dirty="0" smtClean="0"/>
-              <a:t>BSc		 </a:t>
+              <a:t>	 </a:t>
             </a:r>
             <a:r>
               <a:rPr lang="en-US" sz="1200" dirty="0" smtClean="0"/>
@@ -3474,23 +3507,7 @@
           <a:p>
             <a:r>
               <a:rPr lang="en-US" sz="1200" b="1" dirty="0" smtClean="0"/>
-              <a:t>		 </a:t>
-            </a:r>
-            <a:r>
-              <a:rPr lang="en-US" sz="1200" b="1" dirty="0" err="1" smtClean="0"/>
-              <a:t>U</a:t>
-            </a:r>
-            <a:r>
-              <a:rPr lang="en-US" sz="1200" b="1" dirty="0" err="1" smtClean="0"/>
-              <a:t>niversité</a:t>
-            </a:r>
-            <a:r>
-              <a:rPr lang="en-US" sz="1200" b="1" dirty="0" smtClean="0"/>
-              <a:t> </a:t>
-            </a:r>
-            <a:r>
-              <a:rPr lang="en-US" sz="1200" b="1" dirty="0"/>
-              <a:t>de Montréal</a:t>
+              <a:t>		</a:t>
             </a:r>
             <a:endParaRPr lang="en-US" sz="1200" dirty="0"/>
           </a:p>
@@ -3892,9 +3909,17 @@
                   <a:srgbClr val="FFFFFF"/>
                 </a:solidFill>
               </a:rPr>
-              <a:t>PRESENTATIONS</a:t>
-            </a:r>
-            <a:endParaRPr lang="en-US" dirty="0">
+              <a:t>P</a:t>
+            </a:r>
+            <a:r>
+              <a:rPr lang="en-US" sz="1700" dirty="0" smtClean="0">
+                <a:solidFill>
+                  <a:srgbClr val="FFFFFF"/>
+                </a:solidFill>
+              </a:rPr>
+              <a:t>RESENTATIONS</a:t>
+            </a:r>
+            <a:endParaRPr lang="en-US" sz="1700" dirty="0">
               <a:solidFill>
                 <a:srgbClr val="FFFFFF"/>
               </a:solidFill>
@@ -4127,19 +4152,7 @@
             </a:r>
             <a:r>
               <a:rPr lang="en-US" sz="1350" dirty="0" smtClean="0"/>
-              <a:t>bullfrog </a:t>
-            </a:r>
-            <a:r>
-              <a:rPr lang="en-US" sz="1350" dirty="0" smtClean="0"/>
-              <a:t>&amp; </a:t>
-            </a:r>
-            <a:r>
-              <a:rPr lang="en-US" sz="1350" dirty="0" smtClean="0"/>
-              <a:t>spruce </a:t>
-            </a:r>
-            <a:r>
-              <a:rPr lang="en-US" sz="1350" dirty="0" smtClean="0"/>
-              <a:t>genomes</a:t>
+              <a:t>bullfrog &amp; spruce genomes</a:t>
             </a:r>
             <a:endParaRPr lang="en-US" sz="1350" dirty="0"/>
           </a:p>
@@ -4319,7 +4332,31 @@
                   <a:srgbClr val="FFFFFF"/>
                 </a:solidFill>
               </a:rPr>
-              <a:t>                   Seeking </a:t>
+              <a:t>             </a:t>
+            </a:r>
+            <a:r>
+              <a:rPr lang="en-US" dirty="0" smtClean="0">
+                <a:solidFill>
+                  <a:srgbClr val="FFFFFF"/>
+                </a:solidFill>
+              </a:rPr>
+              <a:t>       </a:t>
+            </a:r>
+            <a:r>
+              <a:rPr lang="en-US" dirty="0" smtClean="0">
+                <a:solidFill>
+                  <a:srgbClr val="FFFFFF"/>
+                </a:solidFill>
+              </a:rPr>
+              <a:t>S</a:t>
+            </a:r>
+            <a:r>
+              <a:rPr lang="en-US" dirty="0" smtClean="0">
+                <a:solidFill>
+                  <a:srgbClr val="FFFFFF"/>
+                </a:solidFill>
+              </a:rPr>
+              <a:t>eeking </a:t>
             </a:r>
             <a:r>
               <a:rPr lang="en-US" dirty="0">
@@ -4327,7 +4364,23 @@
                   <a:srgbClr val="FFFFFF"/>
                 </a:solidFill>
               </a:rPr>
-              <a:t>new challenges &amp; additional </a:t>
+              <a:t>new </a:t>
+            </a:r>
+            <a:r>
+              <a:rPr lang="en-US" dirty="0" err="1" smtClean="0">
+                <a:solidFill>
+                  <a:srgbClr val="FFFFFF"/>
+                </a:solidFill>
+              </a:rPr>
+              <a:t>challenges|additional</a:t>
+            </a:r>
+            <a:r>
+              <a:rPr lang="en-US" dirty="0" smtClean="0">
+                <a:solidFill>
+                  <a:srgbClr val="FFFFFF"/>
+                </a:solidFill>
+              </a:rPr>
+              <a:t> </a:t>
             </a:r>
             <a:r>
               <a:rPr lang="en-US" dirty="0" smtClean="0">
@@ -4485,7 +4538,7 @@
         </p:nvCxnSpPr>
         <p:spPr>
           <a:xfrm>
-            <a:off x="3268100" y="7041871"/>
+            <a:off x="3264925" y="7016472"/>
             <a:ext cx="190500" cy="0"/>
           </a:xfrm>
           <a:prstGeom prst="line">
@@ -4521,7 +4574,7 @@
         </p:nvSpPr>
         <p:spPr>
           <a:xfrm rot="16200000">
-            <a:off x="3110416" y="6689287"/>
+            <a:off x="3110417" y="6651188"/>
             <a:ext cx="496650" cy="276999"/>
           </a:xfrm>
           <a:prstGeom prst="rect">
@@ -4551,7 +4604,7 @@
         </p:nvCxnSpPr>
         <p:spPr>
           <a:xfrm>
-            <a:off x="3268100" y="7642992"/>
+            <a:off x="3264925" y="7693792"/>
             <a:ext cx="190500" cy="0"/>
           </a:xfrm>
           <a:prstGeom prst="line">
@@ -4587,7 +4640,7 @@
         </p:nvSpPr>
         <p:spPr>
           <a:xfrm rot="16200000">
-            <a:off x="3110416" y="7303107"/>
+            <a:off x="3110417" y="7328507"/>
             <a:ext cx="496650" cy="276999"/>
           </a:xfrm>
           <a:prstGeom prst="rect">
@@ -4617,7 +4670,7 @@
         </p:nvCxnSpPr>
         <p:spPr>
           <a:xfrm>
-            <a:off x="3264925" y="8307615"/>
+            <a:off x="3261750" y="8358415"/>
             <a:ext cx="190500" cy="0"/>
           </a:xfrm>
           <a:prstGeom prst="line">
@@ -4653,7 +4706,7 @@
         </p:nvSpPr>
         <p:spPr>
           <a:xfrm rot="16200000">
-            <a:off x="3110416" y="7973174"/>
+            <a:off x="3110417" y="7998574"/>
             <a:ext cx="496650" cy="276999"/>
           </a:xfrm>
           <a:prstGeom prst="rect">
@@ -4926,9 +4979,17 @@
                   <a:srgbClr val="FFFFFF"/>
                 </a:solidFill>
               </a:rPr>
-              <a:t>EXPERIENCE</a:t>
-            </a:r>
-            <a:endParaRPr lang="en-US" dirty="0">
+              <a:t>E</a:t>
+            </a:r>
+            <a:r>
+              <a:rPr lang="en-US" sz="1700" dirty="0" smtClean="0">
+                <a:solidFill>
+                  <a:srgbClr val="FFFFFF"/>
+                </a:solidFill>
+              </a:rPr>
+              <a:t>XPERIENCE</a:t>
+            </a:r>
+            <a:endParaRPr lang="en-US" sz="1700" dirty="0">
               <a:solidFill>
                 <a:srgbClr val="FFFFFF"/>
               </a:solidFill>
@@ -4970,9 +5031,17 @@
                   <a:srgbClr val="FFFFFF"/>
                 </a:solidFill>
               </a:rPr>
-              <a:t>ACCOLADES</a:t>
-            </a:r>
-            <a:endParaRPr lang="en-US" dirty="0">
+              <a:t>A</a:t>
+            </a:r>
+            <a:r>
+              <a:rPr lang="en-US" sz="1700" dirty="0" smtClean="0">
+                <a:solidFill>
+                  <a:srgbClr val="FFFFFF"/>
+                </a:solidFill>
+              </a:rPr>
+              <a:t>CCOLADES</a:t>
+            </a:r>
+            <a:endParaRPr lang="en-US" sz="1700" dirty="0">
               <a:solidFill>
                 <a:srgbClr val="FFFFFF"/>
               </a:solidFill>
@@ -5031,11 +5100,7 @@
             </a:r>
             <a:r>
               <a:rPr lang="en-US" sz="1000" dirty="0" smtClean="0"/>
-              <a:t>: scalable genome sequence </a:t>
-            </a:r>
-            <a:r>
-              <a:rPr lang="en-US" sz="1000" dirty="0" smtClean="0"/>
-              <a:t>   </a:t>
+              <a:t>: scalable genome sequence    </a:t>
             </a:r>
           </a:p>
           <a:p>
@@ -5045,11 +5110,7 @@
             </a:r>
             <a:r>
               <a:rPr lang="en-US" sz="1000" dirty="0" smtClean="0"/>
-              <a:t>polishing</a:t>
-            </a:r>
-            <a:r>
-              <a:rPr lang="en-US" sz="1000" dirty="0" smtClean="0"/>
-              <a:t>. </a:t>
+              <a:t>polishing. </a:t>
             </a:r>
             <a:r>
               <a:rPr lang="en-US" sz="1000" i="1" dirty="0"/>
@@ -5109,11 +5170,7 @@
             </a:r>
             <a:r>
               <a:rPr lang="en-US" sz="1000" dirty="0" smtClean="0"/>
-              <a:t>scaffolding </a:t>
-            </a:r>
-            <a:r>
-              <a:rPr lang="en-US" sz="1000" dirty="0" smtClean="0"/>
-              <a:t>[</a:t>
+              <a:t>scaffolding [</a:t>
             </a:r>
             <a:r>
               <a:rPr lang="is-IS" sz="1000" dirty="0" smtClean="0"/>
@@ -5180,7 +5237,6 @@
               <a:rPr lang="en-US" sz="1000" dirty="0" smtClean="0"/>
               <a:t>2012. Derivation of HLA types from shotgun </a:t>
             </a:r>
-            <a:endParaRPr lang="en-US" sz="1000" dirty="0" smtClean="0"/>
           </a:p>
           <a:p>
             <a:r>
@@ -5189,11 +5245,7 @@
             </a:r>
             <a:r>
               <a:rPr lang="en-US" sz="1000" dirty="0" smtClean="0"/>
-              <a:t>sequence </a:t>
-            </a:r>
-            <a:r>
-              <a:rPr lang="en-US" sz="1000" dirty="0" smtClean="0"/>
-              <a:t>datasets. </a:t>
+              <a:t>sequence datasets. </a:t>
             </a:r>
             <a:r>
               <a:rPr lang="en-US" sz="1000" i="1" dirty="0" smtClean="0"/>
@@ -5243,7 +5295,6 @@
               <a:rPr lang="en-US" sz="1000" i="1" dirty="0" smtClean="0"/>
               <a:t> </a:t>
             </a:r>
-            <a:endParaRPr lang="en-US" sz="1000" i="1" dirty="0" smtClean="0"/>
           </a:p>
           <a:p>
             <a:r>
@@ -5295,7 +5346,6 @@
               <a:rPr lang="en-US" sz="1000" dirty="0" smtClean="0"/>
               <a:t> 2007. Assembling millions of short DNA </a:t>
             </a:r>
-            <a:endParaRPr lang="en-US" sz="1000" dirty="0" smtClean="0"/>
           </a:p>
           <a:p>
             <a:r>
@@ -5304,11 +5354,7 @@
             </a:r>
             <a:r>
               <a:rPr lang="en-US" sz="1000" dirty="0" smtClean="0"/>
-              <a:t>sequences </a:t>
-            </a:r>
-            <a:r>
-              <a:rPr lang="en-US" sz="1000" dirty="0" smtClean="0"/>
-              <a:t>using SSAKE. </a:t>
+              <a:t>sequences using SSAKE. </a:t>
             </a:r>
             <a:r>
               <a:rPr lang="en-US" sz="1000" i="1" dirty="0" smtClean="0"/>
@@ -5434,31 +5480,7 @@
                   <a:schemeClr val="tx1"/>
                 </a:solidFill>
               </a:rPr>
-              <a:t>reviewed </a:t>
-            </a:r>
-            <a:r>
-              <a:rPr lang="en-US" sz="1000" b="1" i="1" dirty="0" smtClean="0">
-                <a:solidFill>
-                  <a:schemeClr val="tx1"/>
-                </a:solidFill>
-              </a:rPr>
-              <a:t>| 23 </a:t>
-            </a:r>
-            <a:r>
-              <a:rPr lang="en-US" sz="1000" b="1" i="1" dirty="0" smtClean="0">
-                <a:solidFill>
-                  <a:schemeClr val="tx1"/>
-                </a:solidFill>
-              </a:rPr>
-              <a:t>lead </a:t>
-            </a:r>
-            <a:r>
-              <a:rPr lang="en-US" sz="1000" b="1" i="1" dirty="0" smtClean="0">
-                <a:solidFill>
-                  <a:schemeClr val="tx1"/>
-                </a:solidFill>
-              </a:rPr>
-              <a:t>author</a:t>
+              <a:t>reviewed | 23 lead author</a:t>
             </a:r>
             <a:r>
               <a:rPr lang="en-US" sz="1000" b="1" i="1" dirty="0">
@@ -5577,9 +5599,17 @@
                   <a:srgbClr val="FFFFFF"/>
                 </a:solidFill>
               </a:rPr>
-              <a:t>EDUCATION</a:t>
-            </a:r>
-            <a:endParaRPr lang="en-US" dirty="0">
+              <a:t>E</a:t>
+            </a:r>
+            <a:r>
+              <a:rPr lang="en-US" sz="1700" dirty="0" smtClean="0">
+                <a:solidFill>
+                  <a:srgbClr val="FFFFFF"/>
+                </a:solidFill>
+              </a:rPr>
+              <a:t>DUCATION</a:t>
+            </a:r>
+            <a:endParaRPr lang="en-US" sz="1700" dirty="0">
               <a:solidFill>
                 <a:srgbClr val="FFFFFF"/>
               </a:solidFill>
@@ -5621,9 +5651,17 @@
                   <a:srgbClr val="FFFFFF"/>
                 </a:solidFill>
               </a:rPr>
-              <a:t>PUBLICATIONS</a:t>
-            </a:r>
-            <a:endParaRPr lang="en-US" dirty="0">
+              <a:t>P</a:t>
+            </a:r>
+            <a:r>
+              <a:rPr lang="en-US" sz="1700" dirty="0" smtClean="0">
+                <a:solidFill>
+                  <a:srgbClr val="FFFFFF"/>
+                </a:solidFill>
+              </a:rPr>
+              <a:t>UBLICATIONS</a:t>
+            </a:r>
+            <a:endParaRPr lang="en-US" sz="1700" dirty="0">
               <a:solidFill>
                 <a:srgbClr val="FFFFFF"/>
               </a:solidFill>

--- a/cv/CV_RWARREN_PPT.pptx
+++ b/cv/CV_RWARREN_PPT.pptx
@@ -3361,11 +3361,7 @@
           <a:p>
             <a:r>
               <a:rPr lang="en-US" sz="1200" dirty="0" smtClean="0"/>
-              <a:t>		 Computer </a:t>
-            </a:r>
-            <a:r>
-              <a:rPr lang="en-US" sz="1200" dirty="0" smtClean="0"/>
-              <a:t>Science</a:t>
+              <a:t>		 Computer Science</a:t>
             </a:r>
           </a:p>
           <a:p>
@@ -3439,7 +3435,6 @@
               <a:rPr lang="en-US" sz="1000" dirty="0" smtClean="0"/>
               <a:t>         </a:t>
             </a:r>
-            <a:endParaRPr lang="en-US" sz="1000" dirty="0" smtClean="0"/>
           </a:p>
           <a:p>
             <a:endParaRPr lang="en-US" sz="400" dirty="0" smtClean="0"/>
@@ -3526,7 +3521,7 @@
         <p:spPr>
           <a:xfrm>
             <a:off x="3469042" y="2697835"/>
-            <a:ext cx="3365500" cy="3816429"/>
+            <a:ext cx="3365500" cy="3770263"/>
           </a:xfrm>
           <a:prstGeom prst="rect">
             <a:avLst/>
@@ -3551,7 +3546,11 @@
           <a:p>
             <a:r>
               <a:rPr lang="en-US" sz="1100" dirty="0" smtClean="0"/>
-              <a:t>2015, 16              </a:t>
+              <a:t>2015, 16 </a:t>
+            </a:r>
+            <a:r>
+              <a:rPr lang="en-US" sz="1100" dirty="0" smtClean="0"/>
+              <a:t> </a:t>
             </a:r>
             <a:r>
               <a:rPr lang="en-US" sz="1100" b="1" dirty="0" smtClean="0"/>
@@ -3578,7 +3577,7 @@
           <a:p>
             <a:r>
               <a:rPr lang="en-US" sz="1100" dirty="0" smtClean="0"/>
-              <a:t>2011 NTN24 </a:t>
+              <a:t>       2011  </a:t>
             </a:r>
             <a:r>
               <a:rPr lang="en-US" sz="1100" b="1" dirty="0" smtClean="0"/>
@@ -3586,7 +3585,7 @@
             </a:r>
             <a:r>
               <a:rPr lang="en-US" sz="1100" dirty="0" smtClean="0"/>
-              <a:t>, </a:t>
+              <a:t> </a:t>
             </a:r>
             <a:r>
               <a:rPr lang="en-US" sz="1100" i="1" dirty="0" err="1" smtClean="0"/>
@@ -3600,7 +3599,7 @@
           <a:p>
             <a:r>
               <a:rPr lang="en-US" sz="1100" dirty="0" smtClean="0"/>
-              <a:t>2009         </a:t>
+              <a:t>       2009  </a:t>
             </a:r>
             <a:r>
               <a:rPr lang="en-US" sz="1100" i="1" dirty="0" smtClean="0"/>
@@ -3626,7 +3625,7 @@
           <a:p>
             <a:r>
               <a:rPr lang="en-US" sz="1100" dirty="0" smtClean="0"/>
-              <a:t>2007           </a:t>
+              <a:t>       2007  </a:t>
             </a:r>
             <a:r>
               <a:rPr lang="en-US" sz="1100" i="1" dirty="0" err="1" smtClean="0"/>
@@ -3648,7 +3647,7 @@
           <a:p>
             <a:r>
               <a:rPr lang="en-US" sz="1100" dirty="0" smtClean="0"/>
-              <a:t>1998                   </a:t>
+              <a:t>       1998  </a:t>
             </a:r>
             <a:r>
               <a:rPr lang="en-US" sz="1100" b="1" dirty="0" smtClean="0"/>
@@ -3662,7 +3661,7 @@
           <a:p>
             <a:r>
               <a:rPr lang="en-US" sz="1100" dirty="0" smtClean="0"/>
-              <a:t>1997                                          </a:t>
+              <a:t>       1997  </a:t>
             </a:r>
             <a:r>
               <a:rPr lang="en-US" sz="1100" b="1" dirty="0" smtClean="0"/>
@@ -3670,13 +3669,17 @@
             </a:r>
             <a:r>
               <a:rPr lang="en-US" sz="1100" dirty="0" smtClean="0"/>
-              <a:t> BSc FRSQ bursary</a:t>
-            </a:r>
-          </a:p>
-          <a:p>
+              <a:t> </a:t>
+            </a:r>
             <a:r>
               <a:rPr lang="en-US" sz="1100" dirty="0" smtClean="0"/>
-              <a:t>1996   </a:t>
+              <a:t>BSc FRSQ bursary</a:t>
+            </a:r>
+          </a:p>
+          <a:p>
+            <a:r>
+              <a:rPr lang="en-US" sz="1100" dirty="0" smtClean="0"/>
+              <a:t>       1996  </a:t>
             </a:r>
             <a:r>
               <a:rPr lang="en-US" sz="1100" b="1" dirty="0" smtClean="0"/>
@@ -3684,7 +3687,11 @@
             </a:r>
             <a:r>
               <a:rPr lang="en-US" sz="1100" dirty="0" smtClean="0"/>
-              <a:t> BSc FRSQ for </a:t>
+              <a:t> </a:t>
+            </a:r>
+            <a:r>
+              <a:rPr lang="en-US" sz="1100" dirty="0" smtClean="0"/>
+              <a:t>BSc FRSQ </a:t>
             </a:r>
             <a:r>
               <a:rPr lang="en-US" sz="1100" dirty="0" err="1" smtClean="0"/>
@@ -3692,13 +3699,17 @@
             </a:r>
             <a:r>
               <a:rPr lang="en-US" sz="1100" dirty="0" smtClean="0"/>
-              <a:t> research project </a:t>
-            </a:r>
-          </a:p>
-          <a:p>
+              <a:t> </a:t>
+            </a:r>
             <a:r>
               <a:rPr lang="en-US" sz="1100" dirty="0" smtClean="0"/>
-              <a:t>1995  </a:t>
+              <a:t>research project </a:t>
+            </a:r>
+          </a:p>
+          <a:p>
+            <a:r>
+              <a:rPr lang="en-US" sz="1100" dirty="0" smtClean="0"/>
+              <a:t>       1995  </a:t>
             </a:r>
             <a:r>
               <a:rPr lang="en-US" sz="1100" b="1" dirty="0" smtClean="0"/>
@@ -3706,24 +3717,37 @@
             </a:r>
             <a:r>
               <a:rPr lang="en-US" sz="1100" dirty="0" smtClean="0"/>
-              <a:t> at </a:t>
+              <a:t> </a:t>
+            </a:r>
+            <a:r>
+              <a:rPr lang="en-US" sz="1100" dirty="0" smtClean="0"/>
+              <a:t>at </a:t>
             </a:r>
             <a:r>
               <a:rPr lang="en-US" sz="1100" b="1" dirty="0" smtClean="0"/>
-              <a:t>NASA</a:t>
+              <a:t>NASA,</a:t>
             </a:r>
             <a:r>
               <a:rPr lang="en-US" sz="1100" dirty="0" smtClean="0"/>
-              <a:t>, CMIX-4 </a:t>
+              <a:t> </a:t>
+            </a:r>
+            <a:r>
+              <a:rPr lang="en-US" sz="1100" dirty="0" smtClean="0"/>
+              <a:t>CMIX-4 </a:t>
             </a:r>
             <a:r>
               <a:rPr lang="en-US" sz="1100" dirty="0"/>
-              <a:t>payload protein </a:t>
+              <a:t>payload </a:t>
             </a:r>
             <a:r>
               <a:rPr lang="en-US" sz="1100" dirty="0" smtClean="0"/>
-              <a:t>crystal.</a:t>
-            </a:r>
+              <a:t>crystal</a:t>
+            </a:r>
+            <a:r>
+              <a:rPr lang="en-US" sz="1100" dirty="0" smtClean="0"/>
+              <a:t>.</a:t>
+            </a:r>
+            <a:endParaRPr lang="en-US" sz="1100" dirty="0" smtClean="0"/>
           </a:p>
           <a:p>
             <a:endParaRPr lang="en-US" sz="800" dirty="0" smtClean="0"/>
@@ -3755,7 +3779,15 @@
           <a:p>
             <a:r>
               <a:rPr lang="en-US" sz="1100" dirty="0" smtClean="0"/>
-              <a:t>2017, 18         </a:t>
+              <a:t>      2017</a:t>
+            </a:r>
+            <a:r>
+              <a:rPr lang="en-US" sz="1100" dirty="0" smtClean="0"/>
+              <a:t>, </a:t>
+            </a:r>
+            <a:r>
+              <a:rPr lang="en-US" sz="1100" dirty="0" smtClean="0"/>
+              <a:t>18   </a:t>
             </a:r>
             <a:r>
               <a:rPr lang="en-US" sz="1100" b="1" dirty="0" smtClean="0"/>
@@ -3763,7 +3795,11 @@
             </a:r>
             <a:r>
               <a:rPr lang="en-US" sz="1100" dirty="0" smtClean="0"/>
-              <a:t> Hong Kong / Paris                 </a:t>
+              <a:t> </a:t>
+            </a:r>
+            <a:r>
+              <a:rPr lang="en-US" sz="1100" dirty="0" smtClean="0"/>
+              <a:t>Hong Kong / Paris                 </a:t>
             </a:r>
             <a:r>
               <a:rPr lang="en-US" sz="1100" b="1" dirty="0" smtClean="0"/>
@@ -3819,7 +3855,7 @@
           <a:p>
             <a:r>
               <a:rPr lang="en-US" sz="1100" dirty="0" smtClean="0"/>
-              <a:t>2010                </a:t>
+              <a:t>             2010   </a:t>
             </a:r>
             <a:r>
               <a:rPr lang="en-US" sz="1100" b="1" dirty="0" smtClean="0"/>
@@ -3827,7 +3863,11 @@
             </a:r>
             <a:r>
               <a:rPr lang="en-US" sz="1100" dirty="0" smtClean="0"/>
-              <a:t> Santa Fe                                          </a:t>
+              <a:t> </a:t>
+            </a:r>
+            <a:r>
+              <a:rPr lang="en-US" sz="1100" dirty="0" smtClean="0"/>
+              <a:t>Santa Fe                                          </a:t>
             </a:r>
             <a:r>
               <a:rPr lang="en-US" sz="1100" b="1" dirty="0" smtClean="0"/>
@@ -3838,19 +3878,15 @@
           <a:p>
             <a:r>
               <a:rPr lang="en-US" sz="1100" dirty="0" smtClean="0"/>
-              <a:t>2007</a:t>
-            </a:r>
-            <a:r>
-              <a:rPr lang="en-US" sz="1100" dirty="0"/>
-              <a:t> </a:t>
-            </a:r>
-            <a:r>
-              <a:rPr lang="en-US" sz="1100" dirty="0" smtClean="0"/>
-              <a:t>               </a:t>
+              <a:t>             2007   </a:t>
             </a:r>
             <a:r>
               <a:rPr lang="en-US" sz="1100" b="1" dirty="0" smtClean="0"/>
-              <a:t>Synthetic Biology </a:t>
+              <a:t>Synthetic </a:t>
+            </a:r>
+            <a:r>
+              <a:rPr lang="en-US" sz="1100" b="1" dirty="0" smtClean="0"/>
+              <a:t>Biology </a:t>
             </a:r>
             <a:r>
               <a:rPr lang="en-US" sz="1100" dirty="0" smtClean="0"/>
@@ -4085,8 +4121,8 @@
               <a:t> </a:t>
             </a:r>
             <a:r>
-              <a:rPr lang="en-US" sz="1350" dirty="0"/>
-              <a:t>the first </a:t>
+              <a:rPr lang="en-US" sz="1350" dirty="0" smtClean="0"/>
+              <a:t>   first </a:t>
             </a:r>
             <a:r>
               <a:rPr lang="en-US" sz="1350" i="1" dirty="0"/>
@@ -4112,12 +4148,32 @@
               <a:t> </a:t>
             </a:r>
             <a:r>
-              <a:rPr lang="en-US" sz="1350" i="1" dirty="0" err="1"/>
+              <a:rPr lang="en-US" sz="1350" dirty="0" smtClean="0"/>
+              <a:t>  </a:t>
+            </a:r>
+            <a:r>
+              <a:rPr lang="en-US" sz="1350" i="1" dirty="0" err="1" smtClean="0"/>
               <a:t>Fusobacterium</a:t>
             </a:r>
             <a:r>
+              <a:rPr lang="en-US" sz="1350" dirty="0" smtClean="0"/>
+              <a:t> </a:t>
+            </a:r>
+            <a:r>
               <a:rPr lang="en-US" sz="1350" dirty="0"/>
-              <a:t> in colon cancer, one of Time Magazine's 2011 top ten </a:t>
+              <a:t>in colon cancer, </a:t>
+            </a:r>
+            <a:r>
+              <a:rPr lang="en-US" sz="1350" dirty="0" smtClean="0"/>
+              <a:t>Time </a:t>
+            </a:r>
+            <a:r>
+              <a:rPr lang="en-US" sz="1350" dirty="0"/>
+              <a:t>Magazine's 2011 top </a:t>
+            </a:r>
+            <a:r>
+              <a:rPr lang="en-US" sz="1350" dirty="0" smtClean="0"/>
+              <a:t>10 </a:t>
             </a:r>
             <a:r>
               <a:rPr lang="en-US" sz="1350" dirty="0" smtClean="0"/>
@@ -4332,31 +4388,7 @@
                   <a:srgbClr val="FFFFFF"/>
                 </a:solidFill>
               </a:rPr>
-              <a:t>             </a:t>
-            </a:r>
-            <a:r>
-              <a:rPr lang="en-US" dirty="0" smtClean="0">
-                <a:solidFill>
-                  <a:srgbClr val="FFFFFF"/>
-                </a:solidFill>
-              </a:rPr>
-              <a:t>       </a:t>
-            </a:r>
-            <a:r>
-              <a:rPr lang="en-US" dirty="0" smtClean="0">
-                <a:solidFill>
-                  <a:srgbClr val="FFFFFF"/>
-                </a:solidFill>
-              </a:rPr>
-              <a:t>S</a:t>
-            </a:r>
-            <a:r>
-              <a:rPr lang="en-US" dirty="0" smtClean="0">
-                <a:solidFill>
-                  <a:srgbClr val="FFFFFF"/>
-                </a:solidFill>
-              </a:rPr>
-              <a:t>eeking </a:t>
+              <a:t>                    Seeking </a:t>
             </a:r>
             <a:r>
               <a:rPr lang="en-US" dirty="0">
@@ -4367,20 +4399,20 @@
               <a:t>new </a:t>
             </a:r>
             <a:r>
-              <a:rPr lang="en-US" dirty="0" err="1" smtClean="0">
-                <a:solidFill>
-                  <a:srgbClr val="FFFFFF"/>
-                </a:solidFill>
-              </a:rPr>
-              <a:t>challenges|additional</a:t>
-            </a:r>
-            <a:r>
               <a:rPr lang="en-US" dirty="0" smtClean="0">
                 <a:solidFill>
                   <a:srgbClr val="FFFFFF"/>
                 </a:solidFill>
               </a:rPr>
-              <a:t> </a:t>
+              <a:t>challenges</a:t>
+            </a:r>
+            <a:r>
+              <a:rPr lang="en-US" dirty="0" smtClean="0">
+                <a:solidFill>
+                  <a:srgbClr val="FFFFFF"/>
+                </a:solidFill>
+              </a:rPr>
+              <a:t>| Additional </a:t>
             </a:r>
             <a:r>
               <a:rPr lang="en-US" dirty="0" smtClean="0">

--- a/cv/CV_RWARREN_PPT.pptx
+++ b/cv/CV_RWARREN_PPT.pptx
@@ -3521,7 +3521,7 @@
         <p:spPr>
           <a:xfrm>
             <a:off x="3469042" y="2697835"/>
-            <a:ext cx="3365500" cy="3770263"/>
+            <a:ext cx="3365500" cy="3647152"/>
           </a:xfrm>
           <a:prstGeom prst="rect">
             <a:avLst/>
@@ -3736,20 +3736,9 @@
               <a:t>CMIX-4 </a:t>
             </a:r>
             <a:r>
-              <a:rPr lang="en-US" sz="1100" dirty="0"/>
-              <a:t>payload </a:t>
-            </a:r>
-            <a:r>
               <a:rPr lang="en-US" sz="1100" dirty="0" smtClean="0"/>
-              <a:t>crystal</a:t>
-            </a:r>
-            <a:r>
-              <a:rPr lang="en-US" sz="1100" dirty="0" smtClean="0"/>
-              <a:t>.</a:t>
-            </a:r>
-            <a:endParaRPr lang="en-US" sz="1100" dirty="0" smtClean="0"/>
-          </a:p>
-          <a:p>
+              <a:t>protein payload</a:t>
+            </a:r>
             <a:endParaRPr lang="en-US" sz="800" dirty="0" smtClean="0"/>
           </a:p>
           <a:p>
@@ -4114,52 +4103,56 @@
           <a:p>
             <a:r>
               <a:rPr lang="en-US" sz="1350" b="1" dirty="0" smtClean="0"/>
-              <a:t> Developed</a:t>
+              <a:t> </a:t>
+            </a:r>
+            <a:r>
+              <a:rPr lang="en-US" sz="1350" b="1" smtClean="0"/>
+              <a:t>    </a:t>
+            </a:r>
+            <a:r>
+              <a:rPr lang="en-US" sz="1350" b="1" dirty="0" smtClean="0"/>
+              <a:t>Developed</a:t>
+            </a:r>
+            <a:r>
+              <a:rPr lang="en-US" sz="1350" dirty="0" smtClean="0"/>
+              <a:t> first </a:t>
+            </a:r>
+            <a:r>
+              <a:rPr lang="en-US" sz="1350" i="1" dirty="0"/>
+              <a:t>de novo </a:t>
+            </a:r>
+            <a:r>
+              <a:rPr lang="en-US" sz="1350" dirty="0"/>
+              <a:t>genome assembly software (SSAKE) with short DNA </a:t>
+            </a:r>
+            <a:r>
+              <a:rPr lang="en-US" sz="1350" dirty="0" smtClean="0"/>
+              <a:t>sequences</a:t>
+            </a:r>
+            <a:endParaRPr lang="en-US" sz="1350" dirty="0"/>
+          </a:p>
+          <a:p>
+            <a:r>
+              <a:rPr lang="en-US" sz="1350" b="1" dirty="0" smtClean="0"/>
+              <a:t> </a:t>
+            </a:r>
+            <a:r>
+              <a:rPr lang="en-US" sz="1350" b="1" dirty="0" smtClean="0"/>
+              <a:t>   Discovered</a:t>
             </a:r>
             <a:r>
               <a:rPr lang="en-US" sz="1350" dirty="0" smtClean="0"/>
               <a:t> </a:t>
             </a:r>
             <a:r>
-              <a:rPr lang="en-US" sz="1350" dirty="0" smtClean="0"/>
-              <a:t>   first </a:t>
-            </a:r>
-            <a:r>
-              <a:rPr lang="en-US" sz="1350" i="1" dirty="0"/>
-              <a:t>de novo </a:t>
-            </a:r>
-            <a:r>
-              <a:rPr lang="en-US" sz="1350" dirty="0"/>
-              <a:t>genome assembly software (SSAKE) with short DNA </a:t>
-            </a:r>
-            <a:r>
-              <a:rPr lang="en-US" sz="1350" dirty="0" smtClean="0"/>
-              <a:t>sequences</a:t>
-            </a:r>
-            <a:endParaRPr lang="en-US" sz="1350" dirty="0"/>
-          </a:p>
-          <a:p>
-            <a:r>
-              <a:rPr lang="en-US" sz="1350" b="1" dirty="0" smtClean="0"/>
-              <a:t> Discovered</a:t>
+              <a:rPr lang="en-US" sz="1350" i="1" dirty="0" err="1" smtClean="0"/>
+              <a:t>Fusobacterium</a:t>
             </a:r>
             <a:r>
               <a:rPr lang="en-US" sz="1350" dirty="0" smtClean="0"/>
               <a:t> </a:t>
             </a:r>
             <a:r>
-              <a:rPr lang="en-US" sz="1350" dirty="0" smtClean="0"/>
-              <a:t>  </a:t>
-            </a:r>
-            <a:r>
-              <a:rPr lang="en-US" sz="1350" i="1" dirty="0" err="1" smtClean="0"/>
-              <a:t>Fusobacterium</a:t>
-            </a:r>
-            <a:r>
-              <a:rPr lang="en-US" sz="1350" dirty="0" smtClean="0"/>
-              <a:t> </a:t>
-            </a:r>
-            <a:r>
               <a:rPr lang="en-US" sz="1350" dirty="0"/>
               <a:t>in colon cancer, </a:t>
             </a:r>
@@ -4182,6 +4175,10 @@
             <a:endParaRPr lang="en-US" sz="1350" dirty="0"/>
           </a:p>
           <a:p>
+            <a:r>
+              <a:rPr lang="en-US" sz="1350" b="1" dirty="0" smtClean="0"/>
+              <a:t> </a:t>
+            </a:r>
             <a:r>
               <a:rPr lang="en-US" sz="1350" b="1" dirty="0" smtClean="0"/>
               <a:t> Coordinated</a:t>

--- a/cv/CV_RWARREN_PPT.pptx
+++ b/cv/CV_RWARREN_PPT.pptx
@@ -3264,11 +3264,11 @@
           </a:p>
           <a:p>
             <a:pPr lvl="0" fontAlgn="base"/>
-            <a:endParaRPr lang="en-US" sz="800" dirty="0"/>
+            <a:endParaRPr lang="en-US" sz="600" dirty="0"/>
           </a:p>
           <a:p>
             <a:pPr lvl="0" fontAlgn="base"/>
-            <a:endParaRPr lang="en-US" sz="800" dirty="0" smtClean="0"/>
+            <a:endParaRPr lang="en-US" sz="600" dirty="0" smtClean="0"/>
           </a:p>
           <a:p>
             <a:r>
@@ -3521,7 +3521,7 @@
         <p:spPr>
           <a:xfrm>
             <a:off x="3469042" y="2697835"/>
-            <a:ext cx="3365500" cy="3647152"/>
+            <a:ext cx="3365500" cy="3831818"/>
           </a:xfrm>
           <a:prstGeom prst="rect">
             <a:avLst/>
@@ -3761,6 +3761,12 @@
           </a:p>
           <a:p>
             <a:endParaRPr lang="en-US" sz="600" dirty="0" smtClean="0"/>
+          </a:p>
+          <a:p>
+            <a:endParaRPr lang="en-US" sz="400" dirty="0" smtClean="0"/>
+          </a:p>
+          <a:p>
+            <a:endParaRPr lang="en-US" sz="400" dirty="0"/>
           </a:p>
           <a:p>
             <a:endParaRPr lang="en-US" sz="400" dirty="0" smtClean="0"/>
@@ -4106,12 +4112,8 @@
               <a:t> </a:t>
             </a:r>
             <a:r>
-              <a:rPr lang="en-US" sz="1350" b="1" smtClean="0"/>
-              <a:t>    </a:t>
-            </a:r>
-            <a:r>
               <a:rPr lang="en-US" sz="1350" b="1" dirty="0" smtClean="0"/>
-              <a:t>Developed</a:t>
+              <a:t>    Developed</a:t>
             </a:r>
             <a:r>
               <a:rPr lang="en-US" sz="1350" dirty="0" smtClean="0"/>
@@ -4332,7 +4334,7 @@
                   <a:srgbClr val="FFFFFF"/>
                 </a:solidFill>
               </a:rPr>
-              <a:t>20+ years experience in biotechnology, </a:t>
+              <a:t>20+ </a:t>
             </a:r>
             <a:r>
               <a:rPr lang="en-US" dirty="0" smtClean="0">
@@ -4340,7 +4342,7 @@
                   <a:srgbClr val="FFFFFF"/>
                 </a:solidFill>
               </a:rPr>
-              <a:t>genomics &amp; </a:t>
+              <a:t>Years </a:t>
             </a:r>
             <a:r>
               <a:rPr lang="en-US" dirty="0">
@@ -4348,8 +4350,69 @@
                   <a:srgbClr val="FFFFFF"/>
                 </a:solidFill>
               </a:rPr>
-              <a:t>informatics</a:t>
-            </a:r>
+              <a:t>E</a:t>
+            </a:r>
+            <a:r>
+              <a:rPr lang="en-US" dirty="0" smtClean="0">
+                <a:solidFill>
+                  <a:srgbClr val="FFFFFF"/>
+                </a:solidFill>
+              </a:rPr>
+              <a:t>xperience </a:t>
+            </a:r>
+            <a:r>
+              <a:rPr lang="en-US" dirty="0">
+                <a:solidFill>
+                  <a:srgbClr val="FFFFFF"/>
+                </a:solidFill>
+              </a:rPr>
+              <a:t>in </a:t>
+            </a:r>
+            <a:r>
+              <a:rPr lang="en-US" dirty="0" smtClean="0">
+                <a:solidFill>
+                  <a:srgbClr val="FFFFFF"/>
+                </a:solidFill>
+              </a:rPr>
+              <a:t>Biotechnology | </a:t>
+            </a:r>
+            <a:r>
+              <a:rPr lang="en-US" dirty="0" smtClean="0">
+                <a:solidFill>
+                  <a:srgbClr val="FFFFFF"/>
+                </a:solidFill>
+              </a:rPr>
+              <a:t>G</a:t>
+            </a:r>
+            <a:r>
+              <a:rPr lang="en-US" dirty="0" smtClean="0">
+                <a:solidFill>
+                  <a:srgbClr val="FFFFFF"/>
+                </a:solidFill>
+              </a:rPr>
+              <a:t>enomics | </a:t>
+            </a:r>
+            <a:r>
+              <a:rPr lang="en-US" dirty="0">
+                <a:solidFill>
+                  <a:srgbClr val="FFFFFF"/>
+                </a:solidFill>
+              </a:rPr>
+              <a:t>I</a:t>
+            </a:r>
+            <a:r>
+              <a:rPr lang="en-US" dirty="0" smtClean="0">
+                <a:solidFill>
+                  <a:srgbClr val="FFFFFF"/>
+                </a:solidFill>
+              </a:rPr>
+              <a:t>nformatics</a:t>
+            </a:r>
+            <a:endParaRPr lang="en-US" dirty="0">
+              <a:solidFill>
+                <a:srgbClr val="FFFFFF"/>
+              </a:solidFill>
+            </a:endParaRPr>
           </a:p>
         </p:txBody>
       </p:sp>
@@ -4379,13 +4442,54 @@
           </a:bodyPr>
           <a:lstStyle/>
           <a:p>
+            <a:pPr lvl="1"/>
+            <a:r>
+              <a:rPr lang="en-US" dirty="0">
+                <a:solidFill>
+                  <a:srgbClr val="FFFFFF"/>
+                </a:solidFill>
+              </a:rPr>
+              <a:t> </a:t>
+            </a:r>
             <a:r>
               <a:rPr lang="en-US" dirty="0" smtClean="0">
                 <a:solidFill>
                   <a:srgbClr val="FFFFFF"/>
                 </a:solidFill>
               </a:rPr>
-              <a:t>                    Seeking </a:t>
+              <a:t>    </a:t>
+            </a:r>
+            <a:r>
+              <a:rPr lang="en-US" sz="1000" dirty="0" smtClean="0">
+                <a:solidFill>
+                  <a:srgbClr val="FFFFFF"/>
+                </a:solidFill>
+              </a:rPr>
+              <a:t> </a:t>
+            </a:r>
+            <a:r>
+              <a:rPr lang="en-US" dirty="0" smtClean="0">
+                <a:solidFill>
+                  <a:srgbClr val="FFFFFF"/>
+                </a:solidFill>
+              </a:rPr>
+              <a:t>  </a:t>
+            </a:r>
+            <a:r>
+              <a:rPr lang="en-US" sz="800" dirty="0" smtClean="0">
+                <a:solidFill>
+                  <a:srgbClr val="FFFFFF"/>
+                </a:solidFill>
+              </a:rPr>
+              <a:t> </a:t>
+            </a:r>
+            <a:r>
+              <a:rPr lang="en-US" dirty="0" smtClean="0">
+                <a:solidFill>
+                  <a:srgbClr val="FFFFFF"/>
+                </a:solidFill>
+              </a:rPr>
+              <a:t>Seeking : </a:t>
             </a:r>
             <a:r>
               <a:rPr lang="en-US" dirty="0">
@@ -4393,7 +4497,7 @@
                   <a:srgbClr val="FFFFFF"/>
                 </a:solidFill>
               </a:rPr>
-              <a:t>new </a:t>
+              <a:t>N</a:t>
             </a:r>
             <a:r>
               <a:rPr lang="en-US" dirty="0" smtClean="0">
@@ -4401,23 +4505,7 @@
                   <a:srgbClr val="FFFFFF"/>
                 </a:solidFill>
               </a:rPr>
-              <a:t>challenges</a:t>
-            </a:r>
-            <a:r>
-              <a:rPr lang="en-US" dirty="0" smtClean="0">
-                <a:solidFill>
-                  <a:srgbClr val="FFFFFF"/>
-                </a:solidFill>
-              </a:rPr>
-              <a:t>| Additional </a:t>
-            </a:r>
-            <a:r>
-              <a:rPr lang="en-US" dirty="0" smtClean="0">
-                <a:solidFill>
-                  <a:srgbClr val="FFFFFF"/>
-                </a:solidFill>
-              </a:rPr>
-              <a:t>leadership       </a:t>
+              <a:t>ew Challenges| Additional Leadership       </a:t>
             </a:r>
             <a:endParaRPr lang="en-US" dirty="0">
               <a:solidFill>
@@ -4765,7 +4853,7 @@
         </p:nvCxnSpPr>
         <p:spPr>
           <a:xfrm>
-            <a:off x="3268100" y="5971503"/>
+            <a:off x="3268100" y="5895303"/>
             <a:ext cx="190500" cy="0"/>
           </a:xfrm>
           <a:prstGeom prst="line">
@@ -4801,7 +4889,7 @@
         </p:nvSpPr>
         <p:spPr>
           <a:xfrm rot="16200000">
-            <a:off x="3008864" y="5520615"/>
+            <a:off x="3008864" y="5444415"/>
             <a:ext cx="699756" cy="276999"/>
           </a:xfrm>
           <a:prstGeom prst="rect">
@@ -4854,15 +4942,15 @@
                   <a:srgbClr val="FFFFFF"/>
                 </a:solidFill>
               </a:rPr>
-              <a:t>References available </a:t>
-            </a:r>
-            <a:r>
-              <a:rPr lang="en-US" sz="1200" i="1" dirty="0">
+              <a:t>References </a:t>
+            </a:r>
+            <a:r>
+              <a:rPr lang="en-US" sz="1200" i="1" dirty="0" smtClean="0">
                 <a:solidFill>
                   <a:srgbClr val="FFFFFF"/>
                 </a:solidFill>
               </a:rPr>
-              <a:t>upon request</a:t>
+              <a:t>Available</a:t>
             </a:r>
             <a:endParaRPr lang="en-US" sz="1200" dirty="0">
               <a:solidFill>
@@ -5464,7 +5552,7 @@
         </p:nvSpPr>
         <p:spPr>
           <a:xfrm>
-            <a:off x="3640666" y="6465451"/>
+            <a:off x="3640666" y="6478151"/>
             <a:ext cx="3039533" cy="249766"/>
           </a:xfrm>
           <a:prstGeom prst="rect">
@@ -5509,7 +5597,15 @@
                   <a:schemeClr val="tx1"/>
                 </a:solidFill>
               </a:rPr>
-              <a:t>reviewed | 23 lead author</a:t>
+              <a:t>reviewed  23 </a:t>
+            </a:r>
+            <a:r>
+              <a:rPr lang="en-US" sz="1000" b="1" i="1" dirty="0" smtClean="0">
+                <a:solidFill>
+                  <a:schemeClr val="tx1"/>
+                </a:solidFill>
+              </a:rPr>
+              <a:t>lead author</a:t>
             </a:r>
             <a:r>
               <a:rPr lang="en-US" sz="1000" b="1" i="1" dirty="0">

--- a/cv/CV_RWARREN_PPT.pptx
+++ b/cv/CV_RWARREN_PPT.pptx
@@ -4655,7 +4655,7 @@
         </p:nvCxnSpPr>
         <p:spPr>
           <a:xfrm>
-            <a:off x="3264925" y="7016472"/>
+            <a:off x="3264925" y="6991072"/>
             <a:ext cx="190500" cy="0"/>
           </a:xfrm>
           <a:prstGeom prst="line">
@@ -4691,7 +4691,7 @@
         </p:nvSpPr>
         <p:spPr>
           <a:xfrm rot="16200000">
-            <a:off x="3110417" y="6651188"/>
+            <a:off x="3110417" y="6625788"/>
             <a:ext cx="496650" cy="276999"/>
           </a:xfrm>
           <a:prstGeom prst="rect">
@@ -4721,7 +4721,7 @@
         </p:nvCxnSpPr>
         <p:spPr>
           <a:xfrm>
-            <a:off x="3264925" y="7693792"/>
+            <a:off x="3264925" y="7668392"/>
             <a:ext cx="190500" cy="0"/>
           </a:xfrm>
           <a:prstGeom prst="line">
@@ -4757,7 +4757,7 @@
         </p:nvSpPr>
         <p:spPr>
           <a:xfrm rot="16200000">
-            <a:off x="3110417" y="7328507"/>
+            <a:off x="3110417" y="7303107"/>
             <a:ext cx="496650" cy="276999"/>
           </a:xfrm>
           <a:prstGeom prst="rect">
@@ -4787,7 +4787,7 @@
         </p:nvCxnSpPr>
         <p:spPr>
           <a:xfrm>
-            <a:off x="3261750" y="8358415"/>
+            <a:off x="3261750" y="8333015"/>
             <a:ext cx="190500" cy="0"/>
           </a:xfrm>
           <a:prstGeom prst="line">
@@ -4823,7 +4823,7 @@
         </p:nvSpPr>
         <p:spPr>
           <a:xfrm rot="16200000">
-            <a:off x="3110417" y="7998574"/>
+            <a:off x="3110417" y="7973174"/>
             <a:ext cx="496650" cy="276999"/>
           </a:xfrm>
           <a:prstGeom prst="rect">

--- a/cv/CV_RWARREN_PPT.pptx
+++ b/cv/CV_RWARREN_PPT.pptx
@@ -288,7 +288,7 @@
           <a:p>
             <a:fld id="{12CDA68D-1A1F-6346-A281-652CBF222AD7}" type="datetimeFigureOut">
               <a:rPr lang="en-US" smtClean="0"/>
-              <a:t>19-10-20</a:t>
+              <a:t>19-10-26</a:t>
             </a:fld>
             <a:endParaRPr lang="en-US"/>
           </a:p>
@@ -458,7 +458,7 @@
           <a:p>
             <a:fld id="{12CDA68D-1A1F-6346-A281-652CBF222AD7}" type="datetimeFigureOut">
               <a:rPr lang="en-US" smtClean="0"/>
-              <a:t>19-10-20</a:t>
+              <a:t>19-10-26</a:t>
             </a:fld>
             <a:endParaRPr lang="en-US"/>
           </a:p>
@@ -638,7 +638,7 @@
           <a:p>
             <a:fld id="{12CDA68D-1A1F-6346-A281-652CBF222AD7}" type="datetimeFigureOut">
               <a:rPr lang="en-US" smtClean="0"/>
-              <a:t>19-10-20</a:t>
+              <a:t>19-10-26</a:t>
             </a:fld>
             <a:endParaRPr lang="en-US"/>
           </a:p>
@@ -808,7 +808,7 @@
           <a:p>
             <a:fld id="{12CDA68D-1A1F-6346-A281-652CBF222AD7}" type="datetimeFigureOut">
               <a:rPr lang="en-US" smtClean="0"/>
-              <a:t>19-10-20</a:t>
+              <a:t>19-10-26</a:t>
             </a:fld>
             <a:endParaRPr lang="en-US"/>
           </a:p>
@@ -1054,7 +1054,7 @@
           <a:p>
             <a:fld id="{12CDA68D-1A1F-6346-A281-652CBF222AD7}" type="datetimeFigureOut">
               <a:rPr lang="en-US" smtClean="0"/>
-              <a:t>19-10-20</a:t>
+              <a:t>19-10-26</a:t>
             </a:fld>
             <a:endParaRPr lang="en-US"/>
           </a:p>
@@ -1342,7 +1342,7 @@
           <a:p>
             <a:fld id="{12CDA68D-1A1F-6346-A281-652CBF222AD7}" type="datetimeFigureOut">
               <a:rPr lang="en-US" smtClean="0"/>
-              <a:t>19-10-20</a:t>
+              <a:t>19-10-26</a:t>
             </a:fld>
             <a:endParaRPr lang="en-US"/>
           </a:p>
@@ -1769,7 +1769,7 @@
           <a:p>
             <a:fld id="{12CDA68D-1A1F-6346-A281-652CBF222AD7}" type="datetimeFigureOut">
               <a:rPr lang="en-US" smtClean="0"/>
-              <a:t>19-10-20</a:t>
+              <a:t>19-10-26</a:t>
             </a:fld>
             <a:endParaRPr lang="en-US"/>
           </a:p>
@@ -1887,7 +1887,7 @@
           <a:p>
             <a:fld id="{12CDA68D-1A1F-6346-A281-652CBF222AD7}" type="datetimeFigureOut">
               <a:rPr lang="en-US" smtClean="0"/>
-              <a:t>19-10-20</a:t>
+              <a:t>19-10-26</a:t>
             </a:fld>
             <a:endParaRPr lang="en-US"/>
           </a:p>
@@ -1982,7 +1982,7 @@
           <a:p>
             <a:fld id="{12CDA68D-1A1F-6346-A281-652CBF222AD7}" type="datetimeFigureOut">
               <a:rPr lang="en-US" smtClean="0"/>
-              <a:t>19-10-20</a:t>
+              <a:t>19-10-26</a:t>
             </a:fld>
             <a:endParaRPr lang="en-US"/>
           </a:p>
@@ -2259,7 +2259,7 @@
           <a:p>
             <a:fld id="{12CDA68D-1A1F-6346-A281-652CBF222AD7}" type="datetimeFigureOut">
               <a:rPr lang="en-US" smtClean="0"/>
-              <a:t>19-10-20</a:t>
+              <a:t>19-10-26</a:t>
             </a:fld>
             <a:endParaRPr lang="en-US"/>
           </a:p>
@@ -2512,7 +2512,7 @@
           <a:p>
             <a:fld id="{12CDA68D-1A1F-6346-A281-652CBF222AD7}" type="datetimeFigureOut">
               <a:rPr lang="en-US" smtClean="0"/>
-              <a:t>19-10-20</a:t>
+              <a:t>19-10-26</a:t>
             </a:fld>
             <a:endParaRPr lang="en-US"/>
           </a:p>
@@ -2725,7 +2725,7 @@
           <a:p>
             <a:fld id="{12CDA68D-1A1F-6346-A281-652CBF222AD7}" type="datetimeFigureOut">
               <a:rPr lang="en-US" smtClean="0"/>
-              <a:t>19-10-20</a:t>
+              <a:t>19-10-26</a:t>
             </a:fld>
             <a:endParaRPr lang="en-US"/>
           </a:p>
@@ -3147,8 +3147,12 @@
           </a:p>
           <a:p>
             <a:r>
+              <a:rPr lang="en-US" sz="1200" b="1" i="1" dirty="0" smtClean="0"/>
+              <a:t> BC </a:t>
+            </a:r>
+            <a:r>
               <a:rPr lang="en-US" sz="1200" b="1" i="1" dirty="0"/>
-              <a:t>BC Cancer </a:t>
+              <a:t>Cancer </a:t>
             </a:r>
             <a:r>
               <a:rPr lang="en-US" sz="1200" b="1" dirty="0"/>
@@ -3172,7 +3176,11 @@
             <a:pPr lvl="0" fontAlgn="base"/>
             <a:r>
               <a:rPr lang="en-US" sz="1200" dirty="0" smtClean="0"/>
-              <a:t>Research project concept, management, guidance</a:t>
+              <a:t> Research </a:t>
+            </a:r>
+            <a:r>
+              <a:rPr lang="en-US" sz="1200" dirty="0" smtClean="0"/>
+              <a:t>project concept, management, guidance</a:t>
             </a:r>
             <a:endParaRPr lang="en-US" sz="1200" dirty="0"/>
           </a:p>
@@ -3180,7 +3188,7 @@
             <a:pPr lvl="0" fontAlgn="base"/>
             <a:r>
               <a:rPr lang="en-US" sz="1200" dirty="0" smtClean="0"/>
-              <a:t>Interview</a:t>
+              <a:t> Interview</a:t>
             </a:r>
             <a:r>
               <a:rPr lang="en-US" sz="1200" dirty="0"/>
@@ -3217,8 +3225,12 @@
           </a:p>
           <a:p>
             <a:r>
+              <a:rPr lang="en-US" sz="1200" b="1" i="1" dirty="0" smtClean="0"/>
+              <a:t> BC </a:t>
+            </a:r>
+            <a:r>
               <a:rPr lang="en-US" sz="1200" b="1" i="1" dirty="0"/>
-              <a:t>BC Cancer </a:t>
+              <a:t>Cancer </a:t>
             </a:r>
             <a:r>
               <a:rPr lang="en-US" sz="1200" b="1" dirty="0"/>
@@ -3236,7 +3248,7 @@
           <a:p>
             <a:r>
               <a:rPr lang="en-US" sz="1200" dirty="0" smtClean="0"/>
-              <a:t>Lead </a:t>
+              <a:t> Lead </a:t>
             </a:r>
             <a:r>
               <a:rPr lang="en-US" sz="1200" dirty="0"/>
@@ -3251,7 +3263,7 @@
             <a:pPr lvl="0" fontAlgn="base"/>
             <a:r>
               <a:rPr lang="en-US" sz="1200" dirty="0" smtClean="0"/>
-              <a:t>Interviewed</a:t>
+              <a:t> Interviewed</a:t>
             </a:r>
             <a:r>
               <a:rPr lang="en-US" sz="1200" dirty="0"/>
@@ -3280,7 +3292,7 @@
           <a:p>
             <a:r>
               <a:rPr lang="en-US" sz="1200" b="1" i="1" dirty="0" smtClean="0"/>
-              <a:t>NRC </a:t>
+              <a:t> NRC </a:t>
             </a:r>
             <a:r>
               <a:rPr lang="en-US" sz="1200" b="1" dirty="0" smtClean="0"/>
@@ -3302,11 +3314,21 @@
           <a:p>
             <a:r>
               <a:rPr lang="en-US" sz="1200" dirty="0" smtClean="0"/>
-              <a:t>Engineered </a:t>
+              <a:t> Engineered </a:t>
             </a:r>
             <a:r>
               <a:rPr lang="en-US" sz="1200" dirty="0"/>
               <a:t>gene expression regulation technology </a:t>
+            </a:r>
+            <a:r>
+              <a:rPr lang="en-US" sz="1200" dirty="0" smtClean="0"/>
+              <a:t>          </a:t>
+            </a:r>
+          </a:p>
+          <a:p>
+            <a:r>
+              <a:rPr lang="en-US" sz="1200" dirty="0"/>
+              <a:t> </a:t>
             </a:r>
             <a:r>
               <a:rPr lang="en-CA" sz="1200" dirty="0" smtClean="0"/>
@@ -3546,108 +3568,118 @@
           <a:p>
             <a:r>
               <a:rPr lang="en-US" sz="1100" dirty="0" smtClean="0"/>
-              <a:t>2015, 16 </a:t>
+              <a:t>2015, 16  </a:t>
+            </a:r>
+            <a:r>
+              <a:rPr lang="en-US" sz="1100" b="1" dirty="0" smtClean="0"/>
+              <a:t>Awarded</a:t>
             </a:r>
             <a:r>
               <a:rPr lang="en-US" sz="1100" dirty="0" smtClean="0"/>
               <a:t> </a:t>
             </a:r>
             <a:r>
+              <a:rPr lang="en-US" sz="1100" i="1" dirty="0" smtClean="0"/>
+              <a:t>John </a:t>
+            </a:r>
+            <a:r>
+              <a:rPr lang="en-US" sz="1100" i="1" dirty="0" err="1" smtClean="0"/>
+              <a:t>Jambor</a:t>
+            </a:r>
+            <a:r>
+              <a:rPr lang="en-US" sz="1100" i="1" dirty="0" smtClean="0"/>
+              <a:t> Knowledge Fund</a:t>
+            </a:r>
+            <a:endParaRPr lang="en-US" sz="1100" dirty="0" smtClean="0"/>
+          </a:p>
+          <a:p>
+            <a:r>
+              <a:rPr lang="en-US" sz="1100" dirty="0" smtClean="0"/>
+              <a:t>       2011  </a:t>
+            </a:r>
+            <a:r>
+              <a:rPr lang="en-US" sz="1100" b="1" dirty="0" smtClean="0"/>
+              <a:t>Interview</a:t>
+            </a:r>
+            <a:r>
+              <a:rPr lang="en-US" sz="1100" dirty="0" smtClean="0"/>
+              <a:t> </a:t>
+            </a:r>
+            <a:r>
+              <a:rPr lang="en-US" sz="1100" i="1" dirty="0" err="1" smtClean="0"/>
+              <a:t>Fusobacterium</a:t>
+            </a:r>
+            <a:r>
+              <a:rPr lang="en-US" sz="1100" dirty="0" smtClean="0"/>
+              <a:t> cancer discovery</a:t>
+            </a:r>
+          </a:p>
+          <a:p>
+            <a:r>
+              <a:rPr lang="en-US" sz="1100" dirty="0" smtClean="0"/>
+              <a:t>       2009  </a:t>
+            </a:r>
+            <a:r>
+              <a:rPr lang="en-US" sz="1100" i="1" dirty="0" smtClean="0"/>
+              <a:t>Genome Technology</a:t>
+            </a:r>
+            <a:r>
+              <a:rPr lang="en-US" sz="1100" dirty="0" smtClean="0"/>
+              <a:t> </a:t>
+            </a:r>
+            <a:r>
+              <a:rPr lang="en-US" sz="1100" b="1" dirty="0" smtClean="0"/>
+              <a:t>interview</a:t>
+            </a:r>
+            <a:r>
+              <a:rPr lang="en-US" sz="1100" i="1" dirty="0" smtClean="0"/>
+              <a:t>,</a:t>
+            </a:r>
+            <a:r>
+              <a:rPr lang="en-US" sz="1100" dirty="0" smtClean="0"/>
+              <a:t> next-gen. seq.</a:t>
+            </a:r>
+          </a:p>
+          <a:p>
+            <a:r>
+              <a:rPr lang="en-US" sz="1100" dirty="0" smtClean="0"/>
+              <a:t>       2007  </a:t>
+            </a:r>
+            <a:r>
+              <a:rPr lang="en-US" sz="1100" i="1" dirty="0" err="1" smtClean="0"/>
+              <a:t>GenomeWeb</a:t>
+            </a:r>
+            <a:r>
+              <a:rPr lang="en-US" sz="1100" dirty="0" smtClean="0"/>
+              <a:t> </a:t>
+            </a:r>
+            <a:r>
+              <a:rPr lang="en-US" sz="1100" b="1" dirty="0" smtClean="0"/>
+              <a:t>interview</a:t>
+            </a:r>
+            <a:r>
+              <a:rPr lang="en-US" sz="1100" dirty="0" smtClean="0"/>
+              <a:t>, SSAKE development</a:t>
+            </a:r>
+          </a:p>
+          <a:p>
+            <a:r>
+              <a:rPr lang="en-US" sz="1100" dirty="0" smtClean="0"/>
+              <a:t>       1998  </a:t>
+            </a:r>
+            <a:r>
               <a:rPr lang="en-US" sz="1100" b="1" dirty="0" smtClean="0"/>
               <a:t>Awarded</a:t>
             </a:r>
             <a:r>
               <a:rPr lang="en-US" sz="1100" dirty="0" smtClean="0"/>
-              <a:t> </a:t>
-            </a:r>
-            <a:r>
-              <a:rPr lang="en-US" sz="1100" i="1" dirty="0" smtClean="0"/>
-              <a:t>John </a:t>
-            </a:r>
-            <a:r>
-              <a:rPr lang="en-US" sz="1100" i="1" dirty="0" err="1" smtClean="0"/>
-              <a:t>Jambor</a:t>
-            </a:r>
-            <a:r>
-              <a:rPr lang="en-US" sz="1100" i="1" dirty="0" smtClean="0"/>
-              <a:t> Knowledge Fund</a:t>
-            </a:r>
-            <a:endParaRPr lang="en-US" sz="1100" dirty="0" smtClean="0"/>
+              <a:t> MSc UBC Graduate Fellowship</a:t>
+            </a:r>
           </a:p>
           <a:p>
             <a:r>
               <a:rPr lang="en-US" sz="1100" dirty="0" smtClean="0"/>
-              <a:t>       2011  </a:t>
-            </a:r>
-            <a:r>
-              <a:rPr lang="en-US" sz="1100" b="1" dirty="0" smtClean="0"/>
-              <a:t>Interview</a:t>
-            </a:r>
-            <a:r>
-              <a:rPr lang="en-US" sz="1100" dirty="0" smtClean="0"/>
-              <a:t> </a:t>
-            </a:r>
-            <a:r>
-              <a:rPr lang="en-US" sz="1100" i="1" dirty="0" err="1" smtClean="0"/>
-              <a:t>Fusobacterium</a:t>
-            </a:r>
-            <a:r>
-              <a:rPr lang="en-US" sz="1100" dirty="0" smtClean="0"/>
-              <a:t> cancer discovery</a:t>
-            </a:r>
-          </a:p>
-          <a:p>
-            <a:r>
-              <a:rPr lang="en-US" sz="1100" dirty="0" smtClean="0"/>
-              <a:t>       2009  </a:t>
-            </a:r>
-            <a:r>
-              <a:rPr lang="en-US" sz="1100" i="1" dirty="0" smtClean="0"/>
-              <a:t>Genome Technology</a:t>
-            </a:r>
-            <a:r>
-              <a:rPr lang="en-US" sz="1100" dirty="0" smtClean="0"/>
-              <a:t> </a:t>
-            </a:r>
-            <a:r>
-              <a:rPr lang="en-US" sz="1100" b="1" dirty="0" smtClean="0"/>
-              <a:t>interview</a:t>
-            </a:r>
-            <a:r>
-              <a:rPr lang="en-US" sz="1100" i="1" dirty="0" smtClean="0"/>
-              <a:t>,</a:t>
-            </a:r>
-            <a:r>
-              <a:rPr lang="en-US" sz="1100" dirty="0" smtClean="0"/>
-              <a:t> next-gen. seq.</a:t>
-            </a:r>
-          </a:p>
-          <a:p>
-            <a:r>
-              <a:rPr lang="en-US" sz="1100" dirty="0" smtClean="0"/>
-              <a:t>       2007  </a:t>
-            </a:r>
-            <a:r>
-              <a:rPr lang="en-US" sz="1100" i="1" dirty="0" err="1" smtClean="0"/>
-              <a:t>GenomeWeb</a:t>
-            </a:r>
-            <a:r>
-              <a:rPr lang="en-US" sz="1100" dirty="0" smtClean="0"/>
-              <a:t> </a:t>
-            </a:r>
-            <a:r>
-              <a:rPr lang="en-US" sz="1100" b="1" dirty="0" smtClean="0"/>
-              <a:t>interview</a:t>
-            </a:r>
-            <a:r>
-              <a:rPr lang="en-US" sz="1100" dirty="0" smtClean="0"/>
-              <a:t>, SSAKE development</a:t>
-            </a:r>
-          </a:p>
-          <a:p>
-            <a:r>
-              <a:rPr lang="en-US" sz="1100" dirty="0" smtClean="0"/>
-              <a:t>       1998  </a:t>
+              <a:t>       1997  </a:t>
             </a:r>
             <a:r>
               <a:rPr lang="en-US" sz="1100" b="1" dirty="0" smtClean="0"/>
@@ -3655,13 +3687,13 @@
             </a:r>
             <a:r>
               <a:rPr lang="en-US" sz="1100" dirty="0" smtClean="0"/>
-              <a:t> MSc UBC Graduate Fellowship</a:t>
+              <a:t> BSc FRSQ bursary</a:t>
             </a:r>
           </a:p>
           <a:p>
             <a:r>
               <a:rPr lang="en-US" sz="1100" dirty="0" smtClean="0"/>
-              <a:t>       1997  </a:t>
+              <a:t>       1996  </a:t>
             </a:r>
             <a:r>
               <a:rPr lang="en-US" sz="1100" b="1" dirty="0" smtClean="0"/>
@@ -3669,29 +3701,7 @@
             </a:r>
             <a:r>
               <a:rPr lang="en-US" sz="1100" dirty="0" smtClean="0"/>
-              <a:t> </a:t>
-            </a:r>
-            <a:r>
-              <a:rPr lang="en-US" sz="1100" dirty="0" smtClean="0"/>
-              <a:t>BSc FRSQ bursary</a:t>
-            </a:r>
-          </a:p>
-          <a:p>
-            <a:r>
-              <a:rPr lang="en-US" sz="1100" dirty="0" smtClean="0"/>
-              <a:t>       1996  </a:t>
-            </a:r>
-            <a:r>
-              <a:rPr lang="en-US" sz="1100" b="1" dirty="0" smtClean="0"/>
-              <a:t>Awarded</a:t>
-            </a:r>
-            <a:r>
-              <a:rPr lang="en-US" sz="1100" dirty="0" smtClean="0"/>
-              <a:t> </a:t>
-            </a:r>
-            <a:r>
-              <a:rPr lang="en-US" sz="1100" dirty="0" smtClean="0"/>
-              <a:t>BSc FRSQ </a:t>
+              <a:t> BSc FRSQ </a:t>
             </a:r>
             <a:r>
               <a:rPr lang="en-US" sz="1100" dirty="0" err="1" smtClean="0"/>
@@ -3699,11 +3709,7 @@
             </a:r>
             <a:r>
               <a:rPr lang="en-US" sz="1100" dirty="0" smtClean="0"/>
-              <a:t> </a:t>
-            </a:r>
-            <a:r>
-              <a:rPr lang="en-US" sz="1100" dirty="0" smtClean="0"/>
-              <a:t>research project </a:t>
+              <a:t> research project </a:t>
             </a:r>
           </a:p>
           <a:p>
@@ -3717,11 +3723,7 @@
             </a:r>
             <a:r>
               <a:rPr lang="en-US" sz="1100" dirty="0" smtClean="0"/>
-              <a:t> </a:t>
-            </a:r>
-            <a:r>
-              <a:rPr lang="en-US" sz="1100" dirty="0" smtClean="0"/>
-              <a:t>at </a:t>
+              <a:t> at </a:t>
             </a:r>
             <a:r>
               <a:rPr lang="en-US" sz="1100" b="1" dirty="0" smtClean="0"/>
@@ -3729,15 +3731,7 @@
             </a:r>
             <a:r>
               <a:rPr lang="en-US" sz="1100" dirty="0" smtClean="0"/>
-              <a:t> </a:t>
-            </a:r>
-            <a:r>
-              <a:rPr lang="en-US" sz="1100" dirty="0" smtClean="0"/>
-              <a:t>CMIX-4 </a:t>
-            </a:r>
-            <a:r>
-              <a:rPr lang="en-US" sz="1100" dirty="0" smtClean="0"/>
-              <a:t>protein payload</a:t>
+              <a:t> CMIX-4 protein payload</a:t>
             </a:r>
             <a:endParaRPr lang="en-US" sz="800" dirty="0" smtClean="0"/>
           </a:p>
@@ -3774,15 +3768,7 @@
           <a:p>
             <a:r>
               <a:rPr lang="en-US" sz="1100" dirty="0" smtClean="0"/>
-              <a:t>      2017</a:t>
-            </a:r>
-            <a:r>
-              <a:rPr lang="en-US" sz="1100" dirty="0" smtClean="0"/>
-              <a:t>, </a:t>
-            </a:r>
-            <a:r>
-              <a:rPr lang="en-US" sz="1100" dirty="0" smtClean="0"/>
-              <a:t>18   </a:t>
+              <a:t>      2017, 18   </a:t>
             </a:r>
             <a:r>
               <a:rPr lang="en-US" sz="1100" b="1" dirty="0" smtClean="0"/>
@@ -3790,11 +3776,7 @@
             </a:r>
             <a:r>
               <a:rPr lang="en-US" sz="1100" dirty="0" smtClean="0"/>
-              <a:t> </a:t>
-            </a:r>
-            <a:r>
-              <a:rPr lang="en-US" sz="1100" dirty="0" smtClean="0"/>
-              <a:t>Hong Kong / Paris                 </a:t>
+              <a:t> Hong Kong / Paris                 </a:t>
             </a:r>
             <a:r>
               <a:rPr lang="en-US" sz="1100" b="1" dirty="0" smtClean="0"/>
@@ -3858,11 +3840,7 @@
             </a:r>
             <a:r>
               <a:rPr lang="en-US" sz="1100" dirty="0" smtClean="0"/>
-              <a:t> </a:t>
-            </a:r>
-            <a:r>
-              <a:rPr lang="en-US" sz="1100" dirty="0" smtClean="0"/>
-              <a:t>Santa Fe                                          </a:t>
+              <a:t> Santa Fe                                          </a:t>
             </a:r>
             <a:r>
               <a:rPr lang="en-US" sz="1100" b="1" dirty="0" smtClean="0"/>
@@ -3877,11 +3855,7 @@
             </a:r>
             <a:r>
               <a:rPr lang="en-US" sz="1100" b="1" dirty="0" smtClean="0"/>
-              <a:t>Synthetic </a:t>
-            </a:r>
-            <a:r>
-              <a:rPr lang="en-US" sz="1100" b="1" dirty="0" smtClean="0"/>
-              <a:t>Biology </a:t>
+              <a:t>Synthetic Biology </a:t>
             </a:r>
             <a:r>
               <a:rPr lang="en-US" sz="1100" dirty="0" smtClean="0"/>
@@ -4109,11 +4083,7 @@
           <a:p>
             <a:r>
               <a:rPr lang="en-US" sz="1350" b="1" dirty="0" smtClean="0"/>
-              <a:t> </a:t>
-            </a:r>
-            <a:r>
-              <a:rPr lang="en-US" sz="1350" b="1" dirty="0" smtClean="0"/>
-              <a:t>    Developed</a:t>
+              <a:t>     Developed</a:t>
             </a:r>
             <a:r>
               <a:rPr lang="en-US" sz="1350" dirty="0" smtClean="0"/>
@@ -4136,11 +4106,7 @@
           <a:p>
             <a:r>
               <a:rPr lang="en-US" sz="1350" b="1" dirty="0" smtClean="0"/>
-              <a:t> </a:t>
-            </a:r>
-            <a:r>
-              <a:rPr lang="en-US" sz="1350" b="1" dirty="0" smtClean="0"/>
-              <a:t>   Discovered</a:t>
+              <a:t>    Discovered</a:t>
             </a:r>
             <a:r>
               <a:rPr lang="en-US" sz="1350" dirty="0" smtClean="0"/>
@@ -4168,22 +4134,14 @@
             </a:r>
             <a:r>
               <a:rPr lang="en-US" sz="1350" dirty="0" smtClean="0"/>
-              <a:t>10 </a:t>
-            </a:r>
-            <a:r>
-              <a:rPr lang="en-US" sz="1350" dirty="0" smtClean="0"/>
-              <a:t>breakthrough</a:t>
+              <a:t>10 breakthrough</a:t>
             </a:r>
             <a:endParaRPr lang="en-US" sz="1350" dirty="0"/>
           </a:p>
           <a:p>
             <a:r>
               <a:rPr lang="en-US" sz="1350" b="1" dirty="0" smtClean="0"/>
-              <a:t> </a:t>
-            </a:r>
-            <a:r>
-              <a:rPr lang="en-US" sz="1350" b="1" dirty="0" smtClean="0"/>
-              <a:t> Coordinated</a:t>
+              <a:t>  Coordinated</a:t>
             </a:r>
             <a:r>
               <a:rPr lang="en-US" sz="1350" dirty="0" smtClean="0"/>
@@ -4361,20 +4319,12 @@
               <a:t>xperience </a:t>
             </a:r>
             <a:r>
-              <a:rPr lang="en-US" dirty="0">
-                <a:solidFill>
-                  <a:srgbClr val="FFFFFF"/>
-                </a:solidFill>
-              </a:rPr>
-              <a:t>in </a:t>
-            </a:r>
-            <a:r>
               <a:rPr lang="en-US" dirty="0" smtClean="0">
                 <a:solidFill>
                   <a:srgbClr val="FFFFFF"/>
                 </a:solidFill>
               </a:rPr>
-              <a:t>Biotechnology | </a:t>
+              <a:t>- </a:t>
             </a:r>
             <a:r>
               <a:rPr lang="en-US" dirty="0" smtClean="0">
@@ -4382,15 +4332,7 @@
                   <a:srgbClr val="FFFFFF"/>
                 </a:solidFill>
               </a:rPr>
-              <a:t>G</a:t>
-            </a:r>
-            <a:r>
-              <a:rPr lang="en-US" dirty="0" smtClean="0">
-                <a:solidFill>
-                  <a:srgbClr val="FFFFFF"/>
-                </a:solidFill>
-              </a:rPr>
-              <a:t>enomics | </a:t>
+              <a:t>Biotechnology | Genomics | </a:t>
             </a:r>
             <a:r>
               <a:rPr lang="en-US" dirty="0">
@@ -4559,7 +4501,7 @@
         </p:nvSpPr>
         <p:spPr>
           <a:xfrm rot="16200000">
-            <a:off x="2851972" y="3346669"/>
+            <a:off x="2864672" y="3346669"/>
             <a:ext cx="1013544" cy="276999"/>
           </a:xfrm>
           <a:prstGeom prst="rect">
@@ -4625,7 +4567,7 @@
         </p:nvSpPr>
         <p:spPr>
           <a:xfrm rot="16200000">
-            <a:off x="3008865" y="4464086"/>
+            <a:off x="3021566" y="4464086"/>
             <a:ext cx="699756" cy="276999"/>
           </a:xfrm>
           <a:prstGeom prst="rect">
@@ -4691,7 +4633,7 @@
         </p:nvSpPr>
         <p:spPr>
           <a:xfrm rot="16200000">
-            <a:off x="3110417" y="6625788"/>
+            <a:off x="3123119" y="6642722"/>
             <a:ext cx="496650" cy="276999"/>
           </a:xfrm>
           <a:prstGeom prst="rect">
@@ -4757,7 +4699,7 @@
         </p:nvSpPr>
         <p:spPr>
           <a:xfrm rot="16200000">
-            <a:off x="3110417" y="7303107"/>
+            <a:off x="3114653" y="7320041"/>
             <a:ext cx="496650" cy="276999"/>
           </a:xfrm>
           <a:prstGeom prst="rect">
@@ -4823,7 +4765,7 @@
         </p:nvSpPr>
         <p:spPr>
           <a:xfrm rot="16200000">
-            <a:off x="3110417" y="7973174"/>
+            <a:off x="3114653" y="7990108"/>
             <a:ext cx="496650" cy="276999"/>
           </a:xfrm>
           <a:prstGeom prst="rect">
@@ -4889,7 +4831,7 @@
         </p:nvSpPr>
         <p:spPr>
           <a:xfrm rot="16200000">
-            <a:off x="3008864" y="5444415"/>
+            <a:off x="3021566" y="5444415"/>
             <a:ext cx="699756" cy="276999"/>
           </a:xfrm>
           <a:prstGeom prst="rect">
@@ -4942,15 +4884,7 @@
                   <a:srgbClr val="FFFFFF"/>
                 </a:solidFill>
               </a:rPr>
-              <a:t>References </a:t>
-            </a:r>
-            <a:r>
-              <a:rPr lang="en-US" sz="1200" i="1" dirty="0" smtClean="0">
-                <a:solidFill>
-                  <a:srgbClr val="FFFFFF"/>
-                </a:solidFill>
-              </a:rPr>
-              <a:t>Available</a:t>
+              <a:t>References Available</a:t>
             </a:r>
             <a:endParaRPr lang="en-US" sz="1200" dirty="0">
               <a:solidFill>
@@ -5597,15 +5531,7 @@
                   <a:schemeClr val="tx1"/>
                 </a:solidFill>
               </a:rPr>
-              <a:t>reviewed  23 </a:t>
-            </a:r>
-            <a:r>
-              <a:rPr lang="en-US" sz="1000" b="1" i="1" dirty="0" smtClean="0">
-                <a:solidFill>
-                  <a:schemeClr val="tx1"/>
-                </a:solidFill>
-              </a:rPr>
-              <a:t>lead author</a:t>
+              <a:t>reviewed  23 lead author</a:t>
             </a:r>
             <a:r>
               <a:rPr lang="en-US" sz="1000" b="1" i="1" dirty="0">

--- a/cv/CV_RWARREN_PPT.pptx
+++ b/cv/CV_RWARREN_PPT.pptx
@@ -288,7 +288,7 @@
           <a:p>
             <a:fld id="{12CDA68D-1A1F-6346-A281-652CBF222AD7}" type="datetimeFigureOut">
               <a:rPr lang="en-US" smtClean="0"/>
-              <a:t>19-10-26</a:t>
+              <a:t>19-10-27</a:t>
             </a:fld>
             <a:endParaRPr lang="en-US"/>
           </a:p>
@@ -458,7 +458,7 @@
           <a:p>
             <a:fld id="{12CDA68D-1A1F-6346-A281-652CBF222AD7}" type="datetimeFigureOut">
               <a:rPr lang="en-US" smtClean="0"/>
-              <a:t>19-10-26</a:t>
+              <a:t>19-10-27</a:t>
             </a:fld>
             <a:endParaRPr lang="en-US"/>
           </a:p>
@@ -638,7 +638,7 @@
           <a:p>
             <a:fld id="{12CDA68D-1A1F-6346-A281-652CBF222AD7}" type="datetimeFigureOut">
               <a:rPr lang="en-US" smtClean="0"/>
-              <a:t>19-10-26</a:t>
+              <a:t>19-10-27</a:t>
             </a:fld>
             <a:endParaRPr lang="en-US"/>
           </a:p>
@@ -808,7 +808,7 @@
           <a:p>
             <a:fld id="{12CDA68D-1A1F-6346-A281-652CBF222AD7}" type="datetimeFigureOut">
               <a:rPr lang="en-US" smtClean="0"/>
-              <a:t>19-10-26</a:t>
+              <a:t>19-10-27</a:t>
             </a:fld>
             <a:endParaRPr lang="en-US"/>
           </a:p>
@@ -1054,7 +1054,7 @@
           <a:p>
             <a:fld id="{12CDA68D-1A1F-6346-A281-652CBF222AD7}" type="datetimeFigureOut">
               <a:rPr lang="en-US" smtClean="0"/>
-              <a:t>19-10-26</a:t>
+              <a:t>19-10-27</a:t>
             </a:fld>
             <a:endParaRPr lang="en-US"/>
           </a:p>
@@ -1342,7 +1342,7 @@
           <a:p>
             <a:fld id="{12CDA68D-1A1F-6346-A281-652CBF222AD7}" type="datetimeFigureOut">
               <a:rPr lang="en-US" smtClean="0"/>
-              <a:t>19-10-26</a:t>
+              <a:t>19-10-27</a:t>
             </a:fld>
             <a:endParaRPr lang="en-US"/>
           </a:p>
@@ -1769,7 +1769,7 @@
           <a:p>
             <a:fld id="{12CDA68D-1A1F-6346-A281-652CBF222AD7}" type="datetimeFigureOut">
               <a:rPr lang="en-US" smtClean="0"/>
-              <a:t>19-10-26</a:t>
+              <a:t>19-10-27</a:t>
             </a:fld>
             <a:endParaRPr lang="en-US"/>
           </a:p>
@@ -1887,7 +1887,7 @@
           <a:p>
             <a:fld id="{12CDA68D-1A1F-6346-A281-652CBF222AD7}" type="datetimeFigureOut">
               <a:rPr lang="en-US" smtClean="0"/>
-              <a:t>19-10-26</a:t>
+              <a:t>19-10-27</a:t>
             </a:fld>
             <a:endParaRPr lang="en-US"/>
           </a:p>
@@ -1982,7 +1982,7 @@
           <a:p>
             <a:fld id="{12CDA68D-1A1F-6346-A281-652CBF222AD7}" type="datetimeFigureOut">
               <a:rPr lang="en-US" smtClean="0"/>
-              <a:t>19-10-26</a:t>
+              <a:t>19-10-27</a:t>
             </a:fld>
             <a:endParaRPr lang="en-US"/>
           </a:p>
@@ -2259,7 +2259,7 @@
           <a:p>
             <a:fld id="{12CDA68D-1A1F-6346-A281-652CBF222AD7}" type="datetimeFigureOut">
               <a:rPr lang="en-US" smtClean="0"/>
-              <a:t>19-10-26</a:t>
+              <a:t>19-10-27</a:t>
             </a:fld>
             <a:endParaRPr lang="en-US"/>
           </a:p>
@@ -2512,7 +2512,7 @@
           <a:p>
             <a:fld id="{12CDA68D-1A1F-6346-A281-652CBF222AD7}" type="datetimeFigureOut">
               <a:rPr lang="en-US" smtClean="0"/>
-              <a:t>19-10-26</a:t>
+              <a:t>19-10-27</a:t>
             </a:fld>
             <a:endParaRPr lang="en-US"/>
           </a:p>
@@ -2725,7 +2725,7 @@
           <a:p>
             <a:fld id="{12CDA68D-1A1F-6346-A281-652CBF222AD7}" type="datetimeFigureOut">
               <a:rPr lang="en-US" smtClean="0"/>
-              <a:t>19-10-26</a:t>
+              <a:t>19-10-27</a:t>
             </a:fld>
             <a:endParaRPr lang="en-US"/>
           </a:p>
@@ -3176,11 +3176,7 @@
             <a:pPr lvl="0" fontAlgn="base"/>
             <a:r>
               <a:rPr lang="en-US" sz="1200" dirty="0" smtClean="0"/>
-              <a:t> Research </a:t>
-            </a:r>
-            <a:r>
-              <a:rPr lang="en-US" sz="1200" dirty="0" smtClean="0"/>
-              <a:t>project concept, management, guidance</a:t>
+              <a:t> Research project concept, management, guidance</a:t>
             </a:r>
             <a:endParaRPr lang="en-US" sz="1200" dirty="0"/>
           </a:p>
@@ -4316,23 +4312,7 @@
                   <a:srgbClr val="FFFFFF"/>
                 </a:solidFill>
               </a:rPr>
-              <a:t>xperience </a:t>
-            </a:r>
-            <a:r>
-              <a:rPr lang="en-US" dirty="0" smtClean="0">
-                <a:solidFill>
-                  <a:srgbClr val="FFFFFF"/>
-                </a:solidFill>
-              </a:rPr>
-              <a:t>- </a:t>
-            </a:r>
-            <a:r>
-              <a:rPr lang="en-US" dirty="0" smtClean="0">
-                <a:solidFill>
-                  <a:srgbClr val="FFFFFF"/>
-                </a:solidFill>
-              </a:rPr>
-              <a:t>Biotechnology | Genomics | </a:t>
+              <a:t>xperience - Biotechnology | Genomics | </a:t>
             </a:r>
             <a:r>
               <a:rPr lang="en-US" dirty="0">
@@ -4633,7 +4613,7 @@
         </p:nvSpPr>
         <p:spPr>
           <a:xfrm rot="16200000">
-            <a:off x="3123119" y="6642722"/>
+            <a:off x="3123119" y="6634255"/>
             <a:ext cx="496650" cy="276999"/>
           </a:xfrm>
           <a:prstGeom prst="rect">
@@ -4699,7 +4679,7 @@
         </p:nvSpPr>
         <p:spPr>
           <a:xfrm rot="16200000">
-            <a:off x="3114653" y="7320041"/>
+            <a:off x="3114653" y="7311574"/>
             <a:ext cx="496650" cy="276999"/>
           </a:xfrm>
           <a:prstGeom prst="rect">
@@ -4729,7 +4709,7 @@
         </p:nvCxnSpPr>
         <p:spPr>
           <a:xfrm>
-            <a:off x="3261750" y="8333015"/>
+            <a:off x="3261750" y="8341482"/>
             <a:ext cx="190500" cy="0"/>
           </a:xfrm>
           <a:prstGeom prst="line">
@@ -4765,7 +4745,7 @@
         </p:nvSpPr>
         <p:spPr>
           <a:xfrm rot="16200000">
-            <a:off x="3114653" y="7990108"/>
+            <a:off x="3114653" y="7981641"/>
             <a:ext cx="496650" cy="276999"/>
           </a:xfrm>
           <a:prstGeom prst="rect">

--- a/cv/CV_RWARREN_PPT.pptx
+++ b/cv/CV_RWARREN_PPT.pptx
@@ -288,7 +288,7 @@
           <a:p>
             <a:fld id="{12CDA68D-1A1F-6346-A281-652CBF222AD7}" type="datetimeFigureOut">
               <a:rPr lang="en-US" smtClean="0"/>
-              <a:t>19-10-27</a:t>
+              <a:t>19-11-01</a:t>
             </a:fld>
             <a:endParaRPr lang="en-US"/>
           </a:p>
@@ -458,7 +458,7 @@
           <a:p>
             <a:fld id="{12CDA68D-1A1F-6346-A281-652CBF222AD7}" type="datetimeFigureOut">
               <a:rPr lang="en-US" smtClean="0"/>
-              <a:t>19-10-27</a:t>
+              <a:t>19-11-01</a:t>
             </a:fld>
             <a:endParaRPr lang="en-US"/>
           </a:p>
@@ -638,7 +638,7 @@
           <a:p>
             <a:fld id="{12CDA68D-1A1F-6346-A281-652CBF222AD7}" type="datetimeFigureOut">
               <a:rPr lang="en-US" smtClean="0"/>
-              <a:t>19-10-27</a:t>
+              <a:t>19-11-01</a:t>
             </a:fld>
             <a:endParaRPr lang="en-US"/>
           </a:p>
@@ -808,7 +808,7 @@
           <a:p>
             <a:fld id="{12CDA68D-1A1F-6346-A281-652CBF222AD7}" type="datetimeFigureOut">
               <a:rPr lang="en-US" smtClean="0"/>
-              <a:t>19-10-27</a:t>
+              <a:t>19-11-01</a:t>
             </a:fld>
             <a:endParaRPr lang="en-US"/>
           </a:p>
@@ -1054,7 +1054,7 @@
           <a:p>
             <a:fld id="{12CDA68D-1A1F-6346-A281-652CBF222AD7}" type="datetimeFigureOut">
               <a:rPr lang="en-US" smtClean="0"/>
-              <a:t>19-10-27</a:t>
+              <a:t>19-11-01</a:t>
             </a:fld>
             <a:endParaRPr lang="en-US"/>
           </a:p>
@@ -1342,7 +1342,7 @@
           <a:p>
             <a:fld id="{12CDA68D-1A1F-6346-A281-652CBF222AD7}" type="datetimeFigureOut">
               <a:rPr lang="en-US" smtClean="0"/>
-              <a:t>19-10-27</a:t>
+              <a:t>19-11-01</a:t>
             </a:fld>
             <a:endParaRPr lang="en-US"/>
           </a:p>
@@ -1769,7 +1769,7 @@
           <a:p>
             <a:fld id="{12CDA68D-1A1F-6346-A281-652CBF222AD7}" type="datetimeFigureOut">
               <a:rPr lang="en-US" smtClean="0"/>
-              <a:t>19-10-27</a:t>
+              <a:t>19-11-01</a:t>
             </a:fld>
             <a:endParaRPr lang="en-US"/>
           </a:p>
@@ -1887,7 +1887,7 @@
           <a:p>
             <a:fld id="{12CDA68D-1A1F-6346-A281-652CBF222AD7}" type="datetimeFigureOut">
               <a:rPr lang="en-US" smtClean="0"/>
-              <a:t>19-10-27</a:t>
+              <a:t>19-11-01</a:t>
             </a:fld>
             <a:endParaRPr lang="en-US"/>
           </a:p>
@@ -1982,7 +1982,7 @@
           <a:p>
             <a:fld id="{12CDA68D-1A1F-6346-A281-652CBF222AD7}" type="datetimeFigureOut">
               <a:rPr lang="en-US" smtClean="0"/>
-              <a:t>19-10-27</a:t>
+              <a:t>19-11-01</a:t>
             </a:fld>
             <a:endParaRPr lang="en-US"/>
           </a:p>
@@ -2259,7 +2259,7 @@
           <a:p>
             <a:fld id="{12CDA68D-1A1F-6346-A281-652CBF222AD7}" type="datetimeFigureOut">
               <a:rPr lang="en-US" smtClean="0"/>
-              <a:t>19-10-27</a:t>
+              <a:t>19-11-01</a:t>
             </a:fld>
             <a:endParaRPr lang="en-US"/>
           </a:p>
@@ -2512,7 +2512,7 @@
           <a:p>
             <a:fld id="{12CDA68D-1A1F-6346-A281-652CBF222AD7}" type="datetimeFigureOut">
               <a:rPr lang="en-US" smtClean="0"/>
-              <a:t>19-10-27</a:t>
+              <a:t>19-11-01</a:t>
             </a:fld>
             <a:endParaRPr lang="en-US"/>
           </a:p>
@@ -2725,7 +2725,7 @@
           <a:p>
             <a:fld id="{12CDA68D-1A1F-6346-A281-652CBF222AD7}" type="datetimeFigureOut">
               <a:rPr lang="en-US" smtClean="0"/>
-              <a:t>19-10-27</a:t>
+              <a:t>19-11-01</a:t>
             </a:fld>
             <a:endParaRPr lang="en-US"/>
           </a:p>
@@ -5148,14 +5148,13 @@
               <a:t>Bioinformatics. </a:t>
             </a:r>
             <a:r>
-              <a:rPr lang="en-US" sz="1000" i="1" dirty="0" err="1"/>
-              <a:t>doi</a:t>
-            </a:r>
-            <a:r>
-              <a:rPr lang="en-US" sz="1000" i="1" dirty="0"/>
-              <a:t>: 10.1093/bioinformatics/btz400</a:t>
-            </a:r>
-            <a:endParaRPr lang="en-US" sz="1000" dirty="0"/>
+              <a:rPr lang="en-US" sz="1000" dirty="0"/>
+              <a:t>35:</a:t>
+            </a:r>
+            <a:r>
+              <a:rPr lang="en-US" sz="1000" dirty="0" smtClean="0"/>
+              <a:t>4430</a:t>
+            </a:r>
           </a:p>
           <a:p>
             <a:r>

--- a/cv/CV_RWARREN_PPT.pptx
+++ b/cv/CV_RWARREN_PPT.pptx
@@ -4217,41 +4217,46 @@
               <a:t> </a:t>
             </a:r>
             <a:r>
-              <a:rPr lang="en-US" sz="2000" dirty="0" err="1" smtClean="0"/>
+              <a:rPr lang="en-US" dirty="0" err="1" smtClean="0"/>
               <a:t>warrenlr</a:t>
             </a:r>
             <a:r>
-              <a:rPr lang="en-US" sz="2000" dirty="0" err="1"/>
+              <a:rPr lang="en-US" dirty="0" err="1"/>
               <a:t>@gmail.com</a:t>
             </a:r>
             <a:r>
-              <a:rPr lang="en-US" sz="2000" dirty="0"/>
+              <a:rPr lang="en-US" dirty="0"/>
               <a:t>     </a:t>
             </a:r>
             <a:r>
-              <a:rPr lang="en-US" sz="2000" dirty="0" smtClean="0"/>
-              <a:t> </a:t>
-            </a:r>
-            <a:r>
-              <a:rPr lang="en-US" sz="2000" dirty="0"/>
-              <a:t>778 . 386 . 4192  </a:t>
-            </a:r>
-            <a:r>
-              <a:rPr lang="en-US" sz="2000" dirty="0" smtClean="0"/>
+              <a:rPr lang="en-US" dirty="0" smtClean="0"/>
               <a:t>  </a:t>
             </a:r>
             <a:r>
-              <a:rPr lang="en-US" sz="2000" dirty="0"/>
-              <a:t>http://</a:t>
-            </a:r>
-            <a:r>
-              <a:rPr lang="en-US" sz="2000" dirty="0" err="1"/>
-              <a:t>renewarren.ca</a:t>
-            </a:r>
-            <a:r>
-              <a:rPr lang="en-US" sz="2000" dirty="0"/>
-              <a:t> </a:t>
-            </a:r>
+              <a:rPr lang="en-US" sz="1000" dirty="0" smtClean="0"/>
+              <a:t>  </a:t>
+            </a:r>
+            <a:r>
+              <a:rPr lang="en-US" dirty="0" smtClean="0"/>
+              <a:t>    778 </a:t>
+            </a:r>
+            <a:r>
+              <a:rPr lang="en-US" dirty="0"/>
+              <a:t>. 386 . 4192 </a:t>
+            </a:r>
+            <a:r>
+              <a:rPr lang="en-US" dirty="0" smtClean="0"/>
+              <a:t>  </a:t>
+            </a:r>
+            <a:r>
+              <a:rPr lang="en-US" dirty="0"/>
+              <a:t>https://</a:t>
+            </a:r>
+            <a:r>
+              <a:rPr lang="en-US" dirty="0" err="1"/>
+              <a:t>warrenlr.github.io</a:t>
+            </a:r>
+            <a:endParaRPr lang="en-US" dirty="0"/>
           </a:p>
         </p:txBody>
       </p:sp>
